--- a/predavanja/prezentacije/UVIT04-01-Stilovi-CSS.pptx
+++ b/predavanja/prezentacije/UVIT04-01-Stilovi-CSS.pptx
@@ -5,7 +5,7 @@
     <p:sldMasterId id="2147483750" r:id="rId1"/>
   </p:sldMasterIdLst>
   <p:notesMasterIdLst>
-    <p:notesMasterId r:id="rId42"/>
+    <p:notesMasterId r:id="rId45"/>
   </p:notesMasterIdLst>
   <p:sldIdLst>
     <p:sldId id="296" r:id="rId2"/>
@@ -44,10 +44,13 @@
     <p:sldId id="341" r:id="rId35"/>
     <p:sldId id="340" r:id="rId36"/>
     <p:sldId id="339" r:id="rId37"/>
-    <p:sldId id="342" r:id="rId38"/>
-    <p:sldId id="343" r:id="rId39"/>
-    <p:sldId id="344" r:id="rId40"/>
-    <p:sldId id="307" r:id="rId41"/>
+    <p:sldId id="347" r:id="rId38"/>
+    <p:sldId id="348" r:id="rId39"/>
+    <p:sldId id="349" r:id="rId40"/>
+    <p:sldId id="342" r:id="rId41"/>
+    <p:sldId id="343" r:id="rId42"/>
+    <p:sldId id="344" r:id="rId43"/>
+    <p:sldId id="307" r:id="rId44"/>
   </p:sldIdLst>
   <p:sldSz cx="9144000" cy="6858000" type="screen4x3"/>
   <p:notesSz cx="6858000" cy="9144000"/>
@@ -2070,7 +2073,17 @@
                 <a:latin typeface="Times New Roman" pitchFamily="18" charset="0"/>
                 <a:cs typeface="Arial" charset="0"/>
               </a:rPr>
-              <a:t>40</a:t>
+              <a:t>4</a:t>
+            </a:r>
+            <a:r>
+              <a:rPr lang="en-US" sz="800" dirty="0" smtClean="0">
+                <a:solidFill>
+                  <a:srgbClr val="6767FF"/>
+                </a:solidFill>
+                <a:latin typeface="Times New Roman" pitchFamily="18" charset="0"/>
+                <a:cs typeface="Arial" charset="0"/>
+              </a:rPr>
+              <a:t>3</a:t>
             </a:r>
             <a:endParaRPr lang="en-US" sz="800" dirty="0" smtClean="0">
               <a:solidFill>
@@ -27076,16 +27089,67 @@
             <p:ph type="title"/>
           </p:nvPr>
         </p:nvSpPr>
-        <p:spPr/>
+        <p:spPr>
+          <a:xfrm>
+            <a:off x="1403648" y="549275"/>
+            <a:ext cx="7283152" cy="868363"/>
+          </a:xfrm>
+        </p:spPr>
         <p:txBody>
           <a:bodyPr/>
           <a:lstStyle/>
           <a:p>
             <a:r>
-              <a:rPr lang="sr-Latn-RS" dirty="0" smtClean="0"/>
-              <a:t>Prikaz</a:t>
-            </a:r>
-            <a:endParaRPr lang="sr-Latn-RS" dirty="0"/>
+              <a:rPr lang="en-US" dirty="0" err="1" smtClean="0"/>
+              <a:t>Stilizovanje</a:t>
+            </a:r>
+            <a:r>
+              <a:rPr lang="en-US" dirty="0" smtClean="0"/>
+              <a:t> </a:t>
+            </a:r>
+            <a:r>
+              <a:rPr lang="en-US" dirty="0" err="1" smtClean="0"/>
+              <a:t>elemenata</a:t>
+            </a:r>
+            <a:r>
+              <a:rPr lang="en-US" dirty="0" smtClean="0"/>
+              <a:t> </a:t>
+            </a:r>
+            <a:r>
+              <a:rPr lang="en-US" dirty="0" smtClean="0">
+                <a:solidFill>
+                  <a:schemeClr val="accent5">
+                    <a:lumMod val="50000"/>
+                  </a:schemeClr>
+                </a:solidFill>
+              </a:rPr>
+              <a:t>div </a:t>
+            </a:r>
+            <a:r>
+              <a:rPr lang="en-US" dirty="0" err="1"/>
+              <a:t>i</a:t>
+            </a:r>
+            <a:r>
+              <a:rPr lang="en-US" dirty="0" smtClean="0"/>
+              <a:t> </a:t>
+            </a:r>
+            <a:r>
+              <a:rPr lang="en-US" dirty="0" smtClean="0">
+                <a:solidFill>
+                  <a:schemeClr val="accent5">
+                    <a:lumMod val="50000"/>
+                  </a:schemeClr>
+                </a:solidFill>
+              </a:rPr>
+              <a:t>span</a:t>
+            </a:r>
+            <a:endParaRPr lang="sr-Latn-RS" dirty="0">
+              <a:solidFill>
+                <a:schemeClr val="accent5">
+                  <a:lumMod val="50000"/>
+                </a:schemeClr>
+              </a:solidFill>
+            </a:endParaRPr>
           </a:p>
         </p:txBody>
       </p:sp>
@@ -27101,107 +27165,104 @@
         </p:nvSpPr>
         <p:spPr>
           <a:xfrm>
-            <a:off x="457200" y="1600200"/>
-            <a:ext cx="8579296" cy="4853136"/>
+            <a:off x="457200" y="1484784"/>
+            <a:ext cx="8579296" cy="5373216"/>
           </a:xfrm>
         </p:spPr>
         <p:txBody>
           <a:bodyPr/>
           <a:lstStyle/>
           <a:p>
-            <a:pPr>
+            <a:pPr lvl="1">
               <a:spcBef>
                 <a:spcPts val="1200"/>
               </a:spcBef>
             </a:pPr>
             <a:r>
-              <a:rPr lang="it-IT" dirty="0" err="1">
-                <a:solidFill>
-                  <a:srgbClr val="000000"/>
-                </a:solidFill>
-              </a:rPr>
-              <a:t>Razlikujemo</a:t>
-            </a:r>
-            <a:r>
-              <a:rPr lang="it-IT" dirty="0">
-                <a:solidFill>
-                  <a:srgbClr val="000000"/>
-                </a:solidFill>
-              </a:rPr>
-              <a:t> </a:t>
-            </a:r>
-            <a:r>
-              <a:rPr lang="it-IT" dirty="0" err="1">
-                <a:solidFill>
-                  <a:srgbClr val="000000"/>
-                </a:solidFill>
-              </a:rPr>
-              <a:t>dva</a:t>
-            </a:r>
-            <a:r>
-              <a:rPr lang="it-IT" dirty="0">
-                <a:solidFill>
-                  <a:srgbClr val="000000"/>
-                </a:solidFill>
-              </a:rPr>
-              <a:t> </a:t>
-            </a:r>
-            <a:r>
-              <a:rPr lang="it-IT" dirty="0" err="1" smtClean="0">
-                <a:solidFill>
-                  <a:srgbClr val="000000"/>
-                </a:solidFill>
-              </a:rPr>
-              <a:t>na</a:t>
+              <a:rPr lang="sr-Latn-RS" dirty="0" smtClean="0"/>
+              <a:t>Generi</a:t>
+            </a:r>
+            <a:r>
+              <a:rPr lang="sr-Latn-RS" dirty="0"/>
+              <a:t>č</a:t>
+            </a:r>
+            <a:r>
+              <a:rPr lang="sr-Latn-RS" dirty="0" smtClean="0"/>
+              <a:t>ki </a:t>
+            </a:r>
+            <a:r>
+              <a:rPr lang="sr-Latn-RS" dirty="0"/>
+              <a:t>elementi </a:t>
             </a:r>
             <a:r>
               <a:rPr lang="sr-Latn-RS" dirty="0">
                 <a:solidFill>
-                  <a:srgbClr val="000000"/>
-                </a:solidFill>
-              </a:rPr>
-              <a:t>č</a:t>
-            </a:r>
-            <a:r>
-              <a:rPr lang="it-IT" dirty="0" smtClean="0">
-                <a:solidFill>
-                  <a:srgbClr val="000000"/>
-                </a:solidFill>
-              </a:rPr>
-              <a:t>ina </a:t>
-            </a:r>
-            <a:r>
-              <a:rPr lang="it-IT" dirty="0" err="1">
-                <a:solidFill>
-                  <a:srgbClr val="000000"/>
-                </a:solidFill>
-              </a:rPr>
-              <a:t>prikaza</a:t>
-            </a:r>
-            <a:r>
-              <a:rPr lang="it-IT" dirty="0">
-                <a:solidFill>
-                  <a:srgbClr val="000000"/>
-                </a:solidFill>
-              </a:rPr>
-              <a:t> </a:t>
-            </a:r>
-            <a:r>
-              <a:rPr lang="it-IT" dirty="0" err="1">
-                <a:solidFill>
-                  <a:srgbClr val="000000"/>
-                </a:solidFill>
-              </a:rPr>
-              <a:t>elemenata</a:t>
-            </a:r>
-            <a:r>
-              <a:rPr lang="it-IT" dirty="0">
-                <a:solidFill>
-                  <a:srgbClr val="000000"/>
-                </a:solidFill>
-              </a:rPr>
-              <a:t>:</a:t>
-            </a:r>
+                  <a:srgbClr val="009E47"/>
+                </a:solidFill>
+              </a:rPr>
+              <a:t>div</a:t>
+            </a:r>
+            <a:r>
+              <a:rPr lang="sr-Latn-RS" dirty="0"/>
+              <a:t> i </a:t>
+            </a:r>
+            <a:r>
+              <a:rPr lang="sr-Latn-RS" dirty="0">
+                <a:solidFill>
+                  <a:srgbClr val="009E47"/>
+                </a:solidFill>
+              </a:rPr>
+              <a:t>span</a:t>
+            </a:r>
+            <a:r>
+              <a:rPr lang="sr-Latn-RS" dirty="0"/>
+              <a:t> nemaju unapred </a:t>
+            </a:r>
+            <a:r>
+              <a:rPr lang="sr-Latn-RS" dirty="0" smtClean="0"/>
+              <a:t>definisanu </a:t>
+            </a:r>
+            <a:r>
+              <a:rPr lang="sr-Latn-RS" dirty="0"/>
+              <a:t>semantiku</a:t>
+            </a:r>
+            <a:r>
+              <a:rPr lang="sr-Latn-RS" dirty="0" smtClean="0"/>
+              <a:t>; zadatak </a:t>
+            </a:r>
+            <a:r>
+              <a:rPr lang="sr-Latn-RS" dirty="0"/>
+              <a:t>im je da </a:t>
+            </a:r>
+            <a:r>
+              <a:rPr lang="sr-Latn-RS" dirty="0" smtClean="0"/>
+              <a:t>grupi</a:t>
+            </a:r>
+            <a:r>
+              <a:rPr lang="sr-Latn-RS" dirty="0"/>
+              <a:t>š</a:t>
+            </a:r>
+            <a:r>
+              <a:rPr lang="sr-Latn-RS" dirty="0" smtClean="0"/>
+              <a:t>u </a:t>
+            </a:r>
+            <a:r>
+              <a:rPr lang="sr-Latn-RS" dirty="0"/>
+              <a:t>neki </a:t>
+            </a:r>
+            <a:r>
+              <a:rPr lang="sr-Latn-RS" dirty="0" smtClean="0"/>
+              <a:t>sadr</a:t>
+            </a:r>
+            <a:r>
+              <a:rPr lang="sr-Latn-RS" dirty="0"/>
+              <a:t>ž</a:t>
+            </a:r>
+            <a:r>
+              <a:rPr lang="sr-Latn-RS" dirty="0" smtClean="0"/>
+              <a:t>aj</a:t>
+            </a:r>
+            <a:endParaRPr lang="sr-Latn-RS" dirty="0"/>
           </a:p>
           <a:p>
             <a:pPr lvl="1">
@@ -27210,572 +27271,46 @@
               </a:spcBef>
             </a:pPr>
             <a:r>
-              <a:rPr lang="it-IT" dirty="0" err="1">
-                <a:solidFill>
-                  <a:srgbClr val="000000"/>
-                </a:solidFill>
-              </a:rPr>
-              <a:t>blok</a:t>
-            </a:r>
-            <a:r>
-              <a:rPr lang="it-IT" dirty="0">
-                <a:solidFill>
-                  <a:srgbClr val="000000"/>
-                </a:solidFill>
-              </a:rPr>
-              <a:t> elementi</a:t>
-            </a:r>
-          </a:p>
-          <a:p>
-            <a:pPr lvl="2">
-              <a:spcBef>
-                <a:spcPts val="1200"/>
-              </a:spcBef>
-            </a:pPr>
-            <a:r>
-              <a:rPr lang="it-IT" b="1" dirty="0">
-                <a:solidFill>
-                  <a:srgbClr val="005828"/>
-                </a:solidFill>
-                <a:latin typeface="Courier New" panose="02070309020205020404" pitchFamily="49" charset="0"/>
-                <a:ea typeface="+mn-ea"/>
-                <a:cs typeface="Courier New" panose="02070309020205020404" pitchFamily="49" charset="0"/>
-              </a:rPr>
-              <a:t>display: </a:t>
-            </a:r>
-            <a:r>
-              <a:rPr lang="it-IT" b="1" dirty="0" err="1">
-                <a:solidFill>
-                  <a:srgbClr val="005828"/>
-                </a:solidFill>
-                <a:latin typeface="Courier New" panose="02070309020205020404" pitchFamily="49" charset="0"/>
-                <a:ea typeface="+mn-ea"/>
-                <a:cs typeface="Courier New" panose="02070309020205020404" pitchFamily="49" charset="0"/>
-              </a:rPr>
-              <a:t>block</a:t>
-            </a:r>
-            <a:r>
-              <a:rPr lang="it-IT" b="1" dirty="0">
-                <a:solidFill>
-                  <a:srgbClr val="005828"/>
-                </a:solidFill>
-                <a:latin typeface="Courier New" panose="02070309020205020404" pitchFamily="49" charset="0"/>
-                <a:ea typeface="+mn-ea"/>
-                <a:cs typeface="Courier New" panose="02070309020205020404" pitchFamily="49" charset="0"/>
-              </a:rPr>
-              <a:t>;</a:t>
-            </a:r>
-          </a:p>
-          <a:p>
-            <a:pPr lvl="2">
-              <a:spcBef>
-                <a:spcPts val="1200"/>
-              </a:spcBef>
-            </a:pPr>
-            <a:r>
-              <a:rPr lang="it-IT" dirty="0" err="1">
-                <a:solidFill>
-                  <a:srgbClr val="000000"/>
-                </a:solidFill>
-              </a:rPr>
-              <a:t>mogu</a:t>
-            </a:r>
-            <a:r>
-              <a:rPr lang="it-IT" dirty="0">
-                <a:solidFill>
-                  <a:srgbClr val="000000"/>
-                </a:solidFill>
-              </a:rPr>
-              <a:t> da </a:t>
-            </a:r>
-            <a:r>
-              <a:rPr lang="it-IT" dirty="0" err="1" smtClean="0">
-                <a:solidFill>
-                  <a:srgbClr val="000000"/>
-                </a:solidFill>
-              </a:rPr>
-              <a:t>sadr</a:t>
+              <a:rPr lang="sr-Latn-RS" dirty="0" smtClean="0"/>
+              <a:t>Obi</a:t>
+            </a:r>
+            <a:r>
+              <a:rPr lang="sr-Latn-RS" dirty="0"/>
+              <a:t>č</a:t>
+            </a:r>
+            <a:r>
+              <a:rPr lang="sr-Latn-RS" dirty="0" smtClean="0"/>
+              <a:t>no </a:t>
+            </a:r>
+            <a:r>
+              <a:rPr lang="sr-Latn-RS" dirty="0"/>
+              <a:t>se koriste u kombinaciji sa globalnim atributima </a:t>
             </a:r>
             <a:r>
               <a:rPr lang="sr-Latn-RS" dirty="0">
                 <a:solidFill>
-                  <a:srgbClr val="000000"/>
-                </a:solidFill>
-              </a:rPr>
-              <a:t>ž</a:t>
-            </a:r>
-            <a:r>
-              <a:rPr lang="it-IT" dirty="0" smtClean="0">
-                <a:solidFill>
-                  <a:srgbClr val="000000"/>
-                </a:solidFill>
-              </a:rPr>
-              <a:t>e </a:t>
-            </a:r>
-            <a:r>
-              <a:rPr lang="it-IT" dirty="0" err="1">
-                <a:solidFill>
-                  <a:srgbClr val="000000"/>
-                </a:solidFill>
-              </a:rPr>
-              <a:t>tekst</a:t>
-            </a:r>
-            <a:r>
-              <a:rPr lang="it-IT" dirty="0">
-                <a:solidFill>
-                  <a:srgbClr val="000000"/>
-                </a:solidFill>
-              </a:rPr>
-              <a:t>, </a:t>
-            </a:r>
-            <a:r>
-              <a:rPr lang="it-IT" dirty="0" err="1">
-                <a:solidFill>
-                  <a:srgbClr val="000000"/>
-                </a:solidFill>
-              </a:rPr>
-              <a:t>linijske</a:t>
-            </a:r>
-            <a:r>
-              <a:rPr lang="it-IT" dirty="0">
-                <a:solidFill>
-                  <a:srgbClr val="000000"/>
-                </a:solidFill>
-              </a:rPr>
-              <a:t> </a:t>
-            </a:r>
-            <a:r>
-              <a:rPr lang="it-IT" dirty="0" err="1">
-                <a:solidFill>
-                  <a:srgbClr val="000000"/>
-                </a:solidFill>
-              </a:rPr>
-              <a:t>elemente</a:t>
-            </a:r>
-            <a:r>
-              <a:rPr lang="it-IT" dirty="0">
-                <a:solidFill>
-                  <a:srgbClr val="000000"/>
-                </a:solidFill>
-              </a:rPr>
+                  <a:srgbClr val="009E47"/>
+                </a:solidFill>
+              </a:rPr>
+              <a:t>id</a:t>
+            </a:r>
+            <a:r>
+              <a:rPr lang="sr-Latn-RS" dirty="0"/>
               <a:t> i </a:t>
             </a:r>
             <a:r>
-              <a:rPr lang="it-IT" dirty="0" err="1">
-                <a:solidFill>
-                  <a:srgbClr val="000000"/>
-                </a:solidFill>
-              </a:rPr>
-              <a:t>druge</a:t>
-            </a:r>
-            <a:r>
-              <a:rPr lang="it-IT" dirty="0">
-                <a:solidFill>
-                  <a:srgbClr val="000000"/>
-                </a:solidFill>
-              </a:rPr>
-              <a:t> </a:t>
-            </a:r>
-            <a:r>
-              <a:rPr lang="it-IT" dirty="0" err="1">
-                <a:solidFill>
-                  <a:srgbClr val="000000"/>
-                </a:solidFill>
-              </a:rPr>
-              <a:t>blok</a:t>
-            </a:r>
-            <a:r>
-              <a:rPr lang="it-IT" dirty="0">
-                <a:solidFill>
-                  <a:srgbClr val="000000"/>
-                </a:solidFill>
-              </a:rPr>
-              <a:t> </a:t>
-            </a:r>
-            <a:r>
-              <a:rPr lang="it-IT" dirty="0" err="1">
-                <a:solidFill>
-                  <a:srgbClr val="000000"/>
-                </a:solidFill>
-              </a:rPr>
-              <a:t>elemente</a:t>
-            </a:r>
-            <a:endParaRPr lang="it-IT" dirty="0">
+              <a:rPr lang="sr-Latn-RS" dirty="0" err="1">
+                <a:solidFill>
+                  <a:srgbClr val="009E47"/>
+                </a:solidFill>
+              </a:rPr>
+              <a:t>class</a:t>
+            </a:r>
+            <a:endParaRPr lang="sr-Latn-RS" dirty="0">
               <a:solidFill>
-                <a:srgbClr val="000000"/>
+                <a:srgbClr val="009E47"/>
               </a:solidFill>
             </a:endParaRPr>
-          </a:p>
-          <a:p>
-            <a:pPr lvl="2">
-              <a:spcBef>
-                <a:spcPts val="1200"/>
-              </a:spcBef>
-            </a:pPr>
-            <a:r>
-              <a:rPr lang="it-IT" dirty="0" err="1">
-                <a:solidFill>
-                  <a:srgbClr val="000000"/>
-                </a:solidFill>
-              </a:rPr>
-              <a:t>prostiru</a:t>
-            </a:r>
-            <a:r>
-              <a:rPr lang="it-IT" dirty="0">
-                <a:solidFill>
-                  <a:srgbClr val="000000"/>
-                </a:solidFill>
-              </a:rPr>
-              <a:t> se </a:t>
-            </a:r>
-            <a:r>
-              <a:rPr lang="it-IT" dirty="0" err="1">
-                <a:solidFill>
-                  <a:srgbClr val="000000"/>
-                </a:solidFill>
-              </a:rPr>
-              <a:t>celom</a:t>
-            </a:r>
-            <a:r>
-              <a:rPr lang="it-IT" dirty="0">
-                <a:solidFill>
-                  <a:srgbClr val="000000"/>
-                </a:solidFill>
-              </a:rPr>
-              <a:t> </a:t>
-            </a:r>
-            <a:r>
-              <a:rPr lang="sr-Latn-RS" dirty="0">
-                <a:solidFill>
-                  <a:srgbClr val="000000"/>
-                </a:solidFill>
-              </a:rPr>
-              <a:t>š</a:t>
-            </a:r>
-            <a:r>
-              <a:rPr lang="it-IT" dirty="0" err="1" smtClean="0">
-                <a:solidFill>
-                  <a:srgbClr val="000000"/>
-                </a:solidFill>
-              </a:rPr>
-              <a:t>irinom</a:t>
-            </a:r>
-            <a:r>
-              <a:rPr lang="it-IT" dirty="0" smtClean="0">
-                <a:solidFill>
-                  <a:srgbClr val="000000"/>
-                </a:solidFill>
-              </a:rPr>
-              <a:t> </a:t>
-            </a:r>
-            <a:r>
-              <a:rPr lang="it-IT" dirty="0" err="1">
-                <a:solidFill>
-                  <a:srgbClr val="000000"/>
-                </a:solidFill>
-              </a:rPr>
-              <a:t>bloka</a:t>
-            </a:r>
-            <a:r>
-              <a:rPr lang="it-IT" dirty="0">
-                <a:solidFill>
-                  <a:srgbClr val="000000"/>
-                </a:solidFill>
-              </a:rPr>
-              <a:t>, </a:t>
-            </a:r>
-            <a:r>
-              <a:rPr lang="it-IT" dirty="0" err="1" smtClean="0">
-                <a:solidFill>
-                  <a:srgbClr val="000000"/>
-                </a:solidFill>
-              </a:rPr>
-              <a:t>sla</a:t>
-            </a:r>
-            <a:r>
-              <a:rPr lang="sr-Latn-RS" dirty="0">
-                <a:solidFill>
-                  <a:srgbClr val="000000"/>
-                </a:solidFill>
-              </a:rPr>
-              <a:t>ž</a:t>
-            </a:r>
-            <a:r>
-              <a:rPr lang="it-IT" dirty="0" smtClean="0">
-                <a:solidFill>
-                  <a:srgbClr val="000000"/>
-                </a:solidFill>
-              </a:rPr>
-              <a:t>u </a:t>
-            </a:r>
-            <a:r>
-              <a:rPr lang="it-IT" dirty="0">
-                <a:solidFill>
-                  <a:srgbClr val="000000"/>
-                </a:solidFill>
-              </a:rPr>
-              <a:t>se </a:t>
-            </a:r>
-            <a:r>
-              <a:rPr lang="it-IT" dirty="0" err="1">
-                <a:solidFill>
-                  <a:srgbClr val="000000"/>
-                </a:solidFill>
-              </a:rPr>
-              <a:t>jedan</a:t>
-            </a:r>
-            <a:r>
-              <a:rPr lang="it-IT" dirty="0">
-                <a:solidFill>
-                  <a:srgbClr val="000000"/>
-                </a:solidFill>
-              </a:rPr>
-              <a:t> </a:t>
-            </a:r>
-            <a:r>
-              <a:rPr lang="it-IT" dirty="0" err="1">
-                <a:solidFill>
-                  <a:srgbClr val="000000"/>
-                </a:solidFill>
-              </a:rPr>
-              <a:t>ispod</a:t>
-            </a:r>
-            <a:r>
-              <a:rPr lang="it-IT" dirty="0">
-                <a:solidFill>
-                  <a:srgbClr val="000000"/>
-                </a:solidFill>
-              </a:rPr>
-              <a:t> </a:t>
-            </a:r>
-            <a:r>
-              <a:rPr lang="it-IT" dirty="0" err="1">
-                <a:solidFill>
-                  <a:srgbClr val="000000"/>
-                </a:solidFill>
-              </a:rPr>
-              <a:t>drugog</a:t>
-            </a:r>
-            <a:endParaRPr lang="it-IT" dirty="0">
-              <a:solidFill>
-                <a:srgbClr val="000000"/>
-              </a:solidFill>
-            </a:endParaRPr>
-          </a:p>
-          <a:p>
-            <a:pPr lvl="2">
-              <a:spcBef>
-                <a:spcPts val="1200"/>
-              </a:spcBef>
-            </a:pPr>
-            <a:r>
-              <a:rPr lang="it-IT" dirty="0">
-                <a:solidFill>
-                  <a:srgbClr val="005828"/>
-                </a:solidFill>
-              </a:rPr>
-              <a:t>div</a:t>
-            </a:r>
-            <a:r>
-              <a:rPr lang="it-IT" dirty="0">
-                <a:solidFill>
-                  <a:srgbClr val="000000"/>
-                </a:solidFill>
-              </a:rPr>
-              <a:t>, </a:t>
-            </a:r>
-            <a:r>
-              <a:rPr lang="it-IT" dirty="0" err="1">
-                <a:solidFill>
-                  <a:srgbClr val="005828"/>
-                </a:solidFill>
-              </a:rPr>
-              <a:t>section</a:t>
-            </a:r>
-            <a:r>
-              <a:rPr lang="it-IT" dirty="0">
-                <a:solidFill>
-                  <a:srgbClr val="000000"/>
-                </a:solidFill>
-              </a:rPr>
-              <a:t>, </a:t>
-            </a:r>
-            <a:r>
-              <a:rPr lang="it-IT" dirty="0" err="1">
-                <a:solidFill>
-                  <a:srgbClr val="005828"/>
-                </a:solidFill>
-              </a:rPr>
-              <a:t>article</a:t>
-            </a:r>
-            <a:r>
-              <a:rPr lang="it-IT" dirty="0">
-                <a:solidFill>
-                  <a:srgbClr val="000000"/>
-                </a:solidFill>
-              </a:rPr>
-              <a:t>, </a:t>
-            </a:r>
-            <a:r>
-              <a:rPr lang="it-IT" dirty="0" err="1">
-                <a:solidFill>
-                  <a:srgbClr val="005828"/>
-                </a:solidFill>
-              </a:rPr>
-              <a:t>header</a:t>
-            </a:r>
-            <a:r>
-              <a:rPr lang="it-IT" dirty="0">
-                <a:solidFill>
-                  <a:srgbClr val="000000"/>
-                </a:solidFill>
-              </a:rPr>
-              <a:t>, </a:t>
-            </a:r>
-            <a:r>
-              <a:rPr lang="it-IT" dirty="0" err="1">
-                <a:solidFill>
-                  <a:srgbClr val="005828"/>
-                </a:solidFill>
-              </a:rPr>
-              <a:t>footer</a:t>
-            </a:r>
-            <a:r>
-              <a:rPr lang="it-IT" dirty="0">
-                <a:solidFill>
-                  <a:srgbClr val="000000"/>
-                </a:solidFill>
-              </a:rPr>
-              <a:t>, </a:t>
-            </a:r>
-            <a:r>
-              <a:rPr lang="it-IT" dirty="0" err="1">
-                <a:solidFill>
-                  <a:srgbClr val="005828"/>
-                </a:solidFill>
-              </a:rPr>
-              <a:t>main</a:t>
-            </a:r>
-            <a:r>
-              <a:rPr lang="it-IT" dirty="0">
-                <a:solidFill>
-                  <a:srgbClr val="000000"/>
-                </a:solidFill>
-              </a:rPr>
-              <a:t>, </a:t>
-            </a:r>
-            <a:r>
-              <a:rPr lang="it-IT" dirty="0" err="1">
-                <a:solidFill>
-                  <a:srgbClr val="005828"/>
-                </a:solidFill>
-              </a:rPr>
-              <a:t>aside</a:t>
-            </a:r>
-            <a:r>
-              <a:rPr lang="it-IT" dirty="0">
-                <a:solidFill>
-                  <a:srgbClr val="000000"/>
-                </a:solidFill>
-              </a:rPr>
-              <a:t>, </a:t>
-            </a:r>
-            <a:r>
-              <a:rPr lang="it-IT" dirty="0" err="1">
-                <a:solidFill>
-                  <a:srgbClr val="005828"/>
-                </a:solidFill>
-              </a:rPr>
-              <a:t>form</a:t>
-            </a:r>
-            <a:r>
-              <a:rPr lang="it-IT" dirty="0">
-                <a:solidFill>
-                  <a:srgbClr val="000000"/>
-                </a:solidFill>
-              </a:rPr>
-              <a:t>, </a:t>
-            </a:r>
-            <a:r>
-              <a:rPr lang="it-IT" dirty="0">
-                <a:solidFill>
-                  <a:srgbClr val="005828"/>
-                </a:solidFill>
-              </a:rPr>
-              <a:t>p</a:t>
-            </a:r>
-            <a:r>
-              <a:rPr lang="it-IT" dirty="0">
-                <a:solidFill>
-                  <a:srgbClr val="000000"/>
-                </a:solidFill>
-              </a:rPr>
-              <a:t>, </a:t>
-            </a:r>
-            <a:r>
-              <a:rPr lang="it-IT" dirty="0" err="1">
-                <a:solidFill>
-                  <a:srgbClr val="005828"/>
-                </a:solidFill>
-              </a:rPr>
-              <a:t>ul</a:t>
-            </a:r>
-            <a:r>
-              <a:rPr lang="it-IT" dirty="0" smtClean="0">
-                <a:solidFill>
-                  <a:srgbClr val="000000"/>
-                </a:solidFill>
-              </a:rPr>
-              <a:t>,</a:t>
-            </a:r>
-            <a:r>
-              <a:rPr lang="sr-Latn-RS" dirty="0" smtClean="0">
-                <a:solidFill>
-                  <a:srgbClr val="000000"/>
-                </a:solidFill>
-              </a:rPr>
-              <a:t> </a:t>
-            </a:r>
-            <a:r>
-              <a:rPr lang="it-IT" dirty="0" err="1" smtClean="0">
-                <a:solidFill>
-                  <a:srgbClr val="005828"/>
-                </a:solidFill>
-              </a:rPr>
-              <a:t>ol</a:t>
-            </a:r>
-            <a:r>
-              <a:rPr lang="sr-Latn-RS" dirty="0" smtClean="0">
-                <a:solidFill>
-                  <a:srgbClr val="005828"/>
-                </a:solidFill>
-              </a:rPr>
-              <a:t> </a:t>
-            </a:r>
-            <a:r>
-              <a:rPr lang="sr-Latn-RS" dirty="0" smtClean="0">
-                <a:solidFill>
-                  <a:srgbClr val="000000"/>
-                </a:solidFill>
-              </a:rPr>
-              <a:t>i</a:t>
-            </a:r>
-            <a:r>
-              <a:rPr lang="it-IT" dirty="0" smtClean="0">
-                <a:solidFill>
-                  <a:srgbClr val="000000"/>
-                </a:solidFill>
-              </a:rPr>
-              <a:t> </a:t>
-            </a:r>
-            <a:r>
-              <a:rPr lang="it-IT" dirty="0">
-                <a:solidFill>
-                  <a:srgbClr val="005828"/>
-                </a:solidFill>
-              </a:rPr>
-              <a:t>li</a:t>
-            </a:r>
           </a:p>
           <a:p>
             <a:pPr lvl="1">
@@ -27784,592 +27319,136 @@
               </a:spcBef>
             </a:pPr>
             <a:r>
-              <a:rPr lang="it-IT" dirty="0" err="1">
-                <a:solidFill>
-                  <a:srgbClr val="000000"/>
-                </a:solidFill>
-              </a:rPr>
-              <a:t>linijski</a:t>
-            </a:r>
-            <a:r>
-              <a:rPr lang="it-IT" dirty="0">
-                <a:solidFill>
-                  <a:srgbClr val="000000"/>
-                </a:solidFill>
-              </a:rPr>
-              <a:t> elementi</a:t>
+              <a:rPr lang="sr-Latn-RS" dirty="0"/>
+              <a:t>Element </a:t>
+            </a:r>
+            <a:r>
+              <a:rPr lang="sr-Latn-RS" dirty="0">
+                <a:solidFill>
+                  <a:srgbClr val="009E47"/>
+                </a:solidFill>
+              </a:rPr>
+              <a:t>div</a:t>
+            </a:r>
+            <a:r>
+              <a:rPr lang="sr-Latn-RS" dirty="0"/>
+              <a:t> sluzi za grupisanje </a:t>
+            </a:r>
+            <a:r>
+              <a:rPr lang="sr-Latn-RS" dirty="0" smtClean="0"/>
+              <a:t>ve</a:t>
+            </a:r>
+            <a:r>
+              <a:rPr lang="sr-Latn-RS" dirty="0"/>
+              <a:t>ć</a:t>
+            </a:r>
+            <a:r>
+              <a:rPr lang="sr-Latn-RS" dirty="0" smtClean="0"/>
+              <a:t>ih </a:t>
+            </a:r>
+            <a:r>
+              <a:rPr lang="sr-Latn-RS" dirty="0"/>
+              <a:t>celina; prikazuje se kao </a:t>
+            </a:r>
+            <a:r>
+              <a:rPr lang="sr-Latn-RS" dirty="0" smtClean="0">
+                <a:solidFill>
+                  <a:srgbClr val="6767FF"/>
+                </a:solidFill>
+              </a:rPr>
+              <a:t>blok element</a:t>
+            </a:r>
+            <a:r>
+              <a:rPr lang="sr-Latn-RS" dirty="0" smtClean="0"/>
+              <a:t> </a:t>
+            </a:r>
+            <a:r>
+              <a:rPr lang="sr-Latn-RS" dirty="0"/>
+              <a:t>(</a:t>
+            </a:r>
+            <a:r>
+              <a:rPr lang="sr-Latn-RS" dirty="0" err="1"/>
+              <a:t>block</a:t>
+            </a:r>
+            <a:r>
+              <a:rPr lang="sr-Latn-RS" dirty="0"/>
+              <a:t>-</a:t>
+            </a:r>
+            <a:r>
+              <a:rPr lang="sr-Latn-RS" dirty="0" err="1"/>
+              <a:t>level</a:t>
+            </a:r>
+            <a:r>
+              <a:rPr lang="sr-Latn-RS" dirty="0"/>
+              <a:t> element)</a:t>
             </a:r>
           </a:p>
           <a:p>
-            <a:pPr lvl="2">
+            <a:pPr lvl="1">
               <a:spcBef>
                 <a:spcPts val="1200"/>
               </a:spcBef>
             </a:pPr>
             <a:r>
-              <a:rPr lang="it-IT" b="1" dirty="0">
-                <a:solidFill>
-                  <a:srgbClr val="005828"/>
-                </a:solidFill>
-                <a:latin typeface="Courier New" panose="02070309020205020404" pitchFamily="49" charset="0"/>
-                <a:ea typeface="+mn-ea"/>
-                <a:cs typeface="Courier New" panose="02070309020205020404" pitchFamily="49" charset="0"/>
-              </a:rPr>
-              <a:t>display: </a:t>
-            </a:r>
-            <a:r>
-              <a:rPr lang="it-IT" b="1" dirty="0" err="1">
-                <a:solidFill>
-                  <a:srgbClr val="005828"/>
-                </a:solidFill>
-                <a:latin typeface="Courier New" panose="02070309020205020404" pitchFamily="49" charset="0"/>
-                <a:ea typeface="+mn-ea"/>
-                <a:cs typeface="Courier New" panose="02070309020205020404" pitchFamily="49" charset="0"/>
-              </a:rPr>
+              <a:rPr lang="sr-Latn-RS" dirty="0"/>
+              <a:t>Element </a:t>
+            </a:r>
+            <a:r>
+              <a:rPr lang="sr-Latn-RS" dirty="0">
+                <a:solidFill>
+                  <a:srgbClr val="009E47"/>
+                </a:solidFill>
+              </a:rPr>
+              <a:t>span</a:t>
+            </a:r>
+            <a:r>
+              <a:rPr lang="sr-Latn-RS" dirty="0"/>
+              <a:t> sluzi za grupisanje manjih celina; prikazuje se </a:t>
+            </a:r>
+            <a:r>
+              <a:rPr lang="sr-Latn-RS" dirty="0" smtClean="0"/>
+              <a:t>kao </a:t>
+            </a:r>
+            <a:r>
+              <a:rPr lang="sr-Latn-RS" dirty="0" smtClean="0">
+                <a:solidFill>
+                  <a:srgbClr val="6767FF"/>
+                </a:solidFill>
+              </a:rPr>
+              <a:t>linijski </a:t>
+            </a:r>
+            <a:r>
+              <a:rPr lang="sr-Latn-RS" dirty="0">
+                <a:solidFill>
+                  <a:srgbClr val="6767FF"/>
+                </a:solidFill>
+              </a:rPr>
+              <a:t>element </a:t>
+            </a:r>
+            <a:r>
+              <a:rPr lang="sr-Latn-RS" dirty="0"/>
+              <a:t>(</a:t>
+            </a:r>
+            <a:r>
+              <a:rPr lang="sr-Latn-RS" dirty="0" err="1"/>
               <a:t>inline</a:t>
             </a:r>
             <a:r>
-              <a:rPr lang="it-IT" b="1" dirty="0">
-                <a:solidFill>
-                  <a:srgbClr val="005828"/>
-                </a:solidFill>
-                <a:latin typeface="Courier New" panose="02070309020205020404" pitchFamily="49" charset="0"/>
-                <a:ea typeface="+mn-ea"/>
-                <a:cs typeface="Courier New" panose="02070309020205020404" pitchFamily="49" charset="0"/>
-              </a:rPr>
-              <a:t>;</a:t>
-            </a:r>
-          </a:p>
-          <a:p>
-            <a:pPr lvl="2">
-              <a:spcBef>
-                <a:spcPts val="1200"/>
-              </a:spcBef>
-            </a:pPr>
-            <a:r>
-              <a:rPr lang="it-IT" dirty="0" err="1">
-                <a:solidFill>
-                  <a:srgbClr val="000000"/>
-                </a:solidFill>
-              </a:rPr>
-              <a:t>mogu</a:t>
-            </a:r>
-            <a:r>
-              <a:rPr lang="it-IT" dirty="0">
-                <a:solidFill>
-                  <a:srgbClr val="000000"/>
-                </a:solidFill>
-              </a:rPr>
-              <a:t> da </a:t>
-            </a:r>
-            <a:r>
-              <a:rPr lang="it-IT" dirty="0" err="1" smtClean="0">
-                <a:solidFill>
-                  <a:srgbClr val="000000"/>
-                </a:solidFill>
-              </a:rPr>
-              <a:t>sadr</a:t>
-            </a:r>
-            <a:r>
-              <a:rPr lang="sr-Latn-RS" dirty="0">
-                <a:solidFill>
-                  <a:srgbClr val="000000"/>
-                </a:solidFill>
-              </a:rPr>
-              <a:t>ž</a:t>
-            </a:r>
-            <a:r>
-              <a:rPr lang="it-IT" dirty="0" smtClean="0">
-                <a:solidFill>
-                  <a:srgbClr val="000000"/>
-                </a:solidFill>
-              </a:rPr>
-              <a:t>e </a:t>
-            </a:r>
-            <a:r>
-              <a:rPr lang="it-IT" dirty="0" err="1">
-                <a:solidFill>
-                  <a:srgbClr val="000000"/>
-                </a:solidFill>
-              </a:rPr>
-              <a:t>tekst</a:t>
-            </a:r>
-            <a:r>
-              <a:rPr lang="it-IT" dirty="0">
-                <a:solidFill>
-                  <a:srgbClr val="000000"/>
-                </a:solidFill>
-              </a:rPr>
-              <a:t> i </a:t>
-            </a:r>
-            <a:r>
-              <a:rPr lang="it-IT" dirty="0" err="1">
-                <a:solidFill>
-                  <a:srgbClr val="000000"/>
-                </a:solidFill>
-              </a:rPr>
-              <a:t>linijske</a:t>
-            </a:r>
-            <a:r>
-              <a:rPr lang="it-IT" dirty="0">
-                <a:solidFill>
-                  <a:srgbClr val="000000"/>
-                </a:solidFill>
-              </a:rPr>
-              <a:t> </a:t>
-            </a:r>
-            <a:r>
-              <a:rPr lang="it-IT" dirty="0" err="1">
-                <a:solidFill>
-                  <a:srgbClr val="000000"/>
-                </a:solidFill>
-              </a:rPr>
-              <a:t>elemente</a:t>
-            </a:r>
-            <a:endParaRPr lang="it-IT" dirty="0">
+              <a:rPr lang="sr-Latn-RS" dirty="0"/>
+              <a:t> element)</a:t>
+            </a:r>
+            <a:endParaRPr lang="sr-Latn-RS" dirty="0">
               <a:solidFill>
                 <a:srgbClr val="000000"/>
               </a:solidFill>
             </a:endParaRPr>
           </a:p>
-          <a:p>
-            <a:pPr lvl="2">
-              <a:spcBef>
-                <a:spcPts val="1200"/>
-              </a:spcBef>
-            </a:pPr>
-            <a:r>
-              <a:rPr lang="it-IT" dirty="0" err="1">
-                <a:solidFill>
-                  <a:srgbClr val="000000"/>
-                </a:solidFill>
-              </a:rPr>
-              <a:t>zauzimaju</a:t>
-            </a:r>
-            <a:r>
-              <a:rPr lang="it-IT" dirty="0">
-                <a:solidFill>
-                  <a:srgbClr val="000000"/>
-                </a:solidFill>
-              </a:rPr>
-              <a:t> </a:t>
-            </a:r>
-            <a:r>
-              <a:rPr lang="it-IT" dirty="0" err="1">
-                <a:solidFill>
-                  <a:srgbClr val="000000"/>
-                </a:solidFill>
-              </a:rPr>
-              <a:t>koliko</a:t>
-            </a:r>
-            <a:r>
-              <a:rPr lang="it-IT" dirty="0">
-                <a:solidFill>
-                  <a:srgbClr val="000000"/>
-                </a:solidFill>
-              </a:rPr>
-              <a:t> i </a:t>
-            </a:r>
-            <a:r>
-              <a:rPr lang="it-IT" dirty="0" err="1" smtClean="0">
-                <a:solidFill>
-                  <a:srgbClr val="000000"/>
-                </a:solidFill>
-              </a:rPr>
-              <a:t>sadr</a:t>
-            </a:r>
-            <a:r>
-              <a:rPr lang="sr-Latn-RS" dirty="0">
-                <a:solidFill>
-                  <a:srgbClr val="000000"/>
-                </a:solidFill>
-              </a:rPr>
-              <a:t>ž</a:t>
-            </a:r>
-            <a:r>
-              <a:rPr lang="it-IT" dirty="0" err="1" smtClean="0">
-                <a:solidFill>
-                  <a:srgbClr val="000000"/>
-                </a:solidFill>
-              </a:rPr>
-              <a:t>aj</a:t>
-            </a:r>
-            <a:r>
-              <a:rPr lang="it-IT" dirty="0">
-                <a:solidFill>
-                  <a:srgbClr val="000000"/>
-                </a:solidFill>
-              </a:rPr>
-              <a:t>, </a:t>
-            </a:r>
-            <a:r>
-              <a:rPr lang="it-IT" dirty="0" err="1" smtClean="0">
-                <a:solidFill>
-                  <a:srgbClr val="000000"/>
-                </a:solidFill>
-              </a:rPr>
-              <a:t>sla</a:t>
-            </a:r>
-            <a:r>
-              <a:rPr lang="sr-Latn-RS" dirty="0">
-                <a:solidFill>
-                  <a:srgbClr val="000000"/>
-                </a:solidFill>
-              </a:rPr>
-              <a:t>ž</a:t>
-            </a:r>
-            <a:r>
-              <a:rPr lang="it-IT" dirty="0" smtClean="0">
-                <a:solidFill>
-                  <a:srgbClr val="000000"/>
-                </a:solidFill>
-              </a:rPr>
-              <a:t>u </a:t>
-            </a:r>
-            <a:r>
-              <a:rPr lang="it-IT" dirty="0">
-                <a:solidFill>
-                  <a:srgbClr val="000000"/>
-                </a:solidFill>
-              </a:rPr>
-              <a:t>se </a:t>
-            </a:r>
-            <a:r>
-              <a:rPr lang="it-IT" dirty="0" err="1">
-                <a:solidFill>
-                  <a:srgbClr val="000000"/>
-                </a:solidFill>
-              </a:rPr>
-              <a:t>jedan</a:t>
-            </a:r>
-            <a:r>
-              <a:rPr lang="it-IT" dirty="0">
-                <a:solidFill>
-                  <a:srgbClr val="000000"/>
-                </a:solidFill>
-              </a:rPr>
-              <a:t> </a:t>
-            </a:r>
-            <a:r>
-              <a:rPr lang="it-IT" dirty="0" err="1">
-                <a:solidFill>
-                  <a:srgbClr val="000000"/>
-                </a:solidFill>
-              </a:rPr>
-              <a:t>pored</a:t>
-            </a:r>
-            <a:r>
-              <a:rPr lang="it-IT" dirty="0">
-                <a:solidFill>
-                  <a:srgbClr val="000000"/>
-                </a:solidFill>
-              </a:rPr>
-              <a:t> </a:t>
-            </a:r>
-            <a:r>
-              <a:rPr lang="it-IT" dirty="0" err="1">
-                <a:solidFill>
-                  <a:srgbClr val="000000"/>
-                </a:solidFill>
-              </a:rPr>
-              <a:t>drugog</a:t>
-            </a:r>
-            <a:endParaRPr lang="it-IT" dirty="0">
-              <a:solidFill>
-                <a:srgbClr val="000000"/>
-              </a:solidFill>
-            </a:endParaRPr>
-          </a:p>
-          <a:p>
-            <a:pPr lvl="2">
-              <a:spcBef>
-                <a:spcPts val="1200"/>
-              </a:spcBef>
-            </a:pPr>
-            <a:r>
-              <a:rPr lang="it-IT" dirty="0" err="1">
-                <a:solidFill>
-                  <a:srgbClr val="005828"/>
-                </a:solidFill>
-              </a:rPr>
-              <a:t>span</a:t>
-            </a:r>
-            <a:r>
-              <a:rPr lang="it-IT" dirty="0">
-                <a:solidFill>
-                  <a:srgbClr val="000000"/>
-                </a:solidFill>
-              </a:rPr>
-              <a:t>, </a:t>
-            </a:r>
-            <a:r>
-              <a:rPr lang="it-IT" dirty="0">
-                <a:solidFill>
-                  <a:srgbClr val="005828"/>
-                </a:solidFill>
-              </a:rPr>
-              <a:t>a</a:t>
-            </a:r>
-            <a:r>
-              <a:rPr lang="it-IT" dirty="0">
-                <a:solidFill>
-                  <a:srgbClr val="000000"/>
-                </a:solidFill>
-              </a:rPr>
-              <a:t>, </a:t>
-            </a:r>
-            <a:r>
-              <a:rPr lang="it-IT" dirty="0" err="1">
-                <a:solidFill>
-                  <a:srgbClr val="005828"/>
-                </a:solidFill>
-              </a:rPr>
-              <a:t>img</a:t>
-            </a:r>
-            <a:r>
-              <a:rPr lang="it-IT" dirty="0">
-                <a:solidFill>
-                  <a:srgbClr val="000000"/>
-                </a:solidFill>
-              </a:rPr>
-              <a:t>, </a:t>
-            </a:r>
-            <a:r>
-              <a:rPr lang="it-IT" dirty="0" err="1">
-                <a:solidFill>
-                  <a:srgbClr val="005828"/>
-                </a:solidFill>
-              </a:rPr>
-              <a:t>em</a:t>
-            </a:r>
-            <a:r>
-              <a:rPr lang="it-IT" dirty="0">
-                <a:solidFill>
-                  <a:srgbClr val="000000"/>
-                </a:solidFill>
-              </a:rPr>
-              <a:t>, </a:t>
-            </a:r>
-            <a:r>
-              <a:rPr lang="it-IT" dirty="0">
-                <a:solidFill>
-                  <a:srgbClr val="005828"/>
-                </a:solidFill>
-              </a:rPr>
-              <a:t>strong</a:t>
-            </a:r>
-            <a:r>
-              <a:rPr lang="it-IT" dirty="0">
-                <a:solidFill>
-                  <a:srgbClr val="000000"/>
-                </a:solidFill>
-              </a:rPr>
-              <a:t>, </a:t>
-            </a:r>
-            <a:r>
-              <a:rPr lang="it-IT" dirty="0">
-                <a:solidFill>
-                  <a:srgbClr val="005828"/>
-                </a:solidFill>
-              </a:rPr>
-              <a:t>small</a:t>
-            </a:r>
-            <a:r>
-              <a:rPr lang="it-IT" dirty="0">
-                <a:solidFill>
-                  <a:srgbClr val="000000"/>
-                </a:solidFill>
-              </a:rPr>
-              <a:t>, </a:t>
-            </a:r>
-            <a:r>
-              <a:rPr lang="it-IT" dirty="0">
-                <a:solidFill>
-                  <a:srgbClr val="005828"/>
-                </a:solidFill>
-              </a:rPr>
-              <a:t>i</a:t>
-            </a:r>
-            <a:r>
-              <a:rPr lang="it-IT" dirty="0">
-                <a:solidFill>
-                  <a:srgbClr val="000000"/>
-                </a:solidFill>
-              </a:rPr>
-              <a:t>, </a:t>
-            </a:r>
-            <a:r>
-              <a:rPr lang="it-IT" dirty="0">
-                <a:solidFill>
-                  <a:srgbClr val="005828"/>
-                </a:solidFill>
-              </a:rPr>
-              <a:t>b</a:t>
-            </a:r>
-            <a:r>
-              <a:rPr lang="it-IT" dirty="0">
-                <a:solidFill>
-                  <a:srgbClr val="000000"/>
-                </a:solidFill>
-              </a:rPr>
-              <a:t>, </a:t>
-            </a:r>
-            <a:r>
-              <a:rPr lang="it-IT" dirty="0">
-                <a:solidFill>
-                  <a:srgbClr val="005828"/>
-                </a:solidFill>
-              </a:rPr>
-              <a:t>u</a:t>
-            </a:r>
-            <a:r>
-              <a:rPr lang="it-IT" dirty="0">
-                <a:solidFill>
-                  <a:srgbClr val="000000"/>
-                </a:solidFill>
-              </a:rPr>
-              <a:t>, </a:t>
-            </a:r>
-            <a:r>
-              <a:rPr lang="it-IT" dirty="0">
-                <a:solidFill>
-                  <a:srgbClr val="005828"/>
-                </a:solidFill>
-              </a:rPr>
-              <a:t>sub</a:t>
-            </a:r>
-            <a:r>
-              <a:rPr lang="it-IT" dirty="0">
-                <a:solidFill>
-                  <a:srgbClr val="000000"/>
-                </a:solidFill>
-              </a:rPr>
-              <a:t>, </a:t>
-            </a:r>
-            <a:r>
-              <a:rPr lang="it-IT" dirty="0" err="1">
-                <a:solidFill>
-                  <a:srgbClr val="005828"/>
-                </a:solidFill>
-              </a:rPr>
-              <a:t>sup</a:t>
-            </a:r>
-            <a:endParaRPr lang="pl-PL" dirty="0">
-              <a:solidFill>
-                <a:srgbClr val="005828"/>
-              </a:solidFill>
-            </a:endParaRPr>
-          </a:p>
         </p:txBody>
       </p:sp>
-      <p:pic>
-        <p:nvPicPr>
-          <p:cNvPr id="14338" name="Picture 2"/>
-          <p:cNvPicPr>
-            <a:picLocks noChangeAspect="1" noChangeArrowheads="1"/>
-          </p:cNvPicPr>
-          <p:nvPr/>
-        </p:nvPicPr>
-        <p:blipFill rotWithShape="1">
-          <a:blip r:embed="rId2">
-            <a:extLst>
-              <a:ext uri="{28A0092B-C50C-407E-A947-70E740481C1C}">
-                <a14:useLocalDpi xmlns:a14="http://schemas.microsoft.com/office/drawing/2010/main" val="0"/>
-              </a:ext>
-            </a:extLst>
-          </a:blip>
-          <a:srcRect l="3361" t="8669" r="2356" b="62738"/>
-          <a:stretch/>
-        </p:blipFill>
-        <p:spPr bwMode="auto">
-          <a:xfrm>
-            <a:off x="5209767" y="6399707"/>
-            <a:ext cx="3682713" cy="458293"/>
-          </a:xfrm>
-          <a:prstGeom prst="rect">
-            <a:avLst/>
-          </a:prstGeom>
-          <a:noFill/>
-          <a:ln>
-            <a:noFill/>
-          </a:ln>
-          <a:extLst>
-            <a:ext uri="{909E8E84-426E-40DD-AFC4-6F175D3DCCD1}">
-              <a14:hiddenFill xmlns:a14="http://schemas.microsoft.com/office/drawing/2010/main">
-                <a:solidFill>
-                  <a:schemeClr val="accent1"/>
-                </a:solidFill>
-              </a14:hiddenFill>
-            </a:ext>
-            <a:ext uri="{91240B29-F687-4F45-9708-019B960494DF}">
-              <a14:hiddenLine xmlns:a14="http://schemas.microsoft.com/office/drawing/2010/main" w="9525">
-                <a:solidFill>
-                  <a:schemeClr val="tx1"/>
-                </a:solidFill>
-                <a:miter lim="800000"/>
-                <a:headEnd/>
-                <a:tailEnd/>
-              </a14:hiddenLine>
-            </a:ext>
-          </a:extLst>
-        </p:spPr>
-      </p:pic>
-      <p:pic>
-        <p:nvPicPr>
-          <p:cNvPr id="8" name="Picture 2"/>
-          <p:cNvPicPr>
-            <a:picLocks noChangeAspect="1" noChangeArrowheads="1"/>
-          </p:cNvPicPr>
-          <p:nvPr/>
-        </p:nvPicPr>
-        <p:blipFill rotWithShape="1">
-          <a:blip r:embed="rId2">
-            <a:extLst>
-              <a:ext uri="{28A0092B-C50C-407E-A947-70E740481C1C}">
-                <a14:useLocalDpi xmlns:a14="http://schemas.microsoft.com/office/drawing/2010/main" val="0"/>
-              </a:ext>
-            </a:extLst>
-          </a:blip>
-          <a:srcRect l="3361" t="37262" r="2356" b="34145"/>
-          <a:stretch/>
-        </p:blipFill>
-        <p:spPr bwMode="auto">
-          <a:xfrm>
-            <a:off x="1115616" y="6351704"/>
-            <a:ext cx="4068440" cy="506295"/>
-          </a:xfrm>
-          <a:prstGeom prst="rect">
-            <a:avLst/>
-          </a:prstGeom>
-          <a:noFill/>
-          <a:ln>
-            <a:noFill/>
-          </a:ln>
-          <a:extLst>
-            <a:ext uri="{909E8E84-426E-40DD-AFC4-6F175D3DCCD1}">
-              <a14:hiddenFill xmlns:a14="http://schemas.microsoft.com/office/drawing/2010/main">
-                <a:solidFill>
-                  <a:schemeClr val="accent1"/>
-                </a:solidFill>
-              </a14:hiddenFill>
-            </a:ext>
-            <a:ext uri="{91240B29-F687-4F45-9708-019B960494DF}">
-              <a14:hiddenLine xmlns:a14="http://schemas.microsoft.com/office/drawing/2010/main" w="9525">
-                <a:solidFill>
-                  <a:schemeClr val="tx1"/>
-                </a:solidFill>
-                <a:miter lim="800000"/>
-                <a:headEnd/>
-                <a:tailEnd/>
-              </a14:hiddenLine>
-            </a:ext>
-          </a:extLst>
-        </p:spPr>
-      </p:pic>
     </p:spTree>
     <p:extLst>
       <p:ext uri="{BB962C8B-B14F-4D97-AF65-F5344CB8AC3E}">
-        <p14:creationId xmlns:p14="http://schemas.microsoft.com/office/powerpoint/2010/main" val="2197510027"/>
+        <p14:creationId xmlns:p14="http://schemas.microsoft.com/office/powerpoint/2010/main" val="1815594066"/>
       </p:ext>
     </p:extLst>
   </p:cSld>
@@ -28413,14 +27492,31 @@
             <p:ph type="title"/>
           </p:nvPr>
         </p:nvSpPr>
-        <p:spPr/>
+        <p:spPr>
+          <a:xfrm>
+            <a:off x="1403648" y="549275"/>
+            <a:ext cx="7283152" cy="868363"/>
+          </a:xfrm>
+        </p:spPr>
         <p:txBody>
           <a:bodyPr/>
           <a:lstStyle/>
           <a:p>
             <a:r>
               <a:rPr lang="sr-Latn-RS" dirty="0" smtClean="0"/>
-              <a:t>Prikaz (2)</a:t>
+              <a:t>E</a:t>
+            </a:r>
+            <a:r>
+              <a:rPr lang="it-IT" dirty="0" err="1" smtClean="0"/>
+              <a:t>lement</a:t>
+            </a:r>
+            <a:r>
+              <a:rPr lang="sr-Latn-RS" dirty="0" smtClean="0"/>
+              <a:t> </a:t>
+            </a:r>
+            <a:r>
+              <a:rPr lang="it-IT" dirty="0" smtClean="0"/>
+              <a:t>div</a:t>
             </a:r>
             <a:endParaRPr lang="sr-Latn-RS" dirty="0"/>
           </a:p>
@@ -28438,351 +27534,322 @@
         </p:nvSpPr>
         <p:spPr>
           <a:xfrm>
-            <a:off x="457200" y="1600200"/>
-            <a:ext cx="8579296" cy="4853136"/>
+            <a:off x="457200" y="1484784"/>
+            <a:ext cx="8579296" cy="5373216"/>
           </a:xfrm>
         </p:spPr>
         <p:txBody>
           <a:bodyPr/>
           <a:lstStyle/>
           <a:p>
+            <a:pPr lvl="1">
+              <a:spcBef>
+                <a:spcPts val="1200"/>
+              </a:spcBef>
+            </a:pPr>
             <a:r>
               <a:rPr lang="sr-Latn-RS" dirty="0"/>
-              <a:t>Svojstvo </a:t>
-            </a:r>
-            <a:r>
-              <a:rPr lang="sr-Latn-RS" dirty="0" err="1">
-                <a:solidFill>
-                  <a:srgbClr val="002060"/>
-                </a:solidFill>
-              </a:rPr>
-              <a:t>display</a:t>
-            </a:r>
-            <a:r>
-              <a:rPr lang="sr-Latn-RS" dirty="0">
-                <a:solidFill>
-                  <a:srgbClr val="002060"/>
-                </a:solidFill>
-              </a:rPr>
-              <a:t> </a:t>
+              <a:t>U ranijim </a:t>
+            </a:r>
+            <a:r>
+              <a:rPr lang="sr-Latn-RS" dirty="0" err="1"/>
+              <a:t>verzijima</a:t>
+            </a:r>
+            <a:r>
+              <a:rPr lang="sr-Latn-RS" dirty="0"/>
+              <a:t> HTML-a bio je jedan od </a:t>
+            </a:r>
+            <a:r>
+              <a:rPr lang="sr-Latn-RS" dirty="0" err="1" smtClean="0"/>
+              <a:t>najkorišćenijih</a:t>
             </a:r>
             <a:r>
               <a:rPr lang="sr-Latn-RS" dirty="0" smtClean="0"/>
-              <a:t>može </a:t>
+              <a:t> </a:t>
             </a:r>
             <a:r>
               <a:rPr lang="sr-Latn-RS" dirty="0"/>
-              <a:t>imati </a:t>
-            </a:r>
-            <a:r>
-              <a:rPr lang="sr-Latn-RS" dirty="0" smtClean="0"/>
-              <a:t>različite </a:t>
-            </a:r>
-            <a:r>
-              <a:rPr lang="sr-Latn-RS" dirty="0"/>
-              <a:t>vrednosti:</a:t>
+              <a:t>elemenata</a:t>
             </a:r>
           </a:p>
           <a:p>
-            <a:pPr lvl="1"/>
-            <a:r>
-              <a:rPr lang="sr-Latn-RS" dirty="0" err="1">
-                <a:solidFill>
-                  <a:srgbClr val="005828"/>
-                </a:solidFill>
-              </a:rPr>
-              <a:t>none</a:t>
-            </a:r>
-            <a:r>
-              <a:rPr lang="sr-Latn-RS" dirty="0">
-                <a:solidFill>
-                  <a:srgbClr val="005828"/>
-                </a:solidFill>
-              </a:rPr>
-              <a:t> </a:t>
-            </a:r>
+            <a:pPr lvl="1">
+              <a:spcBef>
+                <a:spcPts val="1200"/>
+              </a:spcBef>
+            </a:pPr>
             <a:r>
               <a:rPr lang="sr-Latn-RS" dirty="0"/>
-              <a:t>-</a:t>
+              <a:t>U verziji HTML5 treba ga koristiti kada nijedan od </a:t>
             </a:r>
             <a:r>
               <a:rPr lang="sr-Latn-RS" dirty="0" smtClean="0"/>
-              <a:t> </a:t>
+              <a:t>semantičkih elemenata </a:t>
             </a:r>
             <a:r>
               <a:rPr lang="sr-Latn-RS" dirty="0"/>
-              <a:t>element se u potpunosti izostavlja iz prikaza (ne </a:t>
+              <a:t>nije </a:t>
             </a:r>
             <a:r>
               <a:rPr lang="sr-Latn-RS" dirty="0" smtClean="0"/>
-              <a:t>zauzima nikakav </a:t>
+              <a:t>odgovaraju</a:t>
             </a:r>
             <a:r>
               <a:rPr lang="sr-Latn-RS" dirty="0"/>
-              <a:t>prostor na strani)</a:t>
-            </a:r>
+              <a:t>ć</a:t>
+            </a:r>
+            <a:r>
+              <a:rPr lang="sr-Latn-RS" dirty="0" smtClean="0"/>
+              <a:t>i</a:t>
+            </a:r>
+            <a:endParaRPr lang="sr-Latn-RS" dirty="0"/>
           </a:p>
           <a:p>
-            <a:pPr lvl="1"/>
-            <a:r>
-              <a:rPr lang="sr-Latn-RS" dirty="0" err="1">
-                <a:solidFill>
-                  <a:srgbClr val="005828"/>
-                </a:solidFill>
-              </a:rPr>
-              <a:t>block</a:t>
-            </a:r>
-            <a:r>
-              <a:rPr lang="sr-Latn-RS" dirty="0">
-                <a:solidFill>
-                  <a:srgbClr val="005828"/>
-                </a:solidFill>
-              </a:rPr>
-              <a:t> </a:t>
-            </a:r>
-            <a:r>
-              <a:rPr lang="sr-Latn-RS" dirty="0" smtClean="0"/>
-              <a:t>- </a:t>
-            </a:r>
-            <a:r>
-              <a:rPr lang="sr-Latn-RS" dirty="0"/>
-              <a:t>element se prikazuje kao blok element; mogu mu se </a:t>
-            </a:r>
-            <a:r>
-              <a:rPr lang="sr-Latn-RS" dirty="0" smtClean="0"/>
-              <a:t>postavljati širina</a:t>
-            </a:r>
-            <a:r>
-              <a:rPr lang="sr-Latn-RS" dirty="0"/>
-              <a:t>, visina, okvir i margine</a:t>
-            </a:r>
+            <a:pPr marL="857250" lvl="2" indent="0">
+              <a:spcBef>
+                <a:spcPts val="600"/>
+              </a:spcBef>
+              <a:buNone/>
+            </a:pPr>
+            <a:endParaRPr lang="sr-Latn-RS" sz="1400" b="1" dirty="0" smtClean="0">
+              <a:solidFill>
+                <a:srgbClr val="009E47"/>
+              </a:solidFill>
+              <a:latin typeface="Courier New" panose="02070309020205020404" pitchFamily="49" charset="0"/>
+              <a:cs typeface="Courier New" panose="02070309020205020404" pitchFamily="49" charset="0"/>
+            </a:endParaRPr>
           </a:p>
           <a:p>
-            <a:pPr lvl="1"/>
-            <a:r>
-              <a:rPr lang="sr-Latn-RS" dirty="0" err="1">
-                <a:solidFill>
-                  <a:srgbClr val="005828"/>
-                </a:solidFill>
-              </a:rPr>
-              <a:t>inline</a:t>
-            </a:r>
-            <a:r>
-              <a:rPr lang="sr-Latn-RS" dirty="0">
-                <a:solidFill>
-                  <a:srgbClr val="005828"/>
-                </a:solidFill>
-              </a:rPr>
-              <a:t> </a:t>
-            </a:r>
-            <a:r>
-              <a:rPr lang="sr-Latn-RS" dirty="0" smtClean="0"/>
-              <a:t>- </a:t>
-            </a:r>
-            <a:r>
-              <a:rPr lang="sr-Latn-RS" dirty="0"/>
-              <a:t>element se prikazuje kao linijski element; </a:t>
-            </a:r>
-            <a:r>
-              <a:rPr lang="sr-Latn-RS" dirty="0" smtClean="0"/>
-              <a:t>može </a:t>
-            </a:r>
-            <a:r>
-              <a:rPr lang="sr-Latn-RS" dirty="0"/>
-              <a:t>se </a:t>
-            </a:r>
-            <a:r>
-              <a:rPr lang="sr-Latn-RS" dirty="0" smtClean="0"/>
-              <a:t>podešavati okvir</a:t>
-            </a:r>
-            <a:r>
-              <a:rPr lang="sr-Latn-RS" dirty="0"/>
-              <a:t>, margine, visina, ali ne i š</a:t>
-            </a:r>
-            <a:r>
-              <a:rPr lang="sr-Latn-RS" dirty="0" smtClean="0"/>
-              <a:t>irina</a:t>
-            </a:r>
-            <a:r>
-              <a:rPr lang="sr-Latn-RS" dirty="0"/>
-              <a:t>; </a:t>
-            </a:r>
-            <a:endParaRPr lang="sr-Latn-RS" dirty="0" smtClean="0"/>
+            <a:pPr marL="857250" lvl="2" indent="0">
+              <a:spcBef>
+                <a:spcPts val="600"/>
+              </a:spcBef>
+              <a:buNone/>
+            </a:pPr>
+            <a:r>
+              <a:rPr lang="sr-Latn-RS" sz="1400" b="1" dirty="0" smtClean="0">
+                <a:solidFill>
+                  <a:srgbClr val="009E47"/>
+                </a:solidFill>
+                <a:latin typeface="Courier New" panose="02070309020205020404" pitchFamily="49" charset="0"/>
+                <a:cs typeface="Courier New" panose="02070309020205020404" pitchFamily="49" charset="0"/>
+              </a:rPr>
+              <a:t>&lt;</a:t>
+            </a:r>
+            <a:r>
+              <a:rPr lang="sr-Latn-RS" sz="1400" b="1" dirty="0" err="1">
+                <a:solidFill>
+                  <a:srgbClr val="009E47"/>
+                </a:solidFill>
+                <a:latin typeface="Courier New" panose="02070309020205020404" pitchFamily="49" charset="0"/>
+                <a:cs typeface="Courier New" panose="02070309020205020404" pitchFamily="49" charset="0"/>
+              </a:rPr>
+              <a:t>main</a:t>
+            </a:r>
+            <a:r>
+              <a:rPr lang="sr-Latn-RS" sz="1400" b="1" dirty="0">
+                <a:solidFill>
+                  <a:srgbClr val="009E47"/>
+                </a:solidFill>
+                <a:latin typeface="Courier New" panose="02070309020205020404" pitchFamily="49" charset="0"/>
+                <a:cs typeface="Courier New" panose="02070309020205020404" pitchFamily="49" charset="0"/>
+              </a:rPr>
+              <a:t>&gt;</a:t>
+            </a:r>
           </a:p>
           <a:p>
-            <a:pPr lvl="2"/>
-            <a:r>
-              <a:rPr lang="sr-Latn-RS" dirty="0" smtClean="0"/>
-              <a:t>visina </a:t>
-            </a:r>
-            <a:r>
-              <a:rPr lang="sr-Latn-RS" dirty="0"/>
-              <a:t>se postavlja </a:t>
-            </a:r>
-            <a:r>
-              <a:rPr lang="sr-Latn-RS" dirty="0" smtClean="0"/>
-              <a:t>svojstvom </a:t>
-            </a:r>
-            <a:r>
-              <a:rPr lang="it-IT" dirty="0" smtClean="0">
-                <a:solidFill>
-                  <a:srgbClr val="002060"/>
-                </a:solidFill>
-              </a:rPr>
-              <a:t>line-</a:t>
-            </a:r>
-            <a:r>
-              <a:rPr lang="it-IT" dirty="0" err="1" smtClean="0">
-                <a:solidFill>
-                  <a:srgbClr val="002060"/>
-                </a:solidFill>
-              </a:rPr>
-              <a:t>height</a:t>
-            </a:r>
-            <a:r>
-              <a:rPr lang="it-IT" dirty="0"/>
-              <a:t>; ima </a:t>
-            </a:r>
-            <a:r>
-              <a:rPr lang="it-IT" dirty="0" err="1"/>
-              <a:t>smisla</a:t>
-            </a:r>
-            <a:r>
-              <a:rPr lang="it-IT" dirty="0"/>
-              <a:t> </a:t>
-            </a:r>
-            <a:r>
-              <a:rPr lang="it-IT" dirty="0" err="1" smtClean="0"/>
-              <a:t>pode</a:t>
-            </a:r>
-            <a:r>
-              <a:rPr lang="sr-Latn-RS" dirty="0" smtClean="0"/>
-              <a:t>š</a:t>
-            </a:r>
-            <a:r>
-              <a:rPr lang="it-IT" dirty="0" err="1" smtClean="0"/>
-              <a:t>avati</a:t>
-            </a:r>
-            <a:r>
-              <a:rPr lang="it-IT" dirty="0" smtClean="0"/>
-              <a:t> </a:t>
-            </a:r>
-            <a:r>
-              <a:rPr lang="it-IT" dirty="0" err="1"/>
-              <a:t>samo</a:t>
-            </a:r>
-            <a:r>
-              <a:rPr lang="it-IT" dirty="0"/>
-              <a:t> </a:t>
-            </a:r>
-            <a:r>
-              <a:rPr lang="it-IT" dirty="0" err="1"/>
-              <a:t>levu</a:t>
-            </a:r>
-            <a:r>
-              <a:rPr lang="it-IT" dirty="0"/>
-              <a:t> i </a:t>
-            </a:r>
-            <a:r>
-              <a:rPr lang="it-IT" dirty="0" err="1"/>
-              <a:t>desnu</a:t>
-            </a:r>
-            <a:r>
-              <a:rPr lang="it-IT" dirty="0"/>
-              <a:t> </a:t>
-            </a:r>
-            <a:r>
-              <a:rPr lang="it-IT" dirty="0" err="1"/>
-              <a:t>marginu</a:t>
-            </a:r>
-            <a:r>
-              <a:rPr lang="it-IT" dirty="0"/>
-              <a:t> </a:t>
-            </a:r>
-            <a:r>
-              <a:rPr lang="it-IT" dirty="0" err="1"/>
-              <a:t>jer</a:t>
-            </a:r>
-            <a:r>
-              <a:rPr lang="it-IT" dirty="0"/>
-              <a:t> </a:t>
-            </a:r>
-            <a:r>
-              <a:rPr lang="it-IT" dirty="0" err="1" smtClean="0"/>
-              <a:t>samo</a:t>
-            </a:r>
-            <a:r>
-              <a:rPr lang="sr-Latn-RS" dirty="0" smtClean="0"/>
-              <a:t> one </a:t>
-            </a:r>
-            <a:r>
-              <a:rPr lang="sr-Latn-RS" dirty="0"/>
-              <a:t>pomeraju okolni </a:t>
-            </a:r>
-            <a:r>
-              <a:rPr lang="sr-Latn-RS" dirty="0" smtClean="0"/>
-              <a:t>sadržaj</a:t>
-            </a:r>
-            <a:endParaRPr lang="sr-Latn-RS" dirty="0"/>
+            <a:pPr marL="857250" lvl="2" indent="0">
+              <a:spcBef>
+                <a:spcPts val="600"/>
+              </a:spcBef>
+              <a:buNone/>
+            </a:pPr>
+            <a:r>
+              <a:rPr lang="sr-Latn-RS" sz="1400" b="1" dirty="0" smtClean="0">
+                <a:solidFill>
+                  <a:srgbClr val="009E47"/>
+                </a:solidFill>
+                <a:latin typeface="Courier New" panose="02070309020205020404" pitchFamily="49" charset="0"/>
+                <a:cs typeface="Courier New" panose="02070309020205020404" pitchFamily="49" charset="0"/>
+              </a:rPr>
+              <a:t>  ...</a:t>
+            </a:r>
+            <a:endParaRPr lang="sr-Latn-RS" sz="1400" b="1" dirty="0">
+              <a:solidFill>
+                <a:srgbClr val="009E47"/>
+              </a:solidFill>
+              <a:latin typeface="Courier New" panose="02070309020205020404" pitchFamily="49" charset="0"/>
+              <a:cs typeface="Courier New" panose="02070309020205020404" pitchFamily="49" charset="0"/>
+            </a:endParaRPr>
+          </a:p>
+          <a:p>
+            <a:pPr marL="857250" lvl="2" indent="0">
+              <a:spcBef>
+                <a:spcPts val="600"/>
+              </a:spcBef>
+              <a:buNone/>
+            </a:pPr>
+            <a:r>
+              <a:rPr lang="sr-Latn-RS" sz="1400" b="1" dirty="0" smtClean="0">
+                <a:solidFill>
+                  <a:srgbClr val="009E47"/>
+                </a:solidFill>
+                <a:latin typeface="Courier New" panose="02070309020205020404" pitchFamily="49" charset="0"/>
+                <a:cs typeface="Courier New" panose="02070309020205020404" pitchFamily="49" charset="0"/>
+              </a:rPr>
+              <a:t>  &lt;</a:t>
+            </a:r>
+            <a:r>
+              <a:rPr lang="sr-Latn-RS" sz="1400" b="1" dirty="0">
+                <a:solidFill>
+                  <a:srgbClr val="009E47"/>
+                </a:solidFill>
+                <a:latin typeface="Courier New" panose="02070309020205020404" pitchFamily="49" charset="0"/>
+                <a:cs typeface="Courier New" panose="02070309020205020404" pitchFamily="49" charset="0"/>
+              </a:rPr>
+              <a:t>div id="</a:t>
+            </a:r>
+            <a:r>
+              <a:rPr lang="sr-Latn-RS" sz="1400" b="1" dirty="0" err="1">
+                <a:solidFill>
+                  <a:srgbClr val="009E47"/>
+                </a:solidFill>
+                <a:latin typeface="Courier New" panose="02070309020205020404" pitchFamily="49" charset="0"/>
+                <a:cs typeface="Courier New" panose="02070309020205020404" pitchFamily="49" charset="0"/>
+              </a:rPr>
+              <a:t>gallery</a:t>
+            </a:r>
+            <a:r>
+              <a:rPr lang="sr-Latn-RS" sz="1400" b="1" dirty="0">
+                <a:solidFill>
+                  <a:srgbClr val="009E47"/>
+                </a:solidFill>
+                <a:latin typeface="Courier New" panose="02070309020205020404" pitchFamily="49" charset="0"/>
+                <a:cs typeface="Courier New" panose="02070309020205020404" pitchFamily="49" charset="0"/>
+              </a:rPr>
+              <a:t>"&gt;</a:t>
+            </a:r>
+          </a:p>
+          <a:p>
+            <a:pPr marL="857250" lvl="2" indent="0">
+              <a:spcBef>
+                <a:spcPts val="600"/>
+              </a:spcBef>
+              <a:buNone/>
+            </a:pPr>
+            <a:r>
+              <a:rPr lang="sr-Latn-RS" sz="1400" b="1" dirty="0" smtClean="0">
+                <a:solidFill>
+                  <a:srgbClr val="009E47"/>
+                </a:solidFill>
+                <a:latin typeface="Courier New" panose="02070309020205020404" pitchFamily="49" charset="0"/>
+                <a:cs typeface="Courier New" panose="02070309020205020404" pitchFamily="49" charset="0"/>
+              </a:rPr>
+              <a:t>    &lt;!-- </a:t>
+            </a:r>
+            <a:r>
+              <a:rPr lang="sr-Latn-RS" sz="1400" b="1" dirty="0">
+                <a:solidFill>
+                  <a:srgbClr val="009E47"/>
+                </a:solidFill>
+                <a:latin typeface="Courier New" panose="02070309020205020404" pitchFamily="49" charset="0"/>
+                <a:cs typeface="Courier New" panose="02070309020205020404" pitchFamily="49" charset="0"/>
+              </a:rPr>
+              <a:t>tri </a:t>
+            </a:r>
+            <a:r>
+              <a:rPr lang="sr-Latn-RS" sz="1400" b="1" dirty="0" err="1">
+                <a:solidFill>
+                  <a:srgbClr val="009E47"/>
+                </a:solidFill>
+                <a:latin typeface="Courier New" panose="02070309020205020404" pitchFamily="49" charset="0"/>
+                <a:cs typeface="Courier New" panose="02070309020205020404" pitchFamily="49" charset="0"/>
+              </a:rPr>
+              <a:t>slicice</a:t>
+            </a:r>
+            <a:r>
+              <a:rPr lang="sr-Latn-RS" sz="1400" b="1" dirty="0">
+                <a:solidFill>
+                  <a:srgbClr val="009E47"/>
+                </a:solidFill>
+                <a:latin typeface="Courier New" panose="02070309020205020404" pitchFamily="49" charset="0"/>
+                <a:cs typeface="Courier New" panose="02070309020205020404" pitchFamily="49" charset="0"/>
+              </a:rPr>
+              <a:t> na dnu centralnog dela strane --&gt;</a:t>
+            </a:r>
+          </a:p>
+          <a:p>
+            <a:pPr marL="857250" lvl="2" indent="0">
+              <a:spcBef>
+                <a:spcPts val="600"/>
+              </a:spcBef>
+              <a:buNone/>
+            </a:pPr>
+            <a:r>
+              <a:rPr lang="sr-Latn-RS" sz="1400" b="1" dirty="0" smtClean="0">
+                <a:solidFill>
+                  <a:srgbClr val="009E47"/>
+                </a:solidFill>
+                <a:latin typeface="Courier New" panose="02070309020205020404" pitchFamily="49" charset="0"/>
+                <a:cs typeface="Courier New" panose="02070309020205020404" pitchFamily="49" charset="0"/>
+              </a:rPr>
+              <a:t>  &lt;/</a:t>
+            </a:r>
+            <a:r>
+              <a:rPr lang="sr-Latn-RS" sz="1400" b="1" dirty="0">
+                <a:solidFill>
+                  <a:srgbClr val="009E47"/>
+                </a:solidFill>
+                <a:latin typeface="Courier New" panose="02070309020205020404" pitchFamily="49" charset="0"/>
+                <a:cs typeface="Courier New" panose="02070309020205020404" pitchFamily="49" charset="0"/>
+              </a:rPr>
+              <a:t>div&gt;</a:t>
+            </a:r>
+          </a:p>
+          <a:p>
+            <a:pPr marL="857250" lvl="2" indent="0">
+              <a:spcBef>
+                <a:spcPts val="600"/>
+              </a:spcBef>
+              <a:buNone/>
+            </a:pPr>
+            <a:r>
+              <a:rPr lang="sr-Latn-RS" sz="1400" b="1" dirty="0">
+                <a:solidFill>
+                  <a:srgbClr val="009E47"/>
+                </a:solidFill>
+                <a:latin typeface="Courier New" panose="02070309020205020404" pitchFamily="49" charset="0"/>
+                <a:cs typeface="Courier New" panose="02070309020205020404" pitchFamily="49" charset="0"/>
+              </a:rPr>
+              <a:t>&lt;/</a:t>
+            </a:r>
+            <a:r>
+              <a:rPr lang="sr-Latn-RS" sz="1400" b="1" dirty="0" err="1">
+                <a:solidFill>
+                  <a:srgbClr val="009E47"/>
+                </a:solidFill>
+                <a:latin typeface="Courier New" panose="02070309020205020404" pitchFamily="49" charset="0"/>
+                <a:cs typeface="Courier New" panose="02070309020205020404" pitchFamily="49" charset="0"/>
+              </a:rPr>
+              <a:t>main</a:t>
+            </a:r>
+            <a:r>
+              <a:rPr lang="sr-Latn-RS" sz="1400" b="1" dirty="0">
+                <a:solidFill>
+                  <a:srgbClr val="009E47"/>
+                </a:solidFill>
+                <a:latin typeface="Courier New" panose="02070309020205020404" pitchFamily="49" charset="0"/>
+                <a:cs typeface="Courier New" panose="02070309020205020404" pitchFamily="49" charset="0"/>
+              </a:rPr>
+              <a:t>&gt;</a:t>
+            </a:r>
           </a:p>
         </p:txBody>
       </p:sp>
-      <p:pic>
-        <p:nvPicPr>
-          <p:cNvPr id="15362" name="Picture 2"/>
-          <p:cNvPicPr>
-            <a:picLocks noChangeAspect="1" noChangeArrowheads="1"/>
-          </p:cNvPicPr>
-          <p:nvPr/>
-        </p:nvPicPr>
-        <p:blipFill rotWithShape="1">
-          <a:blip r:embed="rId2">
-            <a:extLst>
-              <a:ext uri="{28A0092B-C50C-407E-A947-70E740481C1C}">
-                <a14:useLocalDpi xmlns:a14="http://schemas.microsoft.com/office/drawing/2010/main" val="0"/>
-              </a:ext>
-            </a:extLst>
-          </a:blip>
-          <a:srcRect l="1392" r="1692" b="20986"/>
-          <a:stretch/>
-        </p:blipFill>
-        <p:spPr bwMode="auto">
-          <a:xfrm>
-            <a:off x="2195736" y="4773112"/>
-            <a:ext cx="4562856" cy="1536208"/>
-          </a:xfrm>
-          <a:prstGeom prst="rect">
-            <a:avLst/>
-          </a:prstGeom>
-          <a:noFill/>
-          <a:ln>
-            <a:noFill/>
-          </a:ln>
-          <a:extLst>
-            <a:ext uri="{909E8E84-426E-40DD-AFC4-6F175D3DCCD1}">
-              <a14:hiddenFill xmlns:a14="http://schemas.microsoft.com/office/drawing/2010/main">
-                <a:solidFill>
-                  <a:schemeClr val="accent1"/>
-                </a:solidFill>
-              </a14:hiddenFill>
-            </a:ext>
-            <a:ext uri="{91240B29-F687-4F45-9708-019B960494DF}">
-              <a14:hiddenLine xmlns:a14="http://schemas.microsoft.com/office/drawing/2010/main" w="9525">
-                <a:solidFill>
-                  <a:schemeClr val="tx1"/>
-                </a:solidFill>
-                <a:miter lim="800000"/>
-                <a:headEnd/>
-                <a:tailEnd/>
-              </a14:hiddenLine>
-            </a:ext>
-          </a:extLst>
-        </p:spPr>
-      </p:pic>
     </p:spTree>
     <p:extLst>
       <p:ext uri="{BB962C8B-B14F-4D97-AF65-F5344CB8AC3E}">
-        <p14:creationId xmlns:p14="http://schemas.microsoft.com/office/powerpoint/2010/main" val="4264709522"/>
+        <p14:creationId xmlns:p14="http://schemas.microsoft.com/office/powerpoint/2010/main" val="2483318079"/>
       </p:ext>
     </p:extLst>
   </p:cSld>
@@ -28826,14 +27893,31 @@
             <p:ph type="title"/>
           </p:nvPr>
         </p:nvSpPr>
-        <p:spPr/>
+        <p:spPr>
+          <a:xfrm>
+            <a:off x="1403648" y="549275"/>
+            <a:ext cx="7283152" cy="868363"/>
+          </a:xfrm>
+        </p:spPr>
         <p:txBody>
           <a:bodyPr/>
           <a:lstStyle/>
           <a:p>
             <a:r>
               <a:rPr lang="sr-Latn-RS" dirty="0" smtClean="0"/>
-              <a:t>Prikaz (3)</a:t>
+              <a:t>E</a:t>
+            </a:r>
+            <a:r>
+              <a:rPr lang="it-IT" dirty="0" err="1" smtClean="0"/>
+              <a:t>lement</a:t>
+            </a:r>
+            <a:r>
+              <a:rPr lang="sr-Latn-RS" dirty="0" smtClean="0"/>
+              <a:t> </a:t>
+            </a:r>
+            <a:r>
+              <a:rPr lang="it-IT" dirty="0" err="1"/>
+              <a:t>span</a:t>
             </a:r>
             <a:endParaRPr lang="sr-Latn-RS" dirty="0"/>
           </a:p>
@@ -28851,100 +27935,57 @@
         </p:nvSpPr>
         <p:spPr>
           <a:xfrm>
-            <a:off x="457200" y="1600200"/>
-            <a:ext cx="8579296" cy="4853136"/>
+            <a:off x="457200" y="1484784"/>
+            <a:ext cx="8579296" cy="5373216"/>
           </a:xfrm>
         </p:spPr>
         <p:txBody>
           <a:bodyPr/>
           <a:lstStyle/>
           <a:p>
+            <a:pPr lvl="1">
+              <a:spcBef>
+                <a:spcPts val="1200"/>
+              </a:spcBef>
+            </a:pPr>
             <a:r>
               <a:rPr lang="sr-Latn-RS" dirty="0"/>
-              <a:t>Svojstvo </a:t>
-            </a:r>
-            <a:r>
-              <a:rPr lang="sr-Latn-RS" dirty="0" err="1">
-                <a:solidFill>
-                  <a:srgbClr val="002060"/>
-                </a:solidFill>
-              </a:rPr>
-              <a:t>display</a:t>
-            </a:r>
-            <a:r>
-              <a:rPr lang="sr-Latn-RS" dirty="0">
-                <a:solidFill>
-                  <a:srgbClr val="002060"/>
-                </a:solidFill>
-              </a:rPr>
-              <a:t> </a:t>
-            </a:r>
-            <a:r>
-              <a:rPr lang="sr-Latn-RS" dirty="0" err="1"/>
-              <a:t>moze</a:t>
+              <a:t>Koristi se kada je potrebno delu teksta dodeliti </a:t>
+            </a:r>
+            <a:r>
+              <a:rPr lang="sr-Latn-RS" dirty="0" smtClean="0"/>
+              <a:t>zna</a:t>
             </a:r>
             <a:r>
               <a:rPr lang="sr-Latn-RS" dirty="0"/>
-              <a:t> imati </a:t>
-            </a:r>
-            <a:r>
-              <a:rPr lang="sr-Latn-RS" dirty="0" err="1"/>
-              <a:t>razlicite</a:t>
+              <a:t>č</a:t>
+            </a:r>
+            <a:r>
+              <a:rPr lang="sr-Latn-RS" dirty="0" smtClean="0"/>
+              <a:t>enje </a:t>
             </a:r>
             <a:r>
               <a:rPr lang="sr-Latn-RS" dirty="0"/>
-              <a:t> vrednosti:</a:t>
+              <a:t>koje </a:t>
+            </a:r>
+            <a:r>
+              <a:rPr lang="sr-Latn-RS" dirty="0" smtClean="0"/>
+              <a:t>nije definisano </a:t>
+            </a:r>
+            <a:r>
+              <a:rPr lang="sr-Latn-RS" dirty="0"/>
+              <a:t>HTML standardom</a:t>
             </a:r>
           </a:p>
           <a:p>
-            <a:pPr lvl="1"/>
-            <a:r>
-              <a:rPr lang="sr-Latn-RS" dirty="0" err="1">
-                <a:solidFill>
-                  <a:srgbClr val="005828"/>
-                </a:solidFill>
-              </a:rPr>
-              <a:t>inline</a:t>
-            </a:r>
-            <a:r>
-              <a:rPr lang="sr-Latn-RS" dirty="0">
-                <a:solidFill>
-                  <a:srgbClr val="005828"/>
-                </a:solidFill>
-              </a:rPr>
-              <a:t>-</a:t>
-            </a:r>
-            <a:r>
-              <a:rPr lang="sr-Latn-RS" dirty="0" err="1">
-                <a:solidFill>
-                  <a:srgbClr val="005828"/>
-                </a:solidFill>
-              </a:rPr>
-              <a:t>block</a:t>
-            </a:r>
-            <a:r>
-              <a:rPr lang="sr-Latn-RS" dirty="0">
-                <a:solidFill>
-                  <a:srgbClr val="005828"/>
-                </a:solidFill>
-              </a:rPr>
-              <a:t> </a:t>
-            </a:r>
-            <a:r>
-              <a:rPr lang="sr-Latn-RS" dirty="0" smtClean="0"/>
-              <a:t>- </a:t>
-            </a:r>
+            <a:pPr lvl="1">
+              <a:spcBef>
+                <a:spcPts val="1200"/>
+              </a:spcBef>
+            </a:pPr>
             <a:r>
               <a:rPr lang="sr-Latn-RS" dirty="0"/>
-              <a:t>element se prikazuje kao linijski blok element; ne prostire </a:t>
-            </a:r>
-            <a:r>
-              <a:rPr lang="sr-Latn-RS" dirty="0" smtClean="0"/>
-              <a:t>se celom širinom</a:t>
-            </a:r>
-            <a:r>
-              <a:rPr lang="sr-Latn-RS" dirty="0"/>
-              <a:t>, ali mu se mogu </a:t>
+              <a:t>Bez dodatnih </a:t>
             </a:r>
             <a:r>
               <a:rPr lang="sr-Latn-RS" dirty="0" smtClean="0"/>
@@ -28956,311 +27997,336 @@
             </a:r>
             <a:r>
               <a:rPr lang="sr-Latn-RS" dirty="0" smtClean="0"/>
-              <a:t>avati </a:t>
+              <a:t>avanja </a:t>
             </a:r>
             <a:r>
               <a:rPr lang="sr-Latn-RS" dirty="0"/>
-              <a:t>i š</a:t>
+              <a:t>prikazuju se isto na veb-strani; </a:t>
             </a:r>
             <a:r>
               <a:rPr lang="sr-Latn-RS" dirty="0" smtClean="0"/>
-              <a:t>irina </a:t>
+              <a:t>međ</a:t>
             </a:r>
             <a:r>
               <a:rPr lang="sr-Latn-RS" dirty="0"/>
-              <a:t>i visina i </a:t>
+              <a:t>utim </a:t>
             </a:r>
             <a:r>
               <a:rPr lang="sr-Latn-RS" dirty="0" smtClean="0"/>
-              <a:t>margine</a:t>
+              <a:t>na ovaj na</a:t>
+            </a:r>
+            <a:r>
+              <a:rPr lang="sr-Latn-RS" dirty="0"/>
+              <a:t>č</a:t>
+            </a:r>
+            <a:r>
+              <a:rPr lang="sr-Latn-RS" dirty="0" smtClean="0"/>
+              <a:t>in mogu</a:t>
+            </a:r>
+            <a:r>
+              <a:rPr lang="sr-Latn-RS" dirty="0"/>
+              <a:t>ć</a:t>
+            </a:r>
+            <a:r>
+              <a:rPr lang="sr-Latn-RS" dirty="0" smtClean="0"/>
+              <a:t>e </a:t>
+            </a:r>
+            <a:r>
+              <a:rPr lang="sr-Latn-RS" dirty="0"/>
+              <a:t>je izdvojiti sve </a:t>
+            </a:r>
+            <a:r>
+              <a:rPr lang="sr-Latn-RS" dirty="0" smtClean="0"/>
+              <a:t>ozna</a:t>
+            </a:r>
+            <a:r>
+              <a:rPr lang="sr-Latn-RS" dirty="0"/>
+              <a:t>č</a:t>
+            </a:r>
+            <a:r>
+              <a:rPr lang="sr-Latn-RS" dirty="0" smtClean="0"/>
+              <a:t>ene </a:t>
+            </a:r>
+            <a:r>
+              <a:rPr lang="sr-Latn-RS" dirty="0"/>
+              <a:t>delove teksta sa </a:t>
+            </a:r>
+            <a:r>
+              <a:rPr lang="sr-Latn-RS" dirty="0" smtClean="0"/>
+              <a:t>veb strane </a:t>
+            </a:r>
+            <a:r>
+              <a:rPr lang="sr-Latn-RS" dirty="0"/>
+              <a:t>ili </a:t>
+            </a:r>
+            <a:r>
+              <a:rPr lang="sr-Latn-RS" dirty="0" smtClean="0"/>
+              <a:t>korišćenjem </a:t>
+            </a:r>
+            <a:r>
+              <a:rPr lang="sr-Latn-RS" dirty="0"/>
+              <a:t>CSS-a podesiti prikaz svih </a:t>
+            </a:r>
+            <a:r>
+              <a:rPr lang="sr-Latn-RS" dirty="0" smtClean="0"/>
+              <a:t>ozna</a:t>
+            </a:r>
+            <a:r>
+              <a:rPr lang="sr-Latn-RS" dirty="0"/>
+              <a:t>č</a:t>
+            </a:r>
+            <a:r>
+              <a:rPr lang="sr-Latn-RS" dirty="0" smtClean="0"/>
+              <a:t>enih </a:t>
+            </a:r>
+            <a:r>
+              <a:rPr lang="sr-Latn-RS" dirty="0"/>
+              <a:t>elemenata</a:t>
             </a:r>
           </a:p>
           <a:p>
+            <a:pPr lvl="1">
+              <a:spcBef>
+                <a:spcPts val="1200"/>
+              </a:spcBef>
+            </a:pPr>
+            <a:r>
+              <a:rPr lang="sr-Latn-RS" dirty="0" smtClean="0"/>
+              <a:t>Najčešće </a:t>
+            </a:r>
             <a:r>
               <a:rPr lang="sr-Latn-RS" dirty="0"/>
-              <a:t>Primer:</a:t>
-            </a:r>
-            <a:br>
-              <a:rPr lang="sr-Latn-RS" dirty="0"/>
-            </a:br>
-            <a:r>
-              <a:rPr lang="sr-Latn-RS" sz="1600" b="1" dirty="0">
-                <a:solidFill>
-                  <a:srgbClr val="005828"/>
-                </a:solidFill>
-                <a:latin typeface="Courier New" panose="02070309020205020404" pitchFamily="49" charset="0"/>
-                <a:cs typeface="Courier New" panose="02070309020205020404" pitchFamily="49" charset="0"/>
-              </a:rPr>
-              <a:t>div { </a:t>
-            </a:r>
-            <a:r>
-              <a:rPr lang="sr-Latn-RS" sz="1600" b="1" dirty="0" err="1">
-                <a:solidFill>
-                  <a:srgbClr val="005828"/>
-                </a:solidFill>
-                <a:latin typeface="Courier New" panose="02070309020205020404" pitchFamily="49" charset="0"/>
-                <a:cs typeface="Courier New" panose="02070309020205020404" pitchFamily="49" charset="0"/>
-              </a:rPr>
-              <a:t>border</a:t>
-            </a:r>
-            <a:r>
-              <a:rPr lang="sr-Latn-RS" sz="1600" b="1" dirty="0">
-                <a:solidFill>
-                  <a:srgbClr val="005828"/>
-                </a:solidFill>
-                <a:latin typeface="Courier New" panose="02070309020205020404" pitchFamily="49" charset="0"/>
-                <a:cs typeface="Courier New" panose="02070309020205020404" pitchFamily="49" charset="0"/>
-              </a:rPr>
-              <a:t>: 1px solid red; </a:t>
-            </a:r>
-            <a:r>
-              <a:rPr lang="sr-Latn-RS" sz="1600" b="1" dirty="0" smtClean="0">
-                <a:solidFill>
-                  <a:srgbClr val="005828"/>
-                </a:solidFill>
-                <a:latin typeface="Courier New" panose="02070309020205020404" pitchFamily="49" charset="0"/>
-                <a:cs typeface="Courier New" panose="02070309020205020404" pitchFamily="49" charset="0"/>
-              </a:rPr>
-              <a:t>}</a:t>
-            </a:r>
-            <a:br>
-              <a:rPr lang="sr-Latn-RS" sz="1600" b="1" dirty="0" smtClean="0">
-                <a:solidFill>
-                  <a:srgbClr val="005828"/>
-                </a:solidFill>
-                <a:latin typeface="Courier New" panose="02070309020205020404" pitchFamily="49" charset="0"/>
-                <a:cs typeface="Courier New" panose="02070309020205020404" pitchFamily="49" charset="0"/>
-              </a:rPr>
-            </a:br>
-            <a:r>
-              <a:rPr lang="sr-Latn-RS" sz="1600" b="1" dirty="0" err="1" smtClean="0">
-                <a:solidFill>
-                  <a:srgbClr val="005828"/>
-                </a:solidFill>
-                <a:latin typeface="Courier New" panose="02070309020205020404" pitchFamily="49" charset="0"/>
-                <a:cs typeface="Courier New" panose="02070309020205020404" pitchFamily="49" charset="0"/>
-              </a:rPr>
-              <a:t>div.inblock</a:t>
-            </a:r>
-            <a:r>
-              <a:rPr lang="sr-Latn-RS" sz="1600" b="1" dirty="0" smtClean="0">
-                <a:solidFill>
-                  <a:srgbClr val="005828"/>
-                </a:solidFill>
-                <a:latin typeface="Courier New" panose="02070309020205020404" pitchFamily="49" charset="0"/>
-                <a:cs typeface="Courier New" panose="02070309020205020404" pitchFamily="49" charset="0"/>
-              </a:rPr>
-              <a:t> {</a:t>
-            </a:r>
-            <a:br>
-              <a:rPr lang="sr-Latn-RS" sz="1600" b="1" dirty="0" smtClean="0">
-                <a:solidFill>
-                  <a:srgbClr val="005828"/>
-                </a:solidFill>
-                <a:latin typeface="Courier New" panose="02070309020205020404" pitchFamily="49" charset="0"/>
-                <a:cs typeface="Courier New" panose="02070309020205020404" pitchFamily="49" charset="0"/>
-              </a:rPr>
-            </a:br>
-            <a:r>
-              <a:rPr lang="sr-Latn-RS" sz="1600" b="1" dirty="0" err="1" smtClean="0">
-                <a:solidFill>
-                  <a:srgbClr val="005828"/>
-                </a:solidFill>
-                <a:latin typeface="Courier New" panose="02070309020205020404" pitchFamily="49" charset="0"/>
-                <a:cs typeface="Courier New" panose="02070309020205020404" pitchFamily="49" charset="0"/>
-              </a:rPr>
-              <a:t>display</a:t>
-            </a:r>
-            <a:r>
-              <a:rPr lang="sr-Latn-RS" sz="1600" b="1" dirty="0">
-                <a:solidFill>
-                  <a:srgbClr val="005828"/>
-                </a:solidFill>
-                <a:latin typeface="Courier New" panose="02070309020205020404" pitchFamily="49" charset="0"/>
-                <a:cs typeface="Courier New" panose="02070309020205020404" pitchFamily="49" charset="0"/>
-              </a:rPr>
-              <a:t>: </a:t>
-            </a:r>
-            <a:r>
-              <a:rPr lang="sr-Latn-RS" sz="1600" b="1" dirty="0" err="1" smtClean="0">
-                <a:solidFill>
-                  <a:srgbClr val="005828"/>
-                </a:solidFill>
-                <a:latin typeface="Courier New" panose="02070309020205020404" pitchFamily="49" charset="0"/>
-                <a:cs typeface="Courier New" panose="02070309020205020404" pitchFamily="49" charset="0"/>
-              </a:rPr>
-              <a:t>inline</a:t>
-            </a:r>
-            <a:r>
-              <a:rPr lang="sr-Latn-RS" sz="1600" b="1" dirty="0" smtClean="0">
-                <a:solidFill>
-                  <a:srgbClr val="005828"/>
-                </a:solidFill>
-                <a:latin typeface="Courier New" panose="02070309020205020404" pitchFamily="49" charset="0"/>
-                <a:cs typeface="Courier New" panose="02070309020205020404" pitchFamily="49" charset="0"/>
-              </a:rPr>
-              <a:t>-</a:t>
-            </a:r>
-            <a:r>
-              <a:rPr lang="sr-Latn-RS" sz="1600" b="1" dirty="0" err="1" smtClean="0">
-                <a:solidFill>
-                  <a:srgbClr val="005828"/>
-                </a:solidFill>
-                <a:latin typeface="Courier New" panose="02070309020205020404" pitchFamily="49" charset="0"/>
-                <a:cs typeface="Courier New" panose="02070309020205020404" pitchFamily="49" charset="0"/>
-              </a:rPr>
-              <a:t>block</a:t>
-            </a:r>
-            <a:r>
-              <a:rPr lang="sr-Latn-RS" sz="1600" b="1" dirty="0" smtClean="0">
-                <a:solidFill>
-                  <a:srgbClr val="005828"/>
-                </a:solidFill>
-                <a:latin typeface="Courier New" panose="02070309020205020404" pitchFamily="49" charset="0"/>
-                <a:cs typeface="Courier New" panose="02070309020205020404" pitchFamily="49" charset="0"/>
-              </a:rPr>
-              <a:t>;</a:t>
-            </a:r>
-            <a:br>
-              <a:rPr lang="sr-Latn-RS" sz="1600" b="1" dirty="0" smtClean="0">
-                <a:solidFill>
-                  <a:srgbClr val="005828"/>
-                </a:solidFill>
-                <a:latin typeface="Courier New" panose="02070309020205020404" pitchFamily="49" charset="0"/>
-                <a:cs typeface="Courier New" panose="02070309020205020404" pitchFamily="49" charset="0"/>
-              </a:rPr>
-            </a:br>
-            <a:r>
-              <a:rPr lang="sr-Latn-RS" sz="1600" b="1" dirty="0" err="1" smtClean="0">
-                <a:solidFill>
-                  <a:srgbClr val="005828"/>
-                </a:solidFill>
-                <a:latin typeface="Courier New" panose="02070309020205020404" pitchFamily="49" charset="0"/>
-                <a:cs typeface="Courier New" panose="02070309020205020404" pitchFamily="49" charset="0"/>
-              </a:rPr>
-              <a:t>width</a:t>
-            </a:r>
-            <a:r>
-              <a:rPr lang="sr-Latn-RS" sz="1600" b="1" dirty="0">
-                <a:solidFill>
-                  <a:srgbClr val="005828"/>
-                </a:solidFill>
-                <a:latin typeface="Courier New" panose="02070309020205020404" pitchFamily="49" charset="0"/>
-                <a:cs typeface="Courier New" panose="02070309020205020404" pitchFamily="49" charset="0"/>
-              </a:rPr>
-              <a:t>: 100px; </a:t>
-            </a:r>
-            <a:r>
-              <a:rPr lang="sr-Latn-RS" sz="1600" b="1" dirty="0" err="1">
-                <a:solidFill>
-                  <a:srgbClr val="005828"/>
-                </a:solidFill>
-                <a:latin typeface="Courier New" panose="02070309020205020404" pitchFamily="49" charset="0"/>
-                <a:cs typeface="Courier New" panose="02070309020205020404" pitchFamily="49" charset="0"/>
-              </a:rPr>
-              <a:t>height</a:t>
-            </a:r>
-            <a:r>
-              <a:rPr lang="sr-Latn-RS" sz="1600" b="1" dirty="0">
-                <a:solidFill>
-                  <a:srgbClr val="005828"/>
-                </a:solidFill>
-                <a:latin typeface="Courier New" panose="02070309020205020404" pitchFamily="49" charset="0"/>
-                <a:cs typeface="Courier New" panose="02070309020205020404" pitchFamily="49" charset="0"/>
-              </a:rPr>
-              <a:t>: </a:t>
-            </a:r>
-            <a:r>
-              <a:rPr lang="sr-Latn-RS" sz="1600" b="1" dirty="0" smtClean="0">
-                <a:solidFill>
-                  <a:srgbClr val="005828"/>
-                </a:solidFill>
-                <a:latin typeface="Courier New" panose="02070309020205020404" pitchFamily="49" charset="0"/>
-                <a:cs typeface="Courier New" panose="02070309020205020404" pitchFamily="49" charset="0"/>
-              </a:rPr>
-              <a:t>50px;</a:t>
-            </a:r>
-            <a:br>
-              <a:rPr lang="sr-Latn-RS" sz="1600" b="1" dirty="0" smtClean="0">
-                <a:solidFill>
-                  <a:srgbClr val="005828"/>
-                </a:solidFill>
-                <a:latin typeface="Courier New" panose="02070309020205020404" pitchFamily="49" charset="0"/>
-                <a:cs typeface="Courier New" panose="02070309020205020404" pitchFamily="49" charset="0"/>
-              </a:rPr>
-            </a:br>
-            <a:r>
-              <a:rPr lang="sr-Latn-RS" sz="1600" b="1" dirty="0" smtClean="0">
-                <a:solidFill>
-                  <a:srgbClr val="005828"/>
-                </a:solidFill>
-                <a:latin typeface="Courier New" panose="02070309020205020404" pitchFamily="49" charset="0"/>
-                <a:cs typeface="Courier New" panose="02070309020205020404" pitchFamily="49" charset="0"/>
-              </a:rPr>
-              <a:t>margin</a:t>
-            </a:r>
-            <a:r>
-              <a:rPr lang="sr-Latn-RS" sz="1600" b="1" dirty="0">
-                <a:solidFill>
-                  <a:srgbClr val="005828"/>
-                </a:solidFill>
-                <a:latin typeface="Courier New" panose="02070309020205020404" pitchFamily="49" charset="0"/>
-                <a:cs typeface="Courier New" panose="02070309020205020404" pitchFamily="49" charset="0"/>
-              </a:rPr>
-              <a:t>: 10px</a:t>
-            </a:r>
-            <a:r>
-              <a:rPr lang="sr-Latn-RS" sz="1600" b="1" dirty="0" smtClean="0">
-                <a:solidFill>
-                  <a:srgbClr val="005828"/>
-                </a:solidFill>
-                <a:latin typeface="Courier New" panose="02070309020205020404" pitchFamily="49" charset="0"/>
-                <a:cs typeface="Courier New" panose="02070309020205020404" pitchFamily="49" charset="0"/>
-              </a:rPr>
-              <a:t>;</a:t>
-            </a:r>
-            <a:br>
-              <a:rPr lang="sr-Latn-RS" sz="1600" b="1" dirty="0" smtClean="0">
-                <a:solidFill>
-                  <a:srgbClr val="005828"/>
-                </a:solidFill>
-                <a:latin typeface="Courier New" panose="02070309020205020404" pitchFamily="49" charset="0"/>
-                <a:cs typeface="Courier New" panose="02070309020205020404" pitchFamily="49" charset="0"/>
-              </a:rPr>
-            </a:br>
-            <a:r>
-              <a:rPr lang="sr-Latn-RS" sz="1600" b="1" dirty="0" smtClean="0">
-                <a:solidFill>
-                  <a:srgbClr val="005828"/>
-                </a:solidFill>
-                <a:latin typeface="Courier New" panose="02070309020205020404" pitchFamily="49" charset="0"/>
-                <a:cs typeface="Courier New" panose="02070309020205020404" pitchFamily="49" charset="0"/>
-              </a:rPr>
-              <a:t>}</a:t>
-            </a:r>
-            <a:r>
-              <a:rPr lang="sr-Latn-RS" sz="1600" b="1" dirty="0">
-                <a:solidFill>
-                  <a:srgbClr val="005828"/>
-                </a:solidFill>
-                <a:latin typeface="Courier New" panose="02070309020205020404" pitchFamily="49" charset="0"/>
-                <a:cs typeface="Courier New" panose="02070309020205020404" pitchFamily="49" charset="0"/>
-              </a:rPr>
-              <a:t/>
-            </a:r>
-            <a:br>
-              <a:rPr lang="sr-Latn-RS" sz="1600" b="1" dirty="0">
-                <a:solidFill>
-                  <a:srgbClr val="005828"/>
-                </a:solidFill>
-                <a:latin typeface="Courier New" panose="02070309020205020404" pitchFamily="49" charset="0"/>
-                <a:cs typeface="Courier New" panose="02070309020205020404" pitchFamily="49" charset="0"/>
-              </a:rPr>
-            </a:br>
-            <a:r>
-              <a:rPr lang="sr-Latn-RS" sz="1600" b="1" dirty="0" smtClean="0">
-                <a:solidFill>
-                  <a:srgbClr val="005828"/>
+              <a:t>se koristi u kombinaciji sa atributom </a:t>
+            </a:r>
+            <a:r>
+              <a:rPr lang="sr-Latn-RS" dirty="0" err="1">
+                <a:solidFill>
+                  <a:srgbClr val="009E47"/>
+                </a:solidFill>
+              </a:rPr>
+              <a:t>class</a:t>
+            </a:r>
+            <a:endParaRPr lang="sr-Latn-RS" sz="1400" b="1" dirty="0" smtClean="0">
+              <a:solidFill>
+                <a:srgbClr val="009E47"/>
+              </a:solidFill>
+              <a:latin typeface="Courier New" panose="02070309020205020404" pitchFamily="49" charset="0"/>
+              <a:cs typeface="Courier New" panose="02070309020205020404" pitchFamily="49" charset="0"/>
+            </a:endParaRPr>
+          </a:p>
+          <a:p>
+            <a:pPr marL="457200" lvl="1" indent="0">
+              <a:spcBef>
+                <a:spcPts val="0"/>
+              </a:spcBef>
+              <a:buNone/>
+            </a:pPr>
+            <a:r>
+              <a:rPr lang="sr-Latn-RS" sz="1400" b="1" dirty="0">
+                <a:solidFill>
+                  <a:srgbClr val="009E47"/>
+                </a:solidFill>
+                <a:latin typeface="Courier New" panose="02070309020205020404" pitchFamily="49" charset="0"/>
+                <a:cs typeface="Courier New" panose="02070309020205020404" pitchFamily="49" charset="0"/>
+              </a:rPr>
+              <a:t>Osnovni delovi </a:t>
+            </a:r>
+            <a:r>
+              <a:rPr lang="sr-Latn-RS" sz="1400" b="1" dirty="0" err="1">
+                <a:solidFill>
+                  <a:srgbClr val="009E47"/>
+                </a:solidFill>
+                <a:latin typeface="Courier New" panose="02070309020205020404" pitchFamily="49" charset="0"/>
+                <a:cs typeface="Courier New" panose="02070309020205020404" pitchFamily="49" charset="0"/>
+              </a:rPr>
+              <a:t>racunarskog</a:t>
+            </a:r>
+            <a:r>
+              <a:rPr lang="sr-Latn-RS" sz="1400" b="1" dirty="0">
+                <a:solidFill>
+                  <a:srgbClr val="009E47"/>
+                </a:solidFill>
+                <a:latin typeface="Courier New" panose="02070309020205020404" pitchFamily="49" charset="0"/>
+                <a:cs typeface="Courier New" panose="02070309020205020404" pitchFamily="49" charset="0"/>
+              </a:rPr>
+              <a:t> sistema su &lt;</a:t>
+            </a:r>
+            <a:r>
+              <a:rPr lang="sr-Latn-RS" sz="1400" b="1" dirty="0" smtClean="0">
+                <a:solidFill>
+                  <a:srgbClr val="009E47"/>
+                </a:solidFill>
+                <a:latin typeface="Courier New" panose="02070309020205020404" pitchFamily="49" charset="0"/>
+                <a:cs typeface="Courier New" panose="02070309020205020404" pitchFamily="49" charset="0"/>
+              </a:rPr>
+              <a:t>span </a:t>
+            </a:r>
+            <a:r>
+              <a:rPr lang="sr-Latn-RS" sz="1400" b="1" dirty="0" err="1" smtClean="0">
+                <a:solidFill>
+                  <a:srgbClr val="009E47"/>
+                </a:solidFill>
+                <a:latin typeface="Courier New" panose="02070309020205020404" pitchFamily="49" charset="0"/>
+                <a:cs typeface="Courier New" panose="02070309020205020404" pitchFamily="49" charset="0"/>
+              </a:rPr>
+              <a:t>class</a:t>
+            </a:r>
+            <a:r>
+              <a:rPr lang="sr-Latn-RS" sz="1400" b="1" dirty="0">
+                <a:solidFill>
+                  <a:srgbClr val="009E47"/>
+                </a:solidFill>
+                <a:latin typeface="Courier New" panose="02070309020205020404" pitchFamily="49" charset="0"/>
+                <a:cs typeface="Courier New" panose="02070309020205020404" pitchFamily="49" charset="0"/>
+              </a:rPr>
+              <a:t>="termin</a:t>
+            </a:r>
+            <a:r>
+              <a:rPr lang="sr-Latn-RS" sz="1400" b="1" dirty="0" smtClean="0">
+                <a:solidFill>
+                  <a:srgbClr val="009E47"/>
+                </a:solidFill>
+                <a:latin typeface="Courier New" panose="02070309020205020404" pitchFamily="49" charset="0"/>
+                <a:cs typeface="Courier New" panose="02070309020205020404" pitchFamily="49" charset="0"/>
+              </a:rPr>
+              <a:t>"&gt; procesor</a:t>
+            </a:r>
+            <a:r>
+              <a:rPr lang="sr-Latn-RS" sz="1400" b="1" dirty="0">
+                <a:solidFill>
+                  <a:srgbClr val="009E47"/>
+                </a:solidFill>
+                <a:latin typeface="Courier New" panose="02070309020205020404" pitchFamily="49" charset="0"/>
+                <a:cs typeface="Courier New" panose="02070309020205020404" pitchFamily="49" charset="0"/>
+              </a:rPr>
+              <a:t>&lt;/span&gt;,</a:t>
+            </a:r>
+          </a:p>
+          <a:p>
+            <a:pPr marL="457200" lvl="1" indent="0">
+              <a:spcBef>
+                <a:spcPts val="0"/>
+              </a:spcBef>
+              <a:buNone/>
+            </a:pPr>
+            <a:r>
+              <a:rPr lang="sr-Latn-RS" sz="1400" b="1" dirty="0">
+                <a:solidFill>
+                  <a:srgbClr val="009E47"/>
+                </a:solidFill>
+                <a:latin typeface="Courier New" panose="02070309020205020404" pitchFamily="49" charset="0"/>
+                <a:cs typeface="Courier New" panose="02070309020205020404" pitchFamily="49" charset="0"/>
+              </a:rPr>
+              <a:t>&lt;span </a:t>
+            </a:r>
+            <a:r>
+              <a:rPr lang="sr-Latn-RS" sz="1400" b="1" dirty="0" err="1">
+                <a:solidFill>
+                  <a:srgbClr val="009E47"/>
+                </a:solidFill>
+                <a:latin typeface="Courier New" panose="02070309020205020404" pitchFamily="49" charset="0"/>
+                <a:cs typeface="Courier New" panose="02070309020205020404" pitchFamily="49" charset="0"/>
+              </a:rPr>
+              <a:t>class</a:t>
+            </a:r>
+            <a:r>
+              <a:rPr lang="sr-Latn-RS" sz="1400" b="1" dirty="0">
+                <a:solidFill>
+                  <a:srgbClr val="009E47"/>
+                </a:solidFill>
+                <a:latin typeface="Courier New" panose="02070309020205020404" pitchFamily="49" charset="0"/>
+                <a:cs typeface="Courier New" panose="02070309020205020404" pitchFamily="49" charset="0"/>
+              </a:rPr>
+              <a:t>="termin"&gt;memorija&lt;/span&gt; i</a:t>
+            </a:r>
+          </a:p>
+          <a:p>
+            <a:pPr marL="457200" lvl="1" indent="0">
+              <a:spcBef>
+                <a:spcPts val="0"/>
+              </a:spcBef>
+              <a:buNone/>
+            </a:pPr>
+            <a:r>
+              <a:rPr lang="sr-Latn-RS" sz="1400" b="1" dirty="0">
+                <a:solidFill>
+                  <a:srgbClr val="009E47"/>
+                </a:solidFill>
+                <a:latin typeface="Courier New" panose="02070309020205020404" pitchFamily="49" charset="0"/>
+                <a:cs typeface="Courier New" panose="02070309020205020404" pitchFamily="49" charset="0"/>
+              </a:rPr>
+              <a:t>&lt;span </a:t>
+            </a:r>
+            <a:r>
+              <a:rPr lang="sr-Latn-RS" sz="1400" b="1" dirty="0" err="1">
+                <a:solidFill>
+                  <a:srgbClr val="009E47"/>
+                </a:solidFill>
+                <a:latin typeface="Courier New" panose="02070309020205020404" pitchFamily="49" charset="0"/>
+                <a:cs typeface="Courier New" panose="02070309020205020404" pitchFamily="49" charset="0"/>
+              </a:rPr>
+              <a:t>class</a:t>
+            </a:r>
+            <a:r>
+              <a:rPr lang="sr-Latn-RS" sz="1400" b="1" dirty="0">
+                <a:solidFill>
+                  <a:srgbClr val="009E47"/>
+                </a:solidFill>
+                <a:latin typeface="Courier New" panose="02070309020205020404" pitchFamily="49" charset="0"/>
+                <a:cs typeface="Courier New" panose="02070309020205020404" pitchFamily="49" charset="0"/>
+              </a:rPr>
+              <a:t>="termin"&gt;ulazno-izlazni </a:t>
+            </a:r>
+            <a:r>
+              <a:rPr lang="sr-Latn-RS" sz="1400" b="1" dirty="0" err="1">
+                <a:solidFill>
+                  <a:srgbClr val="009E47"/>
+                </a:solidFill>
+                <a:latin typeface="Courier New" panose="02070309020205020404" pitchFamily="49" charset="0"/>
+                <a:cs typeface="Courier New" panose="02070309020205020404" pitchFamily="49" charset="0"/>
+              </a:rPr>
+              <a:t>uredaji</a:t>
+            </a:r>
+            <a:r>
+              <a:rPr lang="sr-Latn-RS" sz="1400" b="1" dirty="0">
+                <a:solidFill>
+                  <a:srgbClr val="009E47"/>
+                </a:solidFill>
+                <a:latin typeface="Courier New" panose="02070309020205020404" pitchFamily="49" charset="0"/>
+                <a:cs typeface="Courier New" panose="02070309020205020404" pitchFamily="49" charset="0"/>
+              </a:rPr>
+              <a:t>&lt;/span&gt;.</a:t>
+            </a:r>
+          </a:p>
+          <a:p>
+            <a:pPr marL="457200" lvl="1" indent="0">
+              <a:spcBef>
+                <a:spcPts val="0"/>
+              </a:spcBef>
+              <a:buNone/>
+            </a:pPr>
+            <a:r>
+              <a:rPr lang="sr-Latn-RS" sz="1400" b="1" dirty="0">
+                <a:solidFill>
+                  <a:srgbClr val="009E47"/>
+                </a:solidFill>
+                <a:latin typeface="Courier New" panose="02070309020205020404" pitchFamily="49" charset="0"/>
+                <a:cs typeface="Courier New" panose="02070309020205020404" pitchFamily="49" charset="0"/>
+              </a:rPr>
+              <a:t>&lt;pre&gt;</a:t>
+            </a:r>
+          </a:p>
+          <a:p>
+            <a:pPr marL="457200" lvl="1" indent="0">
+              <a:spcBef>
+                <a:spcPts val="0"/>
+              </a:spcBef>
+              <a:buNone/>
+            </a:pPr>
+            <a:r>
+              <a:rPr lang="sr-Latn-RS" sz="1400" b="1" dirty="0">
+                <a:solidFill>
+                  <a:srgbClr val="009E47"/>
                 </a:solidFill>
                 <a:latin typeface="Courier New" panose="02070309020205020404" pitchFamily="49" charset="0"/>
                 <a:cs typeface="Courier New" panose="02070309020205020404" pitchFamily="49" charset="0"/>
@@ -29268,38 +28334,213 @@
               <a:t>&lt;</a:t>
             </a:r>
             <a:r>
-              <a:rPr lang="sr-Latn-RS" sz="1600" b="1" dirty="0">
-                <a:solidFill>
-                  <a:srgbClr val="005828"/>
-                </a:solidFill>
-                <a:latin typeface="Courier New" panose="02070309020205020404" pitchFamily="49" charset="0"/>
-                <a:cs typeface="Courier New" panose="02070309020205020404" pitchFamily="49" charset="0"/>
-              </a:rPr>
-              <a:t>div&gt;Ispred&lt;/div</a:t>
-            </a:r>
-            <a:r>
-              <a:rPr lang="sr-Latn-RS" sz="1600" b="1" dirty="0" smtClean="0">
-                <a:solidFill>
-                  <a:srgbClr val="005828"/>
+              <a:rPr lang="sr-Latn-RS" sz="1400" b="1" dirty="0" err="1">
+                <a:solidFill>
+                  <a:srgbClr val="009E47"/>
+                </a:solidFill>
+                <a:latin typeface="Courier New" panose="02070309020205020404" pitchFamily="49" charset="0"/>
+                <a:cs typeface="Courier New" panose="02070309020205020404" pitchFamily="49" charset="0"/>
+              </a:rPr>
+              <a:t>code</a:t>
+            </a:r>
+            <a:r>
+              <a:rPr lang="sr-Latn-RS" sz="1400" b="1" dirty="0">
+                <a:solidFill>
+                  <a:srgbClr val="009E47"/>
                 </a:solidFill>
                 <a:latin typeface="Courier New" panose="02070309020205020404" pitchFamily="49" charset="0"/>
                 <a:cs typeface="Courier New" panose="02070309020205020404" pitchFamily="49" charset="0"/>
               </a:rPr>
               <a:t>&gt;</a:t>
             </a:r>
-            <a:br>
-              <a:rPr lang="sr-Latn-RS" sz="1600" b="1" dirty="0" smtClean="0">
-                <a:solidFill>
-                  <a:srgbClr val="005828"/>
-                </a:solidFill>
-                <a:latin typeface="Courier New" panose="02070309020205020404" pitchFamily="49" charset="0"/>
-                <a:cs typeface="Courier New" panose="02070309020205020404" pitchFamily="49" charset="0"/>
-              </a:rPr>
-            </a:br>
-            <a:r>
-              <a:rPr lang="sr-Latn-RS" sz="1600" b="1" dirty="0" smtClean="0">
-                <a:solidFill>
-                  <a:srgbClr val="005828"/>
+          </a:p>
+          <a:p>
+            <a:pPr marL="457200" lvl="1" indent="0">
+              <a:spcBef>
+                <a:spcPts val="0"/>
+              </a:spcBef>
+              <a:buNone/>
+            </a:pPr>
+            <a:r>
+              <a:rPr lang="sr-Latn-RS" sz="1400" b="1" dirty="0">
+                <a:solidFill>
+                  <a:srgbClr val="009E47"/>
+                </a:solidFill>
+                <a:latin typeface="Courier New" panose="02070309020205020404" pitchFamily="49" charset="0"/>
+                <a:cs typeface="Courier New" panose="02070309020205020404" pitchFamily="49" charset="0"/>
+              </a:rPr>
+              <a:t>&lt;span </a:t>
+            </a:r>
+            <a:r>
+              <a:rPr lang="sr-Latn-RS" sz="1400" b="1" dirty="0" err="1">
+                <a:solidFill>
+                  <a:srgbClr val="009E47"/>
+                </a:solidFill>
+                <a:latin typeface="Courier New" panose="02070309020205020404" pitchFamily="49" charset="0"/>
+                <a:cs typeface="Courier New" panose="02070309020205020404" pitchFamily="49" charset="0"/>
+              </a:rPr>
+              <a:t>class</a:t>
+            </a:r>
+            <a:r>
+              <a:rPr lang="sr-Latn-RS" sz="1400" b="1" dirty="0">
+                <a:solidFill>
+                  <a:srgbClr val="009E47"/>
+                </a:solidFill>
+                <a:latin typeface="Courier New" panose="02070309020205020404" pitchFamily="49" charset="0"/>
+                <a:cs typeface="Courier New" panose="02070309020205020404" pitchFamily="49" charset="0"/>
+              </a:rPr>
+              <a:t>="</a:t>
+            </a:r>
+            <a:r>
+              <a:rPr lang="sr-Latn-RS" sz="1400" b="1" dirty="0" err="1">
+                <a:solidFill>
+                  <a:srgbClr val="009E47"/>
+                </a:solidFill>
+                <a:latin typeface="Courier New" panose="02070309020205020404" pitchFamily="49" charset="0"/>
+                <a:cs typeface="Courier New" panose="02070309020205020404" pitchFamily="49" charset="0"/>
+              </a:rPr>
+              <a:t>keyword</a:t>
+            </a:r>
+            <a:r>
+              <a:rPr lang="sr-Latn-RS" sz="1400" b="1" dirty="0">
+                <a:solidFill>
+                  <a:srgbClr val="009E47"/>
+                </a:solidFill>
+                <a:latin typeface="Courier New" panose="02070309020205020404" pitchFamily="49" charset="0"/>
+                <a:cs typeface="Courier New" panose="02070309020205020404" pitchFamily="49" charset="0"/>
+              </a:rPr>
+              <a:t>"&gt;program&lt;/span&gt; &lt;span </a:t>
+            </a:r>
+            <a:r>
+              <a:rPr lang="sr-Latn-RS" sz="1400" b="1" dirty="0" err="1">
+                <a:solidFill>
+                  <a:srgbClr val="009E47"/>
+                </a:solidFill>
+                <a:latin typeface="Courier New" panose="02070309020205020404" pitchFamily="49" charset="0"/>
+                <a:cs typeface="Courier New" panose="02070309020205020404" pitchFamily="49" charset="0"/>
+              </a:rPr>
+              <a:t>class</a:t>
+            </a:r>
+            <a:r>
+              <a:rPr lang="sr-Latn-RS" sz="1400" b="1" dirty="0">
+                <a:solidFill>
+                  <a:srgbClr val="009E47"/>
+                </a:solidFill>
+                <a:latin typeface="Courier New" panose="02070309020205020404" pitchFamily="49" charset="0"/>
+                <a:cs typeface="Courier New" panose="02070309020205020404" pitchFamily="49" charset="0"/>
+              </a:rPr>
+              <a:t>="id"&gt;</a:t>
+            </a:r>
+            <a:r>
+              <a:rPr lang="sr-Latn-RS" sz="1400" b="1" dirty="0" err="1">
+                <a:solidFill>
+                  <a:srgbClr val="009E47"/>
+                </a:solidFill>
+                <a:latin typeface="Courier New" panose="02070309020205020404" pitchFamily="49" charset="0"/>
+                <a:cs typeface="Courier New" panose="02070309020205020404" pitchFamily="49" charset="0"/>
+              </a:rPr>
+              <a:t>Hello</a:t>
+            </a:r>
+            <a:r>
+              <a:rPr lang="sr-Latn-RS" sz="1400" b="1" dirty="0">
+                <a:solidFill>
+                  <a:srgbClr val="009E47"/>
+                </a:solidFill>
+                <a:latin typeface="Courier New" panose="02070309020205020404" pitchFamily="49" charset="0"/>
+                <a:cs typeface="Courier New" panose="02070309020205020404" pitchFamily="49" charset="0"/>
+              </a:rPr>
+              <a:t>&lt;/span&gt;;</a:t>
+            </a:r>
+          </a:p>
+          <a:p>
+            <a:pPr marL="457200" lvl="1" indent="0">
+              <a:spcBef>
+                <a:spcPts val="0"/>
+              </a:spcBef>
+              <a:buNone/>
+            </a:pPr>
+            <a:r>
+              <a:rPr lang="sr-Latn-RS" sz="1400" b="1" dirty="0">
+                <a:solidFill>
+                  <a:srgbClr val="009E47"/>
+                </a:solidFill>
+                <a:latin typeface="Courier New" panose="02070309020205020404" pitchFamily="49" charset="0"/>
+                <a:cs typeface="Courier New" panose="02070309020205020404" pitchFamily="49" charset="0"/>
+              </a:rPr>
+              <a:t>&lt;span </a:t>
+            </a:r>
+            <a:r>
+              <a:rPr lang="sr-Latn-RS" sz="1400" b="1" dirty="0" err="1">
+                <a:solidFill>
+                  <a:srgbClr val="009E47"/>
+                </a:solidFill>
+                <a:latin typeface="Courier New" panose="02070309020205020404" pitchFamily="49" charset="0"/>
+                <a:cs typeface="Courier New" panose="02070309020205020404" pitchFamily="49" charset="0"/>
+              </a:rPr>
+              <a:t>class</a:t>
+            </a:r>
+            <a:r>
+              <a:rPr lang="sr-Latn-RS" sz="1400" b="1" dirty="0">
+                <a:solidFill>
+                  <a:srgbClr val="009E47"/>
+                </a:solidFill>
+                <a:latin typeface="Courier New" panose="02070309020205020404" pitchFamily="49" charset="0"/>
+                <a:cs typeface="Courier New" panose="02070309020205020404" pitchFamily="49" charset="0"/>
+              </a:rPr>
+              <a:t>="</a:t>
+            </a:r>
+            <a:r>
+              <a:rPr lang="sr-Latn-RS" sz="1400" b="1" dirty="0" err="1">
+                <a:solidFill>
+                  <a:srgbClr val="009E47"/>
+                </a:solidFill>
+                <a:latin typeface="Courier New" panose="02070309020205020404" pitchFamily="49" charset="0"/>
+                <a:cs typeface="Courier New" panose="02070309020205020404" pitchFamily="49" charset="0"/>
+              </a:rPr>
+              <a:t>keyword</a:t>
+            </a:r>
+            <a:r>
+              <a:rPr lang="sr-Latn-RS" sz="1400" b="1" dirty="0">
+                <a:solidFill>
+                  <a:srgbClr val="009E47"/>
+                </a:solidFill>
+                <a:latin typeface="Courier New" panose="02070309020205020404" pitchFamily="49" charset="0"/>
+                <a:cs typeface="Courier New" panose="02070309020205020404" pitchFamily="49" charset="0"/>
+              </a:rPr>
+              <a:t>"&gt;</a:t>
+            </a:r>
+            <a:r>
+              <a:rPr lang="sr-Latn-RS" sz="1400" b="1" dirty="0" err="1">
+                <a:solidFill>
+                  <a:srgbClr val="009E47"/>
+                </a:solidFill>
+                <a:latin typeface="Courier New" panose="02070309020205020404" pitchFamily="49" charset="0"/>
+                <a:cs typeface="Courier New" panose="02070309020205020404" pitchFamily="49" charset="0"/>
+              </a:rPr>
+              <a:t>begin</a:t>
+            </a:r>
+            <a:r>
+              <a:rPr lang="sr-Latn-RS" sz="1400" b="1" dirty="0">
+                <a:solidFill>
+                  <a:srgbClr val="009E47"/>
+                </a:solidFill>
+                <a:latin typeface="Courier New" panose="02070309020205020404" pitchFamily="49" charset="0"/>
+                <a:cs typeface="Courier New" panose="02070309020205020404" pitchFamily="49" charset="0"/>
+              </a:rPr>
+              <a:t>&lt;/span&gt;</a:t>
+            </a:r>
+          </a:p>
+          <a:p>
+            <a:pPr marL="457200" lvl="1" indent="0">
+              <a:spcBef>
+                <a:spcPts val="0"/>
+              </a:spcBef>
+              <a:buNone/>
+            </a:pPr>
+            <a:r>
+              <a:rPr lang="sr-Latn-RS" sz="1400" b="1" dirty="0" smtClean="0">
+                <a:solidFill>
+                  <a:srgbClr val="009E47"/>
                 </a:solidFill>
                 <a:latin typeface="Courier New" panose="02070309020205020404" pitchFamily="49" charset="0"/>
                 <a:cs typeface="Courier New" panose="02070309020205020404" pitchFamily="49" charset="0"/>
@@ -29307,19 +28548,19 @@
               <a:t>&lt;</a:t>
             </a:r>
             <a:r>
-              <a:rPr lang="sr-Latn-RS" sz="1600" b="1" dirty="0">
-                <a:solidFill>
-                  <a:srgbClr val="005828"/>
-                </a:solidFill>
-                <a:latin typeface="Courier New" panose="02070309020205020404" pitchFamily="49" charset="0"/>
-                <a:cs typeface="Courier New" panose="02070309020205020404" pitchFamily="49" charset="0"/>
-              </a:rPr>
-              <a:t>div </a:t>
-            </a:r>
-            <a:r>
-              <a:rPr lang="sr-Latn-RS" sz="1600" b="1" dirty="0" err="1">
-                <a:solidFill>
-                  <a:srgbClr val="005828"/>
+              <a:rPr lang="sr-Latn-RS" sz="1400" b="1" dirty="0">
+                <a:solidFill>
+                  <a:srgbClr val="009E47"/>
+                </a:solidFill>
+                <a:latin typeface="Courier New" panose="02070309020205020404" pitchFamily="49" charset="0"/>
+                <a:cs typeface="Courier New" panose="02070309020205020404" pitchFamily="49" charset="0"/>
+              </a:rPr>
+              <a:t>span </a:t>
+            </a:r>
+            <a:r>
+              <a:rPr lang="sr-Latn-RS" sz="1400" b="1" dirty="0" err="1">
+                <a:solidFill>
+                  <a:srgbClr val="009E47"/>
                 </a:solidFill>
                 <a:latin typeface="Courier New" panose="02070309020205020404" pitchFamily="49" charset="0"/>
                 <a:cs typeface="Courier New" panose="02070309020205020404" pitchFamily="49" charset="0"/>
@@ -29327,9 +28568,87 @@
               <a:t>class</a:t>
             </a:r>
             <a:r>
-              <a:rPr lang="sr-Latn-RS" sz="1600" b="1" dirty="0">
-                <a:solidFill>
-                  <a:srgbClr val="005828"/>
+              <a:rPr lang="sr-Latn-RS" sz="1400" b="1" dirty="0">
+                <a:solidFill>
+                  <a:srgbClr val="009E47"/>
+                </a:solidFill>
+                <a:latin typeface="Courier New" panose="02070309020205020404" pitchFamily="49" charset="0"/>
+                <a:cs typeface="Courier New" panose="02070309020205020404" pitchFamily="49" charset="0"/>
+              </a:rPr>
+              <a:t>="id"&gt;</a:t>
+            </a:r>
+            <a:r>
+              <a:rPr lang="sr-Latn-RS" sz="1400" b="1" dirty="0" err="1">
+                <a:solidFill>
+                  <a:srgbClr val="009E47"/>
+                </a:solidFill>
+                <a:latin typeface="Courier New" panose="02070309020205020404" pitchFamily="49" charset="0"/>
+                <a:cs typeface="Courier New" panose="02070309020205020404" pitchFamily="49" charset="0"/>
+              </a:rPr>
+              <a:t>WriteLn</a:t>
+            </a:r>
+            <a:r>
+              <a:rPr lang="sr-Latn-RS" sz="1400" b="1" dirty="0">
+                <a:solidFill>
+                  <a:srgbClr val="009E47"/>
+                </a:solidFill>
+                <a:latin typeface="Courier New" panose="02070309020205020404" pitchFamily="49" charset="0"/>
+                <a:cs typeface="Courier New" panose="02070309020205020404" pitchFamily="49" charset="0"/>
+              </a:rPr>
+              <a:t>&lt;/span&gt;(&lt;span </a:t>
+            </a:r>
+            <a:r>
+              <a:rPr lang="sr-Latn-RS" sz="1400" b="1" dirty="0" err="1">
+                <a:solidFill>
+                  <a:srgbClr val="009E47"/>
+                </a:solidFill>
+                <a:latin typeface="Courier New" panose="02070309020205020404" pitchFamily="49" charset="0"/>
+                <a:cs typeface="Courier New" panose="02070309020205020404" pitchFamily="49" charset="0"/>
+              </a:rPr>
+              <a:t>class</a:t>
+            </a:r>
+            <a:r>
+              <a:rPr lang="sr-Latn-RS" sz="1400" b="1" dirty="0">
+                <a:solidFill>
+                  <a:srgbClr val="009E47"/>
+                </a:solidFill>
+                <a:latin typeface="Courier New" panose="02070309020205020404" pitchFamily="49" charset="0"/>
+                <a:cs typeface="Courier New" panose="02070309020205020404" pitchFamily="49" charset="0"/>
+              </a:rPr>
+              <a:t>="str"&gt;'Zdravo, svete'&lt;/span&gt;)</a:t>
+            </a:r>
+          </a:p>
+          <a:p>
+            <a:pPr marL="457200" lvl="1" indent="0">
+              <a:spcBef>
+                <a:spcPts val="0"/>
+              </a:spcBef>
+              <a:buNone/>
+            </a:pPr>
+            <a:r>
+              <a:rPr lang="sr-Latn-RS" sz="1400" b="1" dirty="0">
+                <a:solidFill>
+                  <a:srgbClr val="009E47"/>
+                </a:solidFill>
+                <a:latin typeface="Courier New" panose="02070309020205020404" pitchFamily="49" charset="0"/>
+                <a:cs typeface="Courier New" panose="02070309020205020404" pitchFamily="49" charset="0"/>
+              </a:rPr>
+              <a:t>&lt;span </a:t>
+            </a:r>
+            <a:r>
+              <a:rPr lang="sr-Latn-RS" sz="1400" b="1" dirty="0" err="1">
+                <a:solidFill>
+                  <a:srgbClr val="009E47"/>
+                </a:solidFill>
+                <a:latin typeface="Courier New" panose="02070309020205020404" pitchFamily="49" charset="0"/>
+                <a:cs typeface="Courier New" panose="02070309020205020404" pitchFamily="49" charset="0"/>
+              </a:rPr>
+              <a:t>class</a:t>
+            </a:r>
+            <a:r>
+              <a:rPr lang="sr-Latn-RS" sz="1400" b="1" dirty="0">
+                <a:solidFill>
+                  <a:srgbClr val="009E47"/>
                 </a:solidFill>
                 <a:latin typeface="Courier New" panose="02070309020205020404" pitchFamily="49" charset="0"/>
                 <a:cs typeface="Courier New" panose="02070309020205020404" pitchFamily="49" charset="0"/>
@@ -29337,518 +28656,125 @@
               <a:t>="</a:t>
             </a:r>
             <a:r>
-              <a:rPr lang="sr-Latn-RS" sz="1600" b="1" dirty="0" err="1">
-                <a:solidFill>
-                  <a:srgbClr val="005828"/>
-                </a:solidFill>
-                <a:latin typeface="Courier New" panose="02070309020205020404" pitchFamily="49" charset="0"/>
-                <a:cs typeface="Courier New" panose="02070309020205020404" pitchFamily="49" charset="0"/>
-              </a:rPr>
-              <a:t>inblock</a:t>
-            </a:r>
-            <a:r>
-              <a:rPr lang="sr-Latn-RS" sz="1600" b="1" dirty="0">
-                <a:solidFill>
-                  <a:srgbClr val="005828"/>
-                </a:solidFill>
-                <a:latin typeface="Courier New" panose="02070309020205020404" pitchFamily="49" charset="0"/>
-                <a:cs typeface="Courier New" panose="02070309020205020404" pitchFamily="49" charset="0"/>
-              </a:rPr>
-              <a:t>"&gt;1&lt;/div</a:t>
-            </a:r>
-            <a:r>
-              <a:rPr lang="sr-Latn-RS" sz="1600" b="1" dirty="0" smtClean="0">
-                <a:solidFill>
-                  <a:srgbClr val="005828"/>
+              <a:rPr lang="sr-Latn-RS" sz="1400" b="1" dirty="0" err="1">
+                <a:solidFill>
+                  <a:srgbClr val="009E47"/>
+                </a:solidFill>
+                <a:latin typeface="Courier New" panose="02070309020205020404" pitchFamily="49" charset="0"/>
+                <a:cs typeface="Courier New" panose="02070309020205020404" pitchFamily="49" charset="0"/>
+              </a:rPr>
+              <a:t>keyword</a:t>
+            </a:r>
+            <a:r>
+              <a:rPr lang="sr-Latn-RS" sz="1400" b="1" dirty="0">
+                <a:solidFill>
+                  <a:srgbClr val="009E47"/>
+                </a:solidFill>
+                <a:latin typeface="Courier New" panose="02070309020205020404" pitchFamily="49" charset="0"/>
+                <a:cs typeface="Courier New" panose="02070309020205020404" pitchFamily="49" charset="0"/>
+              </a:rPr>
+              <a:t>"&gt;</a:t>
+            </a:r>
+            <a:r>
+              <a:rPr lang="sr-Latn-RS" sz="1400" b="1" dirty="0" err="1">
+                <a:solidFill>
+                  <a:srgbClr val="009E47"/>
+                </a:solidFill>
+                <a:latin typeface="Courier New" panose="02070309020205020404" pitchFamily="49" charset="0"/>
+                <a:cs typeface="Courier New" panose="02070309020205020404" pitchFamily="49" charset="0"/>
+              </a:rPr>
+              <a:t>end</a:t>
+            </a:r>
+            <a:r>
+              <a:rPr lang="sr-Latn-RS" sz="1400" b="1" dirty="0">
+                <a:solidFill>
+                  <a:srgbClr val="009E47"/>
+                </a:solidFill>
+                <a:latin typeface="Courier New" panose="02070309020205020404" pitchFamily="49" charset="0"/>
+                <a:cs typeface="Courier New" panose="02070309020205020404" pitchFamily="49" charset="0"/>
+              </a:rPr>
+              <a:t>&lt;/span&gt;.</a:t>
+            </a:r>
+          </a:p>
+          <a:p>
+            <a:pPr marL="457200" lvl="1" indent="0">
+              <a:spcBef>
+                <a:spcPts val="0"/>
+              </a:spcBef>
+              <a:buNone/>
+            </a:pPr>
+            <a:r>
+              <a:rPr lang="sr-Latn-RS" sz="1400" b="1" dirty="0">
+                <a:solidFill>
+                  <a:srgbClr val="009E47"/>
+                </a:solidFill>
+                <a:latin typeface="Courier New" panose="02070309020205020404" pitchFamily="49" charset="0"/>
+                <a:cs typeface="Courier New" panose="02070309020205020404" pitchFamily="49" charset="0"/>
+              </a:rPr>
+              <a:t>&lt;/</a:t>
+            </a:r>
+            <a:r>
+              <a:rPr lang="sr-Latn-RS" sz="1400" b="1" dirty="0" err="1">
+                <a:solidFill>
+                  <a:srgbClr val="009E47"/>
+                </a:solidFill>
+                <a:latin typeface="Courier New" panose="02070309020205020404" pitchFamily="49" charset="0"/>
+                <a:cs typeface="Courier New" panose="02070309020205020404" pitchFamily="49" charset="0"/>
+              </a:rPr>
+              <a:t>code</a:t>
+            </a:r>
+            <a:r>
+              <a:rPr lang="sr-Latn-RS" sz="1400" b="1" dirty="0">
+                <a:solidFill>
+                  <a:srgbClr val="009E47"/>
                 </a:solidFill>
                 <a:latin typeface="Courier New" panose="02070309020205020404" pitchFamily="49" charset="0"/>
                 <a:cs typeface="Courier New" panose="02070309020205020404" pitchFamily="49" charset="0"/>
               </a:rPr>
               <a:t>&gt;</a:t>
             </a:r>
-            <a:br>
-              <a:rPr lang="sr-Latn-RS" sz="1600" b="1" dirty="0" smtClean="0">
-                <a:solidFill>
-                  <a:srgbClr val="005828"/>
-                </a:solidFill>
-                <a:latin typeface="Courier New" panose="02070309020205020404" pitchFamily="49" charset="0"/>
-                <a:cs typeface="Courier New" panose="02070309020205020404" pitchFamily="49" charset="0"/>
-              </a:rPr>
-            </a:br>
-            <a:r>
-              <a:rPr lang="sr-Latn-RS" sz="1600" b="1" dirty="0" smtClean="0">
-                <a:solidFill>
-                  <a:srgbClr val="005828"/>
-                </a:solidFill>
-                <a:latin typeface="Courier New" panose="02070309020205020404" pitchFamily="49" charset="0"/>
-                <a:cs typeface="Courier New" panose="02070309020205020404" pitchFamily="49" charset="0"/>
-              </a:rPr>
-              <a:t>&lt;</a:t>
-            </a:r>
-            <a:r>
-              <a:rPr lang="sr-Latn-RS" sz="1600" b="1" dirty="0">
-                <a:solidFill>
-                  <a:srgbClr val="005828"/>
-                </a:solidFill>
-                <a:latin typeface="Courier New" panose="02070309020205020404" pitchFamily="49" charset="0"/>
-                <a:cs typeface="Courier New" panose="02070309020205020404" pitchFamily="49" charset="0"/>
-              </a:rPr>
-              <a:t>div </a:t>
-            </a:r>
-            <a:r>
-              <a:rPr lang="sr-Latn-RS" sz="1600" b="1" dirty="0" err="1">
-                <a:solidFill>
-                  <a:srgbClr val="005828"/>
-                </a:solidFill>
-                <a:latin typeface="Courier New" panose="02070309020205020404" pitchFamily="49" charset="0"/>
-                <a:cs typeface="Courier New" panose="02070309020205020404" pitchFamily="49" charset="0"/>
-              </a:rPr>
-              <a:t>class</a:t>
-            </a:r>
-            <a:r>
-              <a:rPr lang="sr-Latn-RS" sz="1600" b="1" dirty="0">
-                <a:solidFill>
-                  <a:srgbClr val="005828"/>
-                </a:solidFill>
-                <a:latin typeface="Courier New" panose="02070309020205020404" pitchFamily="49" charset="0"/>
-                <a:cs typeface="Courier New" panose="02070309020205020404" pitchFamily="49" charset="0"/>
-              </a:rPr>
-              <a:t>="</a:t>
-            </a:r>
-            <a:r>
-              <a:rPr lang="sr-Latn-RS" sz="1600" b="1" dirty="0" err="1">
-                <a:solidFill>
-                  <a:srgbClr val="005828"/>
-                </a:solidFill>
-                <a:latin typeface="Courier New" panose="02070309020205020404" pitchFamily="49" charset="0"/>
-                <a:cs typeface="Courier New" panose="02070309020205020404" pitchFamily="49" charset="0"/>
-              </a:rPr>
-              <a:t>inblock</a:t>
-            </a:r>
-            <a:r>
-              <a:rPr lang="sr-Latn-RS" sz="1600" b="1" dirty="0">
-                <a:solidFill>
-                  <a:srgbClr val="005828"/>
-                </a:solidFill>
-                <a:latin typeface="Courier New" panose="02070309020205020404" pitchFamily="49" charset="0"/>
-                <a:cs typeface="Courier New" panose="02070309020205020404" pitchFamily="49" charset="0"/>
-              </a:rPr>
-              <a:t>"&gt;2&lt;/div</a:t>
-            </a:r>
-            <a:r>
-              <a:rPr lang="sr-Latn-RS" sz="1600" b="1" dirty="0" smtClean="0">
-                <a:solidFill>
-                  <a:srgbClr val="005828"/>
+          </a:p>
+          <a:p>
+            <a:pPr marL="457200" lvl="1" indent="0">
+              <a:spcBef>
+                <a:spcPts val="0"/>
+              </a:spcBef>
+              <a:buNone/>
+            </a:pPr>
+            <a:r>
+              <a:rPr lang="sr-Latn-RS" sz="1400" b="1" dirty="0">
+                <a:solidFill>
+                  <a:srgbClr val="009E47"/>
+                </a:solidFill>
+                <a:latin typeface="Courier New" panose="02070309020205020404" pitchFamily="49" charset="0"/>
+                <a:cs typeface="Courier New" panose="02070309020205020404" pitchFamily="49" charset="0"/>
+              </a:rPr>
+              <a:t>&lt;/pre</a:t>
+            </a:r>
+            <a:r>
+              <a:rPr lang="sr-Latn-RS" sz="1400" b="1" dirty="0" smtClean="0">
+                <a:solidFill>
+                  <a:srgbClr val="009E47"/>
                 </a:solidFill>
                 <a:latin typeface="Courier New" panose="02070309020205020404" pitchFamily="49" charset="0"/>
                 <a:cs typeface="Courier New" panose="02070309020205020404" pitchFamily="49" charset="0"/>
               </a:rPr>
               <a:t>&gt;</a:t>
             </a:r>
-            <a:br>
-              <a:rPr lang="sr-Latn-RS" sz="1600" b="1" dirty="0" smtClean="0">
-                <a:solidFill>
-                  <a:srgbClr val="005828"/>
-                </a:solidFill>
-                <a:latin typeface="Courier New" panose="02070309020205020404" pitchFamily="49" charset="0"/>
-                <a:cs typeface="Courier New" panose="02070309020205020404" pitchFamily="49" charset="0"/>
-              </a:rPr>
-            </a:br>
-            <a:r>
-              <a:rPr lang="sr-Latn-RS" sz="1600" b="1" dirty="0" smtClean="0">
-                <a:solidFill>
-                  <a:srgbClr val="005828"/>
-                </a:solidFill>
-                <a:latin typeface="Courier New" panose="02070309020205020404" pitchFamily="49" charset="0"/>
-                <a:cs typeface="Courier New" panose="02070309020205020404" pitchFamily="49" charset="0"/>
-              </a:rPr>
-              <a:t>&lt;</a:t>
-            </a:r>
-            <a:r>
-              <a:rPr lang="sr-Latn-RS" sz="1600" b="1" dirty="0">
-                <a:solidFill>
-                  <a:srgbClr val="005828"/>
-                </a:solidFill>
-                <a:latin typeface="Courier New" panose="02070309020205020404" pitchFamily="49" charset="0"/>
-                <a:cs typeface="Courier New" panose="02070309020205020404" pitchFamily="49" charset="0"/>
-              </a:rPr>
-              <a:t>div </a:t>
-            </a:r>
-            <a:r>
-              <a:rPr lang="sr-Latn-RS" sz="1600" b="1" dirty="0" err="1">
-                <a:solidFill>
-                  <a:srgbClr val="005828"/>
-                </a:solidFill>
-                <a:latin typeface="Courier New" panose="02070309020205020404" pitchFamily="49" charset="0"/>
-                <a:cs typeface="Courier New" panose="02070309020205020404" pitchFamily="49" charset="0"/>
-              </a:rPr>
-              <a:t>class</a:t>
-            </a:r>
-            <a:r>
-              <a:rPr lang="sr-Latn-RS" sz="1600" b="1" dirty="0">
-                <a:solidFill>
-                  <a:srgbClr val="005828"/>
-                </a:solidFill>
-                <a:latin typeface="Courier New" panose="02070309020205020404" pitchFamily="49" charset="0"/>
-                <a:cs typeface="Courier New" panose="02070309020205020404" pitchFamily="49" charset="0"/>
-              </a:rPr>
-              <a:t>="</a:t>
-            </a:r>
-            <a:r>
-              <a:rPr lang="sr-Latn-RS" sz="1600" b="1" dirty="0" err="1">
-                <a:solidFill>
-                  <a:srgbClr val="005828"/>
-                </a:solidFill>
-                <a:latin typeface="Courier New" panose="02070309020205020404" pitchFamily="49" charset="0"/>
-                <a:cs typeface="Courier New" panose="02070309020205020404" pitchFamily="49" charset="0"/>
-              </a:rPr>
-              <a:t>inblock</a:t>
-            </a:r>
-            <a:r>
-              <a:rPr lang="sr-Latn-RS" sz="1600" b="1" dirty="0">
-                <a:solidFill>
-                  <a:srgbClr val="005828"/>
-                </a:solidFill>
-                <a:latin typeface="Courier New" panose="02070309020205020404" pitchFamily="49" charset="0"/>
-                <a:cs typeface="Courier New" panose="02070309020205020404" pitchFamily="49" charset="0"/>
-              </a:rPr>
-              <a:t>"&gt;3&lt;/div</a:t>
-            </a:r>
-            <a:r>
-              <a:rPr lang="sr-Latn-RS" sz="1600" b="1" dirty="0" smtClean="0">
-                <a:solidFill>
-                  <a:srgbClr val="005828"/>
-                </a:solidFill>
-                <a:latin typeface="Courier New" panose="02070309020205020404" pitchFamily="49" charset="0"/>
-                <a:cs typeface="Courier New" panose="02070309020205020404" pitchFamily="49" charset="0"/>
-              </a:rPr>
-              <a:t>&gt;</a:t>
-            </a:r>
-            <a:br>
-              <a:rPr lang="sr-Latn-RS" sz="1600" b="1" dirty="0" smtClean="0">
-                <a:solidFill>
-                  <a:srgbClr val="005828"/>
-                </a:solidFill>
-                <a:latin typeface="Courier New" panose="02070309020205020404" pitchFamily="49" charset="0"/>
-                <a:cs typeface="Courier New" panose="02070309020205020404" pitchFamily="49" charset="0"/>
-              </a:rPr>
-            </a:br>
-            <a:r>
-              <a:rPr lang="sr-Latn-RS" sz="1600" b="1" dirty="0" smtClean="0">
-                <a:solidFill>
-                  <a:srgbClr val="005828"/>
-                </a:solidFill>
-                <a:latin typeface="Courier New" panose="02070309020205020404" pitchFamily="49" charset="0"/>
-                <a:cs typeface="Courier New" panose="02070309020205020404" pitchFamily="49" charset="0"/>
-              </a:rPr>
-              <a:t>&lt;</a:t>
-            </a:r>
-            <a:r>
-              <a:rPr lang="sr-Latn-RS" sz="1600" b="1" dirty="0">
-                <a:solidFill>
-                  <a:srgbClr val="005828"/>
-                </a:solidFill>
-                <a:latin typeface="Courier New" panose="02070309020205020404" pitchFamily="49" charset="0"/>
-                <a:cs typeface="Courier New" panose="02070309020205020404" pitchFamily="49" charset="0"/>
-              </a:rPr>
-              <a:t>div </a:t>
-            </a:r>
-            <a:r>
-              <a:rPr lang="sr-Latn-RS" sz="1600" b="1" dirty="0" err="1">
-                <a:solidFill>
-                  <a:srgbClr val="005828"/>
-                </a:solidFill>
-                <a:latin typeface="Courier New" panose="02070309020205020404" pitchFamily="49" charset="0"/>
-                <a:cs typeface="Courier New" panose="02070309020205020404" pitchFamily="49" charset="0"/>
-              </a:rPr>
-              <a:t>class</a:t>
-            </a:r>
-            <a:r>
-              <a:rPr lang="sr-Latn-RS" sz="1600" b="1" dirty="0">
-                <a:solidFill>
-                  <a:srgbClr val="005828"/>
-                </a:solidFill>
-                <a:latin typeface="Courier New" panose="02070309020205020404" pitchFamily="49" charset="0"/>
-                <a:cs typeface="Courier New" panose="02070309020205020404" pitchFamily="49" charset="0"/>
-              </a:rPr>
-              <a:t>="</a:t>
-            </a:r>
-            <a:r>
-              <a:rPr lang="sr-Latn-RS" sz="1600" b="1" dirty="0" err="1">
-                <a:solidFill>
-                  <a:srgbClr val="005828"/>
-                </a:solidFill>
-                <a:latin typeface="Courier New" panose="02070309020205020404" pitchFamily="49" charset="0"/>
-                <a:cs typeface="Courier New" panose="02070309020205020404" pitchFamily="49" charset="0"/>
-              </a:rPr>
-              <a:t>inblock</a:t>
-            </a:r>
-            <a:r>
-              <a:rPr lang="sr-Latn-RS" sz="1600" b="1" dirty="0">
-                <a:solidFill>
-                  <a:srgbClr val="005828"/>
-                </a:solidFill>
-                <a:latin typeface="Courier New" panose="02070309020205020404" pitchFamily="49" charset="0"/>
-                <a:cs typeface="Courier New" panose="02070309020205020404" pitchFamily="49" charset="0"/>
-              </a:rPr>
-              <a:t>"&gt;4&lt;/div</a:t>
-            </a:r>
-            <a:r>
-              <a:rPr lang="sr-Latn-RS" sz="1600" b="1" dirty="0" smtClean="0">
-                <a:solidFill>
-                  <a:srgbClr val="005828"/>
-                </a:solidFill>
-                <a:latin typeface="Courier New" panose="02070309020205020404" pitchFamily="49" charset="0"/>
-                <a:cs typeface="Courier New" panose="02070309020205020404" pitchFamily="49" charset="0"/>
-              </a:rPr>
-              <a:t>&gt;</a:t>
-            </a:r>
-            <a:br>
-              <a:rPr lang="sr-Latn-RS" sz="1600" b="1" dirty="0" smtClean="0">
-                <a:solidFill>
-                  <a:srgbClr val="005828"/>
-                </a:solidFill>
-                <a:latin typeface="Courier New" panose="02070309020205020404" pitchFamily="49" charset="0"/>
-                <a:cs typeface="Courier New" panose="02070309020205020404" pitchFamily="49" charset="0"/>
-              </a:rPr>
-            </a:br>
-            <a:r>
-              <a:rPr lang="sr-Latn-RS" sz="1600" b="1" dirty="0" smtClean="0">
-                <a:solidFill>
-                  <a:srgbClr val="005828"/>
-                </a:solidFill>
-                <a:latin typeface="Courier New" panose="02070309020205020404" pitchFamily="49" charset="0"/>
-                <a:cs typeface="Courier New" panose="02070309020205020404" pitchFamily="49" charset="0"/>
-              </a:rPr>
-              <a:t>&lt;</a:t>
-            </a:r>
-            <a:r>
-              <a:rPr lang="sr-Latn-RS" sz="1600" b="1" dirty="0">
-                <a:solidFill>
-                  <a:srgbClr val="005828"/>
-                </a:solidFill>
-                <a:latin typeface="Courier New" panose="02070309020205020404" pitchFamily="49" charset="0"/>
-                <a:cs typeface="Courier New" panose="02070309020205020404" pitchFamily="49" charset="0"/>
-              </a:rPr>
-              <a:t>div </a:t>
-            </a:r>
-            <a:r>
-              <a:rPr lang="sr-Latn-RS" sz="1600" b="1" dirty="0" err="1">
-                <a:solidFill>
-                  <a:srgbClr val="005828"/>
-                </a:solidFill>
-                <a:latin typeface="Courier New" panose="02070309020205020404" pitchFamily="49" charset="0"/>
-                <a:cs typeface="Courier New" panose="02070309020205020404" pitchFamily="49" charset="0"/>
-              </a:rPr>
-              <a:t>class</a:t>
-            </a:r>
-            <a:r>
-              <a:rPr lang="sr-Latn-RS" sz="1600" b="1" dirty="0">
-                <a:solidFill>
-                  <a:srgbClr val="005828"/>
-                </a:solidFill>
-                <a:latin typeface="Courier New" panose="02070309020205020404" pitchFamily="49" charset="0"/>
-                <a:cs typeface="Courier New" panose="02070309020205020404" pitchFamily="49" charset="0"/>
-              </a:rPr>
-              <a:t>="</a:t>
-            </a:r>
-            <a:r>
-              <a:rPr lang="sr-Latn-RS" sz="1600" b="1" dirty="0" err="1">
-                <a:solidFill>
-                  <a:srgbClr val="005828"/>
-                </a:solidFill>
-                <a:latin typeface="Courier New" panose="02070309020205020404" pitchFamily="49" charset="0"/>
-                <a:cs typeface="Courier New" panose="02070309020205020404" pitchFamily="49" charset="0"/>
-              </a:rPr>
-              <a:t>inblock</a:t>
-            </a:r>
-            <a:r>
-              <a:rPr lang="sr-Latn-RS" sz="1600" b="1" dirty="0">
-                <a:solidFill>
-                  <a:srgbClr val="005828"/>
-                </a:solidFill>
-                <a:latin typeface="Courier New" panose="02070309020205020404" pitchFamily="49" charset="0"/>
-                <a:cs typeface="Courier New" panose="02070309020205020404" pitchFamily="49" charset="0"/>
-              </a:rPr>
-              <a:t>"&gt;5&lt;/div</a:t>
-            </a:r>
-            <a:r>
-              <a:rPr lang="sr-Latn-RS" sz="1600" b="1" dirty="0" smtClean="0">
-                <a:solidFill>
-                  <a:srgbClr val="005828"/>
-                </a:solidFill>
-                <a:latin typeface="Courier New" panose="02070309020205020404" pitchFamily="49" charset="0"/>
-                <a:cs typeface="Courier New" panose="02070309020205020404" pitchFamily="49" charset="0"/>
-              </a:rPr>
-              <a:t>&gt;</a:t>
-            </a:r>
-            <a:br>
-              <a:rPr lang="sr-Latn-RS" sz="1600" b="1" dirty="0" smtClean="0">
-                <a:solidFill>
-                  <a:srgbClr val="005828"/>
-                </a:solidFill>
-                <a:latin typeface="Courier New" panose="02070309020205020404" pitchFamily="49" charset="0"/>
-                <a:cs typeface="Courier New" panose="02070309020205020404" pitchFamily="49" charset="0"/>
-              </a:rPr>
-            </a:br>
-            <a:r>
-              <a:rPr lang="sr-Latn-RS" sz="1600" b="1" dirty="0" smtClean="0">
-                <a:solidFill>
-                  <a:srgbClr val="005828"/>
-                </a:solidFill>
-                <a:latin typeface="Courier New" panose="02070309020205020404" pitchFamily="49" charset="0"/>
-                <a:cs typeface="Courier New" panose="02070309020205020404" pitchFamily="49" charset="0"/>
-              </a:rPr>
-              <a:t>&lt;</a:t>
-            </a:r>
-            <a:r>
-              <a:rPr lang="sr-Latn-RS" sz="1600" b="1" dirty="0">
-                <a:solidFill>
-                  <a:srgbClr val="005828"/>
-                </a:solidFill>
-                <a:latin typeface="Courier New" panose="02070309020205020404" pitchFamily="49" charset="0"/>
-                <a:cs typeface="Courier New" panose="02070309020205020404" pitchFamily="49" charset="0"/>
-              </a:rPr>
-              <a:t>div </a:t>
-            </a:r>
-            <a:r>
-              <a:rPr lang="sr-Latn-RS" sz="1600" b="1" dirty="0" err="1">
-                <a:solidFill>
-                  <a:srgbClr val="005828"/>
-                </a:solidFill>
-                <a:latin typeface="Courier New" panose="02070309020205020404" pitchFamily="49" charset="0"/>
-                <a:cs typeface="Courier New" panose="02070309020205020404" pitchFamily="49" charset="0"/>
-              </a:rPr>
-              <a:t>class</a:t>
-            </a:r>
-            <a:r>
-              <a:rPr lang="sr-Latn-RS" sz="1600" b="1" dirty="0">
-                <a:solidFill>
-                  <a:srgbClr val="005828"/>
-                </a:solidFill>
-                <a:latin typeface="Courier New" panose="02070309020205020404" pitchFamily="49" charset="0"/>
-                <a:cs typeface="Courier New" panose="02070309020205020404" pitchFamily="49" charset="0"/>
-              </a:rPr>
-              <a:t>="</a:t>
-            </a:r>
-            <a:r>
-              <a:rPr lang="sr-Latn-RS" sz="1600" b="1" dirty="0" err="1">
-                <a:solidFill>
-                  <a:srgbClr val="005828"/>
-                </a:solidFill>
-                <a:latin typeface="Courier New" panose="02070309020205020404" pitchFamily="49" charset="0"/>
-                <a:cs typeface="Courier New" panose="02070309020205020404" pitchFamily="49" charset="0"/>
-              </a:rPr>
-              <a:t>inblock</a:t>
-            </a:r>
-            <a:r>
-              <a:rPr lang="sr-Latn-RS" sz="1600" b="1" dirty="0">
-                <a:solidFill>
-                  <a:srgbClr val="005828"/>
-                </a:solidFill>
-                <a:latin typeface="Courier New" panose="02070309020205020404" pitchFamily="49" charset="0"/>
-                <a:cs typeface="Courier New" panose="02070309020205020404" pitchFamily="49" charset="0"/>
-              </a:rPr>
-              <a:t>"&gt;6&lt;/div</a:t>
-            </a:r>
-            <a:r>
-              <a:rPr lang="sr-Latn-RS" sz="1600" b="1" dirty="0" smtClean="0">
-                <a:solidFill>
-                  <a:srgbClr val="005828"/>
-                </a:solidFill>
-                <a:latin typeface="Courier New" panose="02070309020205020404" pitchFamily="49" charset="0"/>
-                <a:cs typeface="Courier New" panose="02070309020205020404" pitchFamily="49" charset="0"/>
-              </a:rPr>
-              <a:t>&gt;</a:t>
-            </a:r>
-            <a:br>
-              <a:rPr lang="sr-Latn-RS" sz="1600" b="1" dirty="0" smtClean="0">
-                <a:solidFill>
-                  <a:srgbClr val="005828"/>
-                </a:solidFill>
-                <a:latin typeface="Courier New" panose="02070309020205020404" pitchFamily="49" charset="0"/>
-                <a:cs typeface="Courier New" panose="02070309020205020404" pitchFamily="49" charset="0"/>
-              </a:rPr>
-            </a:br>
-            <a:r>
-              <a:rPr lang="sr-Latn-RS" sz="1600" b="1" dirty="0" smtClean="0">
-                <a:solidFill>
-                  <a:srgbClr val="005828"/>
-                </a:solidFill>
-                <a:latin typeface="Courier New" panose="02070309020205020404" pitchFamily="49" charset="0"/>
-                <a:cs typeface="Courier New" panose="02070309020205020404" pitchFamily="49" charset="0"/>
-              </a:rPr>
-              <a:t>&lt;</a:t>
-            </a:r>
-            <a:r>
-              <a:rPr lang="sr-Latn-RS" sz="1600" b="1" dirty="0">
-                <a:solidFill>
-                  <a:srgbClr val="005828"/>
-                </a:solidFill>
-                <a:latin typeface="Courier New" panose="02070309020205020404" pitchFamily="49" charset="0"/>
-                <a:cs typeface="Courier New" panose="02070309020205020404" pitchFamily="49" charset="0"/>
-              </a:rPr>
-              <a:t>div&gt;Iza&lt;/div&gt;</a:t>
-            </a:r>
+            <a:endParaRPr lang="sr-Latn-RS" sz="1400" b="1" dirty="0">
+              <a:solidFill>
+                <a:srgbClr val="009E47"/>
+              </a:solidFill>
+              <a:latin typeface="Courier New" panose="02070309020205020404" pitchFamily="49" charset="0"/>
+              <a:cs typeface="Courier New" panose="02070309020205020404" pitchFamily="49" charset="0"/>
+            </a:endParaRPr>
           </a:p>
         </p:txBody>
       </p:sp>
-      <p:pic>
-        <p:nvPicPr>
-          <p:cNvPr id="16386" name="Picture 2"/>
-          <p:cNvPicPr>
-            <a:picLocks noChangeAspect="1" noChangeArrowheads="1"/>
-          </p:cNvPicPr>
-          <p:nvPr/>
-        </p:nvPicPr>
-        <p:blipFill rotWithShape="1">
-          <a:blip r:embed="rId2">
-            <a:extLst>
-              <a:ext uri="{28A0092B-C50C-407E-A947-70E740481C1C}">
-                <a14:useLocalDpi xmlns:a14="http://schemas.microsoft.com/office/drawing/2010/main" val="0"/>
-              </a:ext>
-            </a:extLst>
-          </a:blip>
-          <a:srcRect t="2505" r="1171" b="16958"/>
-          <a:stretch/>
-        </p:blipFill>
-        <p:spPr bwMode="auto">
-          <a:xfrm>
-            <a:off x="4507009" y="4221088"/>
-            <a:ext cx="4636991" cy="1702188"/>
-          </a:xfrm>
-          <a:prstGeom prst="rect">
-            <a:avLst/>
-          </a:prstGeom>
-          <a:noFill/>
-          <a:ln>
-            <a:noFill/>
-          </a:ln>
-          <a:extLst>
-            <a:ext uri="{909E8E84-426E-40DD-AFC4-6F175D3DCCD1}">
-              <a14:hiddenFill xmlns:a14="http://schemas.microsoft.com/office/drawing/2010/main">
-                <a:solidFill>
-                  <a:schemeClr val="accent1"/>
-                </a:solidFill>
-              </a14:hiddenFill>
-            </a:ext>
-            <a:ext uri="{91240B29-F687-4F45-9708-019B960494DF}">
-              <a14:hiddenLine xmlns:a14="http://schemas.microsoft.com/office/drawing/2010/main" w="9525">
-                <a:solidFill>
-                  <a:schemeClr val="tx1"/>
-                </a:solidFill>
-                <a:miter lim="800000"/>
-                <a:headEnd/>
-                <a:tailEnd/>
-              </a14:hiddenLine>
-            </a:ext>
-          </a:extLst>
-        </p:spPr>
-      </p:pic>
     </p:spTree>
     <p:extLst>
       <p:ext uri="{BB962C8B-B14F-4D97-AF65-F5344CB8AC3E}">
-        <p14:creationId xmlns:p14="http://schemas.microsoft.com/office/powerpoint/2010/main" val="3879091983"/>
+        <p14:creationId xmlns:p14="http://schemas.microsoft.com/office/powerpoint/2010/main" val="680048408"/>
       </p:ext>
     </p:extLst>
   </p:cSld>
@@ -30096,10 +29022,6 @@
               <a:rPr lang="sr-Latn-RS" dirty="0" smtClean="0"/>
               <a:t>Primer:</a:t>
             </a:r>
-            <a:r>
-              <a:rPr lang="sr-Latn-RS" dirty="0" smtClean="0"/>
-              <a:t/>
-            </a:r>
             <a:br>
               <a:rPr lang="sr-Latn-RS" dirty="0" smtClean="0"/>
             </a:br>
@@ -30278,10 +29200,6 @@
             <a:r>
               <a:rPr lang="sr-Latn-RS" dirty="0" smtClean="0"/>
               <a:t>Primer:</a:t>
-            </a:r>
-            <a:r>
-              <a:rPr lang="sr-Latn-RS" dirty="0" smtClean="0"/>
-              <a:t/>
             </a:r>
             <a:br>
               <a:rPr lang="sr-Latn-RS" dirty="0" smtClean="0"/>
@@ -30468,6 +29386,2822 @@
 </file>
 
 <file path=ppt/slides/slide40.xml><?xml version="1.0" encoding="utf-8"?>
+<p:sld xmlns:a="http://schemas.openxmlformats.org/drawingml/2006/main" xmlns:r="http://schemas.openxmlformats.org/officeDocument/2006/relationships" xmlns:p="http://schemas.openxmlformats.org/presentationml/2006/main">
+  <p:cSld>
+    <p:spTree>
+      <p:nvGrpSpPr>
+        <p:cNvPr id="1" name=""/>
+        <p:cNvGrpSpPr/>
+        <p:nvPr/>
+      </p:nvGrpSpPr>
+      <p:grpSpPr>
+        <a:xfrm>
+          <a:off x="0" y="0"/>
+          <a:ext cx="0" cy="0"/>
+          <a:chOff x="0" y="0"/>
+          <a:chExt cx="0" cy="0"/>
+        </a:xfrm>
+      </p:grpSpPr>
+      <p:sp>
+        <p:nvSpPr>
+          <p:cNvPr id="92162" name="Rectangle 2"/>
+          <p:cNvSpPr>
+            <a:spLocks noGrp="1" noChangeArrowheads="1"/>
+          </p:cNvSpPr>
+          <p:nvPr>
+            <p:ph type="title"/>
+          </p:nvPr>
+        </p:nvSpPr>
+        <p:spPr/>
+        <p:txBody>
+          <a:bodyPr/>
+          <a:lstStyle/>
+          <a:p>
+            <a:r>
+              <a:rPr lang="sr-Latn-RS" dirty="0" smtClean="0"/>
+              <a:t>Prikaz</a:t>
+            </a:r>
+            <a:endParaRPr lang="sr-Latn-RS" dirty="0"/>
+          </a:p>
+        </p:txBody>
+      </p:sp>
+      <p:sp>
+        <p:nvSpPr>
+          <p:cNvPr id="92163" name="Rectangle 3"/>
+          <p:cNvSpPr>
+            <a:spLocks noGrp="1" noChangeArrowheads="1"/>
+          </p:cNvSpPr>
+          <p:nvPr>
+            <p:ph idx="1"/>
+          </p:nvPr>
+        </p:nvSpPr>
+        <p:spPr>
+          <a:xfrm>
+            <a:off x="457200" y="1600200"/>
+            <a:ext cx="8579296" cy="4853136"/>
+          </a:xfrm>
+        </p:spPr>
+        <p:txBody>
+          <a:bodyPr/>
+          <a:lstStyle/>
+          <a:p>
+            <a:pPr>
+              <a:spcBef>
+                <a:spcPts val="1200"/>
+              </a:spcBef>
+            </a:pPr>
+            <a:r>
+              <a:rPr lang="it-IT" dirty="0" err="1">
+                <a:solidFill>
+                  <a:srgbClr val="000000"/>
+                </a:solidFill>
+              </a:rPr>
+              <a:t>Razlikujemo</a:t>
+            </a:r>
+            <a:r>
+              <a:rPr lang="it-IT" dirty="0">
+                <a:solidFill>
+                  <a:srgbClr val="000000"/>
+                </a:solidFill>
+              </a:rPr>
+              <a:t> </a:t>
+            </a:r>
+            <a:r>
+              <a:rPr lang="it-IT" dirty="0" err="1">
+                <a:solidFill>
+                  <a:srgbClr val="000000"/>
+                </a:solidFill>
+              </a:rPr>
+              <a:t>dva</a:t>
+            </a:r>
+            <a:r>
+              <a:rPr lang="it-IT" dirty="0">
+                <a:solidFill>
+                  <a:srgbClr val="000000"/>
+                </a:solidFill>
+              </a:rPr>
+              <a:t> </a:t>
+            </a:r>
+            <a:r>
+              <a:rPr lang="it-IT" dirty="0" err="1" smtClean="0">
+                <a:solidFill>
+                  <a:srgbClr val="000000"/>
+                </a:solidFill>
+              </a:rPr>
+              <a:t>na</a:t>
+            </a:r>
+            <a:r>
+              <a:rPr lang="sr-Latn-RS" dirty="0">
+                <a:solidFill>
+                  <a:srgbClr val="000000"/>
+                </a:solidFill>
+              </a:rPr>
+              <a:t>č</a:t>
+            </a:r>
+            <a:r>
+              <a:rPr lang="it-IT" dirty="0" smtClean="0">
+                <a:solidFill>
+                  <a:srgbClr val="000000"/>
+                </a:solidFill>
+              </a:rPr>
+              <a:t>ina </a:t>
+            </a:r>
+            <a:r>
+              <a:rPr lang="it-IT" dirty="0" err="1">
+                <a:solidFill>
+                  <a:srgbClr val="000000"/>
+                </a:solidFill>
+              </a:rPr>
+              <a:t>prikaza</a:t>
+            </a:r>
+            <a:r>
+              <a:rPr lang="it-IT" dirty="0">
+                <a:solidFill>
+                  <a:srgbClr val="000000"/>
+                </a:solidFill>
+              </a:rPr>
+              <a:t> </a:t>
+            </a:r>
+            <a:r>
+              <a:rPr lang="it-IT" dirty="0" err="1">
+                <a:solidFill>
+                  <a:srgbClr val="000000"/>
+                </a:solidFill>
+              </a:rPr>
+              <a:t>elemenata</a:t>
+            </a:r>
+            <a:r>
+              <a:rPr lang="it-IT" dirty="0">
+                <a:solidFill>
+                  <a:srgbClr val="000000"/>
+                </a:solidFill>
+              </a:rPr>
+              <a:t>:</a:t>
+            </a:r>
+          </a:p>
+          <a:p>
+            <a:pPr lvl="1">
+              <a:spcBef>
+                <a:spcPts val="1200"/>
+              </a:spcBef>
+            </a:pPr>
+            <a:r>
+              <a:rPr lang="it-IT" dirty="0" err="1">
+                <a:solidFill>
+                  <a:srgbClr val="000000"/>
+                </a:solidFill>
+              </a:rPr>
+              <a:t>blok</a:t>
+            </a:r>
+            <a:r>
+              <a:rPr lang="it-IT" dirty="0">
+                <a:solidFill>
+                  <a:srgbClr val="000000"/>
+                </a:solidFill>
+              </a:rPr>
+              <a:t> elementi</a:t>
+            </a:r>
+          </a:p>
+          <a:p>
+            <a:pPr lvl="2">
+              <a:spcBef>
+                <a:spcPts val="1200"/>
+              </a:spcBef>
+            </a:pPr>
+            <a:r>
+              <a:rPr lang="it-IT" b="1" dirty="0">
+                <a:solidFill>
+                  <a:srgbClr val="005828"/>
+                </a:solidFill>
+                <a:latin typeface="Courier New" panose="02070309020205020404" pitchFamily="49" charset="0"/>
+                <a:ea typeface="+mn-ea"/>
+                <a:cs typeface="Courier New" panose="02070309020205020404" pitchFamily="49" charset="0"/>
+              </a:rPr>
+              <a:t>display: </a:t>
+            </a:r>
+            <a:r>
+              <a:rPr lang="it-IT" b="1" dirty="0" err="1">
+                <a:solidFill>
+                  <a:srgbClr val="005828"/>
+                </a:solidFill>
+                <a:latin typeface="Courier New" panose="02070309020205020404" pitchFamily="49" charset="0"/>
+                <a:ea typeface="+mn-ea"/>
+                <a:cs typeface="Courier New" panose="02070309020205020404" pitchFamily="49" charset="0"/>
+              </a:rPr>
+              <a:t>block</a:t>
+            </a:r>
+            <a:r>
+              <a:rPr lang="it-IT" b="1" dirty="0">
+                <a:solidFill>
+                  <a:srgbClr val="005828"/>
+                </a:solidFill>
+                <a:latin typeface="Courier New" panose="02070309020205020404" pitchFamily="49" charset="0"/>
+                <a:ea typeface="+mn-ea"/>
+                <a:cs typeface="Courier New" panose="02070309020205020404" pitchFamily="49" charset="0"/>
+              </a:rPr>
+              <a:t>;</a:t>
+            </a:r>
+          </a:p>
+          <a:p>
+            <a:pPr lvl="2">
+              <a:spcBef>
+                <a:spcPts val="1200"/>
+              </a:spcBef>
+            </a:pPr>
+            <a:r>
+              <a:rPr lang="it-IT" dirty="0" err="1">
+                <a:solidFill>
+                  <a:srgbClr val="000000"/>
+                </a:solidFill>
+              </a:rPr>
+              <a:t>mogu</a:t>
+            </a:r>
+            <a:r>
+              <a:rPr lang="it-IT" dirty="0">
+                <a:solidFill>
+                  <a:srgbClr val="000000"/>
+                </a:solidFill>
+              </a:rPr>
+              <a:t> da </a:t>
+            </a:r>
+            <a:r>
+              <a:rPr lang="it-IT" dirty="0" err="1" smtClean="0">
+                <a:solidFill>
+                  <a:srgbClr val="000000"/>
+                </a:solidFill>
+              </a:rPr>
+              <a:t>sadr</a:t>
+            </a:r>
+            <a:r>
+              <a:rPr lang="sr-Latn-RS" dirty="0">
+                <a:solidFill>
+                  <a:srgbClr val="000000"/>
+                </a:solidFill>
+              </a:rPr>
+              <a:t>ž</a:t>
+            </a:r>
+            <a:r>
+              <a:rPr lang="it-IT" dirty="0" smtClean="0">
+                <a:solidFill>
+                  <a:srgbClr val="000000"/>
+                </a:solidFill>
+              </a:rPr>
+              <a:t>e </a:t>
+            </a:r>
+            <a:r>
+              <a:rPr lang="it-IT" dirty="0" err="1">
+                <a:solidFill>
+                  <a:srgbClr val="000000"/>
+                </a:solidFill>
+              </a:rPr>
+              <a:t>tekst</a:t>
+            </a:r>
+            <a:r>
+              <a:rPr lang="it-IT" dirty="0">
+                <a:solidFill>
+                  <a:srgbClr val="000000"/>
+                </a:solidFill>
+              </a:rPr>
+              <a:t>, </a:t>
+            </a:r>
+            <a:r>
+              <a:rPr lang="it-IT" dirty="0" err="1">
+                <a:solidFill>
+                  <a:srgbClr val="000000"/>
+                </a:solidFill>
+              </a:rPr>
+              <a:t>linijske</a:t>
+            </a:r>
+            <a:r>
+              <a:rPr lang="it-IT" dirty="0">
+                <a:solidFill>
+                  <a:srgbClr val="000000"/>
+                </a:solidFill>
+              </a:rPr>
+              <a:t> </a:t>
+            </a:r>
+            <a:r>
+              <a:rPr lang="it-IT" dirty="0" err="1">
+                <a:solidFill>
+                  <a:srgbClr val="000000"/>
+                </a:solidFill>
+              </a:rPr>
+              <a:t>elemente</a:t>
+            </a:r>
+            <a:r>
+              <a:rPr lang="it-IT" dirty="0">
+                <a:solidFill>
+                  <a:srgbClr val="000000"/>
+                </a:solidFill>
+              </a:rPr>
+              <a:t> i </a:t>
+            </a:r>
+            <a:r>
+              <a:rPr lang="it-IT" dirty="0" err="1">
+                <a:solidFill>
+                  <a:srgbClr val="000000"/>
+                </a:solidFill>
+              </a:rPr>
+              <a:t>druge</a:t>
+            </a:r>
+            <a:r>
+              <a:rPr lang="it-IT" dirty="0">
+                <a:solidFill>
+                  <a:srgbClr val="000000"/>
+                </a:solidFill>
+              </a:rPr>
+              <a:t> </a:t>
+            </a:r>
+            <a:r>
+              <a:rPr lang="it-IT" dirty="0" err="1">
+                <a:solidFill>
+                  <a:srgbClr val="000000"/>
+                </a:solidFill>
+              </a:rPr>
+              <a:t>blok</a:t>
+            </a:r>
+            <a:r>
+              <a:rPr lang="it-IT" dirty="0">
+                <a:solidFill>
+                  <a:srgbClr val="000000"/>
+                </a:solidFill>
+              </a:rPr>
+              <a:t> </a:t>
+            </a:r>
+            <a:r>
+              <a:rPr lang="it-IT" dirty="0" err="1">
+                <a:solidFill>
+                  <a:srgbClr val="000000"/>
+                </a:solidFill>
+              </a:rPr>
+              <a:t>elemente</a:t>
+            </a:r>
+            <a:endParaRPr lang="it-IT" dirty="0">
+              <a:solidFill>
+                <a:srgbClr val="000000"/>
+              </a:solidFill>
+            </a:endParaRPr>
+          </a:p>
+          <a:p>
+            <a:pPr lvl="2">
+              <a:spcBef>
+                <a:spcPts val="1200"/>
+              </a:spcBef>
+            </a:pPr>
+            <a:r>
+              <a:rPr lang="it-IT" dirty="0" err="1">
+                <a:solidFill>
+                  <a:srgbClr val="000000"/>
+                </a:solidFill>
+              </a:rPr>
+              <a:t>prostiru</a:t>
+            </a:r>
+            <a:r>
+              <a:rPr lang="it-IT" dirty="0">
+                <a:solidFill>
+                  <a:srgbClr val="000000"/>
+                </a:solidFill>
+              </a:rPr>
+              <a:t> se </a:t>
+            </a:r>
+            <a:r>
+              <a:rPr lang="it-IT" dirty="0" err="1">
+                <a:solidFill>
+                  <a:srgbClr val="000000"/>
+                </a:solidFill>
+              </a:rPr>
+              <a:t>celom</a:t>
+            </a:r>
+            <a:r>
+              <a:rPr lang="it-IT" dirty="0">
+                <a:solidFill>
+                  <a:srgbClr val="000000"/>
+                </a:solidFill>
+              </a:rPr>
+              <a:t> </a:t>
+            </a:r>
+            <a:r>
+              <a:rPr lang="sr-Latn-RS" dirty="0">
+                <a:solidFill>
+                  <a:srgbClr val="000000"/>
+                </a:solidFill>
+              </a:rPr>
+              <a:t>š</a:t>
+            </a:r>
+            <a:r>
+              <a:rPr lang="it-IT" dirty="0" err="1" smtClean="0">
+                <a:solidFill>
+                  <a:srgbClr val="000000"/>
+                </a:solidFill>
+              </a:rPr>
+              <a:t>irinom</a:t>
+            </a:r>
+            <a:r>
+              <a:rPr lang="it-IT" dirty="0" smtClean="0">
+                <a:solidFill>
+                  <a:srgbClr val="000000"/>
+                </a:solidFill>
+              </a:rPr>
+              <a:t> </a:t>
+            </a:r>
+            <a:r>
+              <a:rPr lang="it-IT" dirty="0" err="1">
+                <a:solidFill>
+                  <a:srgbClr val="000000"/>
+                </a:solidFill>
+              </a:rPr>
+              <a:t>bloka</a:t>
+            </a:r>
+            <a:r>
+              <a:rPr lang="it-IT" dirty="0">
+                <a:solidFill>
+                  <a:srgbClr val="000000"/>
+                </a:solidFill>
+              </a:rPr>
+              <a:t>, </a:t>
+            </a:r>
+            <a:r>
+              <a:rPr lang="it-IT" dirty="0" err="1" smtClean="0">
+                <a:solidFill>
+                  <a:srgbClr val="000000"/>
+                </a:solidFill>
+              </a:rPr>
+              <a:t>sla</a:t>
+            </a:r>
+            <a:r>
+              <a:rPr lang="sr-Latn-RS" dirty="0">
+                <a:solidFill>
+                  <a:srgbClr val="000000"/>
+                </a:solidFill>
+              </a:rPr>
+              <a:t>ž</a:t>
+            </a:r>
+            <a:r>
+              <a:rPr lang="it-IT" dirty="0" smtClean="0">
+                <a:solidFill>
+                  <a:srgbClr val="000000"/>
+                </a:solidFill>
+              </a:rPr>
+              <a:t>u </a:t>
+            </a:r>
+            <a:r>
+              <a:rPr lang="it-IT" dirty="0">
+                <a:solidFill>
+                  <a:srgbClr val="000000"/>
+                </a:solidFill>
+              </a:rPr>
+              <a:t>se </a:t>
+            </a:r>
+            <a:r>
+              <a:rPr lang="it-IT" dirty="0" err="1">
+                <a:solidFill>
+                  <a:srgbClr val="000000"/>
+                </a:solidFill>
+              </a:rPr>
+              <a:t>jedan</a:t>
+            </a:r>
+            <a:r>
+              <a:rPr lang="it-IT" dirty="0">
+                <a:solidFill>
+                  <a:srgbClr val="000000"/>
+                </a:solidFill>
+              </a:rPr>
+              <a:t> </a:t>
+            </a:r>
+            <a:r>
+              <a:rPr lang="it-IT" dirty="0" err="1">
+                <a:solidFill>
+                  <a:srgbClr val="000000"/>
+                </a:solidFill>
+              </a:rPr>
+              <a:t>ispod</a:t>
+            </a:r>
+            <a:r>
+              <a:rPr lang="it-IT" dirty="0">
+                <a:solidFill>
+                  <a:srgbClr val="000000"/>
+                </a:solidFill>
+              </a:rPr>
+              <a:t> </a:t>
+            </a:r>
+            <a:r>
+              <a:rPr lang="it-IT" dirty="0" err="1">
+                <a:solidFill>
+                  <a:srgbClr val="000000"/>
+                </a:solidFill>
+              </a:rPr>
+              <a:t>drugog</a:t>
+            </a:r>
+            <a:endParaRPr lang="it-IT" dirty="0">
+              <a:solidFill>
+                <a:srgbClr val="000000"/>
+              </a:solidFill>
+            </a:endParaRPr>
+          </a:p>
+          <a:p>
+            <a:pPr lvl="2">
+              <a:spcBef>
+                <a:spcPts val="1200"/>
+              </a:spcBef>
+            </a:pPr>
+            <a:r>
+              <a:rPr lang="it-IT" dirty="0">
+                <a:solidFill>
+                  <a:srgbClr val="005828"/>
+                </a:solidFill>
+              </a:rPr>
+              <a:t>div</a:t>
+            </a:r>
+            <a:r>
+              <a:rPr lang="it-IT" dirty="0">
+                <a:solidFill>
+                  <a:srgbClr val="000000"/>
+                </a:solidFill>
+              </a:rPr>
+              <a:t>, </a:t>
+            </a:r>
+            <a:r>
+              <a:rPr lang="it-IT" dirty="0" err="1">
+                <a:solidFill>
+                  <a:srgbClr val="005828"/>
+                </a:solidFill>
+              </a:rPr>
+              <a:t>section</a:t>
+            </a:r>
+            <a:r>
+              <a:rPr lang="it-IT" dirty="0">
+                <a:solidFill>
+                  <a:srgbClr val="000000"/>
+                </a:solidFill>
+              </a:rPr>
+              <a:t>, </a:t>
+            </a:r>
+            <a:r>
+              <a:rPr lang="it-IT" dirty="0" err="1">
+                <a:solidFill>
+                  <a:srgbClr val="005828"/>
+                </a:solidFill>
+              </a:rPr>
+              <a:t>article</a:t>
+            </a:r>
+            <a:r>
+              <a:rPr lang="it-IT" dirty="0">
+                <a:solidFill>
+                  <a:srgbClr val="000000"/>
+                </a:solidFill>
+              </a:rPr>
+              <a:t>, </a:t>
+            </a:r>
+            <a:r>
+              <a:rPr lang="it-IT" dirty="0" err="1">
+                <a:solidFill>
+                  <a:srgbClr val="005828"/>
+                </a:solidFill>
+              </a:rPr>
+              <a:t>header</a:t>
+            </a:r>
+            <a:r>
+              <a:rPr lang="it-IT" dirty="0">
+                <a:solidFill>
+                  <a:srgbClr val="000000"/>
+                </a:solidFill>
+              </a:rPr>
+              <a:t>, </a:t>
+            </a:r>
+            <a:r>
+              <a:rPr lang="it-IT" dirty="0" err="1">
+                <a:solidFill>
+                  <a:srgbClr val="005828"/>
+                </a:solidFill>
+              </a:rPr>
+              <a:t>footer</a:t>
+            </a:r>
+            <a:r>
+              <a:rPr lang="it-IT" dirty="0">
+                <a:solidFill>
+                  <a:srgbClr val="000000"/>
+                </a:solidFill>
+              </a:rPr>
+              <a:t>, </a:t>
+            </a:r>
+            <a:r>
+              <a:rPr lang="it-IT" dirty="0" err="1">
+                <a:solidFill>
+                  <a:srgbClr val="005828"/>
+                </a:solidFill>
+              </a:rPr>
+              <a:t>main</a:t>
+            </a:r>
+            <a:r>
+              <a:rPr lang="it-IT" dirty="0">
+                <a:solidFill>
+                  <a:srgbClr val="000000"/>
+                </a:solidFill>
+              </a:rPr>
+              <a:t>, </a:t>
+            </a:r>
+            <a:r>
+              <a:rPr lang="it-IT" dirty="0" err="1">
+                <a:solidFill>
+                  <a:srgbClr val="005828"/>
+                </a:solidFill>
+              </a:rPr>
+              <a:t>aside</a:t>
+            </a:r>
+            <a:r>
+              <a:rPr lang="it-IT" dirty="0">
+                <a:solidFill>
+                  <a:srgbClr val="000000"/>
+                </a:solidFill>
+              </a:rPr>
+              <a:t>, </a:t>
+            </a:r>
+            <a:r>
+              <a:rPr lang="it-IT" dirty="0" err="1">
+                <a:solidFill>
+                  <a:srgbClr val="005828"/>
+                </a:solidFill>
+              </a:rPr>
+              <a:t>form</a:t>
+            </a:r>
+            <a:r>
+              <a:rPr lang="it-IT" dirty="0">
+                <a:solidFill>
+                  <a:srgbClr val="000000"/>
+                </a:solidFill>
+              </a:rPr>
+              <a:t>, </a:t>
+            </a:r>
+            <a:r>
+              <a:rPr lang="it-IT" dirty="0">
+                <a:solidFill>
+                  <a:srgbClr val="005828"/>
+                </a:solidFill>
+              </a:rPr>
+              <a:t>p</a:t>
+            </a:r>
+            <a:r>
+              <a:rPr lang="it-IT" dirty="0">
+                <a:solidFill>
+                  <a:srgbClr val="000000"/>
+                </a:solidFill>
+              </a:rPr>
+              <a:t>, </a:t>
+            </a:r>
+            <a:r>
+              <a:rPr lang="it-IT" dirty="0" err="1">
+                <a:solidFill>
+                  <a:srgbClr val="005828"/>
+                </a:solidFill>
+              </a:rPr>
+              <a:t>ul</a:t>
+            </a:r>
+            <a:r>
+              <a:rPr lang="it-IT" dirty="0" smtClean="0">
+                <a:solidFill>
+                  <a:srgbClr val="000000"/>
+                </a:solidFill>
+              </a:rPr>
+              <a:t>,</a:t>
+            </a:r>
+            <a:r>
+              <a:rPr lang="sr-Latn-RS" dirty="0" smtClean="0">
+                <a:solidFill>
+                  <a:srgbClr val="000000"/>
+                </a:solidFill>
+              </a:rPr>
+              <a:t> </a:t>
+            </a:r>
+            <a:r>
+              <a:rPr lang="it-IT" dirty="0" err="1" smtClean="0">
+                <a:solidFill>
+                  <a:srgbClr val="005828"/>
+                </a:solidFill>
+              </a:rPr>
+              <a:t>ol</a:t>
+            </a:r>
+            <a:r>
+              <a:rPr lang="sr-Latn-RS" dirty="0" smtClean="0">
+                <a:solidFill>
+                  <a:srgbClr val="005828"/>
+                </a:solidFill>
+              </a:rPr>
+              <a:t> </a:t>
+            </a:r>
+            <a:r>
+              <a:rPr lang="sr-Latn-RS" dirty="0" smtClean="0">
+                <a:solidFill>
+                  <a:srgbClr val="000000"/>
+                </a:solidFill>
+              </a:rPr>
+              <a:t>i</a:t>
+            </a:r>
+            <a:r>
+              <a:rPr lang="it-IT" dirty="0" smtClean="0">
+                <a:solidFill>
+                  <a:srgbClr val="000000"/>
+                </a:solidFill>
+              </a:rPr>
+              <a:t> </a:t>
+            </a:r>
+            <a:r>
+              <a:rPr lang="it-IT" dirty="0">
+                <a:solidFill>
+                  <a:srgbClr val="005828"/>
+                </a:solidFill>
+              </a:rPr>
+              <a:t>li</a:t>
+            </a:r>
+          </a:p>
+          <a:p>
+            <a:pPr lvl="1">
+              <a:spcBef>
+                <a:spcPts val="1200"/>
+              </a:spcBef>
+            </a:pPr>
+            <a:r>
+              <a:rPr lang="it-IT" dirty="0" err="1">
+                <a:solidFill>
+                  <a:srgbClr val="000000"/>
+                </a:solidFill>
+              </a:rPr>
+              <a:t>linijski</a:t>
+            </a:r>
+            <a:r>
+              <a:rPr lang="it-IT" dirty="0">
+                <a:solidFill>
+                  <a:srgbClr val="000000"/>
+                </a:solidFill>
+              </a:rPr>
+              <a:t> elementi</a:t>
+            </a:r>
+          </a:p>
+          <a:p>
+            <a:pPr lvl="2">
+              <a:spcBef>
+                <a:spcPts val="1200"/>
+              </a:spcBef>
+            </a:pPr>
+            <a:r>
+              <a:rPr lang="it-IT" b="1" dirty="0">
+                <a:solidFill>
+                  <a:srgbClr val="005828"/>
+                </a:solidFill>
+                <a:latin typeface="Courier New" panose="02070309020205020404" pitchFamily="49" charset="0"/>
+                <a:ea typeface="+mn-ea"/>
+                <a:cs typeface="Courier New" panose="02070309020205020404" pitchFamily="49" charset="0"/>
+              </a:rPr>
+              <a:t>display: </a:t>
+            </a:r>
+            <a:r>
+              <a:rPr lang="it-IT" b="1" dirty="0" err="1">
+                <a:solidFill>
+                  <a:srgbClr val="005828"/>
+                </a:solidFill>
+                <a:latin typeface="Courier New" panose="02070309020205020404" pitchFamily="49" charset="0"/>
+                <a:ea typeface="+mn-ea"/>
+                <a:cs typeface="Courier New" panose="02070309020205020404" pitchFamily="49" charset="0"/>
+              </a:rPr>
+              <a:t>inline</a:t>
+            </a:r>
+            <a:r>
+              <a:rPr lang="it-IT" b="1" dirty="0">
+                <a:solidFill>
+                  <a:srgbClr val="005828"/>
+                </a:solidFill>
+                <a:latin typeface="Courier New" panose="02070309020205020404" pitchFamily="49" charset="0"/>
+                <a:ea typeface="+mn-ea"/>
+                <a:cs typeface="Courier New" panose="02070309020205020404" pitchFamily="49" charset="0"/>
+              </a:rPr>
+              <a:t>;</a:t>
+            </a:r>
+          </a:p>
+          <a:p>
+            <a:pPr lvl="2">
+              <a:spcBef>
+                <a:spcPts val="1200"/>
+              </a:spcBef>
+            </a:pPr>
+            <a:r>
+              <a:rPr lang="it-IT" dirty="0" err="1">
+                <a:solidFill>
+                  <a:srgbClr val="000000"/>
+                </a:solidFill>
+              </a:rPr>
+              <a:t>mogu</a:t>
+            </a:r>
+            <a:r>
+              <a:rPr lang="it-IT" dirty="0">
+                <a:solidFill>
+                  <a:srgbClr val="000000"/>
+                </a:solidFill>
+              </a:rPr>
+              <a:t> da </a:t>
+            </a:r>
+            <a:r>
+              <a:rPr lang="it-IT" dirty="0" err="1" smtClean="0">
+                <a:solidFill>
+                  <a:srgbClr val="000000"/>
+                </a:solidFill>
+              </a:rPr>
+              <a:t>sadr</a:t>
+            </a:r>
+            <a:r>
+              <a:rPr lang="sr-Latn-RS" dirty="0">
+                <a:solidFill>
+                  <a:srgbClr val="000000"/>
+                </a:solidFill>
+              </a:rPr>
+              <a:t>ž</a:t>
+            </a:r>
+            <a:r>
+              <a:rPr lang="it-IT" dirty="0" smtClean="0">
+                <a:solidFill>
+                  <a:srgbClr val="000000"/>
+                </a:solidFill>
+              </a:rPr>
+              <a:t>e </a:t>
+            </a:r>
+            <a:r>
+              <a:rPr lang="it-IT" dirty="0" err="1">
+                <a:solidFill>
+                  <a:srgbClr val="000000"/>
+                </a:solidFill>
+              </a:rPr>
+              <a:t>tekst</a:t>
+            </a:r>
+            <a:r>
+              <a:rPr lang="it-IT" dirty="0">
+                <a:solidFill>
+                  <a:srgbClr val="000000"/>
+                </a:solidFill>
+              </a:rPr>
+              <a:t> i </a:t>
+            </a:r>
+            <a:r>
+              <a:rPr lang="it-IT" dirty="0" err="1">
+                <a:solidFill>
+                  <a:srgbClr val="000000"/>
+                </a:solidFill>
+              </a:rPr>
+              <a:t>linijske</a:t>
+            </a:r>
+            <a:r>
+              <a:rPr lang="it-IT" dirty="0">
+                <a:solidFill>
+                  <a:srgbClr val="000000"/>
+                </a:solidFill>
+              </a:rPr>
+              <a:t> </a:t>
+            </a:r>
+            <a:r>
+              <a:rPr lang="it-IT" dirty="0" err="1">
+                <a:solidFill>
+                  <a:srgbClr val="000000"/>
+                </a:solidFill>
+              </a:rPr>
+              <a:t>elemente</a:t>
+            </a:r>
+            <a:endParaRPr lang="it-IT" dirty="0">
+              <a:solidFill>
+                <a:srgbClr val="000000"/>
+              </a:solidFill>
+            </a:endParaRPr>
+          </a:p>
+          <a:p>
+            <a:pPr lvl="2">
+              <a:spcBef>
+                <a:spcPts val="1200"/>
+              </a:spcBef>
+            </a:pPr>
+            <a:r>
+              <a:rPr lang="it-IT" dirty="0" err="1">
+                <a:solidFill>
+                  <a:srgbClr val="000000"/>
+                </a:solidFill>
+              </a:rPr>
+              <a:t>zauzimaju</a:t>
+            </a:r>
+            <a:r>
+              <a:rPr lang="it-IT" dirty="0">
+                <a:solidFill>
+                  <a:srgbClr val="000000"/>
+                </a:solidFill>
+              </a:rPr>
+              <a:t> </a:t>
+            </a:r>
+            <a:r>
+              <a:rPr lang="it-IT" dirty="0" err="1">
+                <a:solidFill>
+                  <a:srgbClr val="000000"/>
+                </a:solidFill>
+              </a:rPr>
+              <a:t>koliko</a:t>
+            </a:r>
+            <a:r>
+              <a:rPr lang="it-IT" dirty="0">
+                <a:solidFill>
+                  <a:srgbClr val="000000"/>
+                </a:solidFill>
+              </a:rPr>
+              <a:t> i </a:t>
+            </a:r>
+            <a:r>
+              <a:rPr lang="it-IT" dirty="0" err="1" smtClean="0">
+                <a:solidFill>
+                  <a:srgbClr val="000000"/>
+                </a:solidFill>
+              </a:rPr>
+              <a:t>sadr</a:t>
+            </a:r>
+            <a:r>
+              <a:rPr lang="sr-Latn-RS" dirty="0">
+                <a:solidFill>
+                  <a:srgbClr val="000000"/>
+                </a:solidFill>
+              </a:rPr>
+              <a:t>ž</a:t>
+            </a:r>
+            <a:r>
+              <a:rPr lang="it-IT" dirty="0" err="1" smtClean="0">
+                <a:solidFill>
+                  <a:srgbClr val="000000"/>
+                </a:solidFill>
+              </a:rPr>
+              <a:t>aj</a:t>
+            </a:r>
+            <a:r>
+              <a:rPr lang="it-IT" dirty="0">
+                <a:solidFill>
+                  <a:srgbClr val="000000"/>
+                </a:solidFill>
+              </a:rPr>
+              <a:t>, </a:t>
+            </a:r>
+            <a:r>
+              <a:rPr lang="it-IT" dirty="0" err="1" smtClean="0">
+                <a:solidFill>
+                  <a:srgbClr val="000000"/>
+                </a:solidFill>
+              </a:rPr>
+              <a:t>sla</a:t>
+            </a:r>
+            <a:r>
+              <a:rPr lang="sr-Latn-RS" dirty="0">
+                <a:solidFill>
+                  <a:srgbClr val="000000"/>
+                </a:solidFill>
+              </a:rPr>
+              <a:t>ž</a:t>
+            </a:r>
+            <a:r>
+              <a:rPr lang="it-IT" dirty="0" smtClean="0">
+                <a:solidFill>
+                  <a:srgbClr val="000000"/>
+                </a:solidFill>
+              </a:rPr>
+              <a:t>u </a:t>
+            </a:r>
+            <a:r>
+              <a:rPr lang="it-IT" dirty="0">
+                <a:solidFill>
+                  <a:srgbClr val="000000"/>
+                </a:solidFill>
+              </a:rPr>
+              <a:t>se </a:t>
+            </a:r>
+            <a:r>
+              <a:rPr lang="it-IT" dirty="0" err="1">
+                <a:solidFill>
+                  <a:srgbClr val="000000"/>
+                </a:solidFill>
+              </a:rPr>
+              <a:t>jedan</a:t>
+            </a:r>
+            <a:r>
+              <a:rPr lang="it-IT" dirty="0">
+                <a:solidFill>
+                  <a:srgbClr val="000000"/>
+                </a:solidFill>
+              </a:rPr>
+              <a:t> </a:t>
+            </a:r>
+            <a:r>
+              <a:rPr lang="it-IT" dirty="0" err="1">
+                <a:solidFill>
+                  <a:srgbClr val="000000"/>
+                </a:solidFill>
+              </a:rPr>
+              <a:t>pored</a:t>
+            </a:r>
+            <a:r>
+              <a:rPr lang="it-IT" dirty="0">
+                <a:solidFill>
+                  <a:srgbClr val="000000"/>
+                </a:solidFill>
+              </a:rPr>
+              <a:t> </a:t>
+            </a:r>
+            <a:r>
+              <a:rPr lang="it-IT" dirty="0" err="1">
+                <a:solidFill>
+                  <a:srgbClr val="000000"/>
+                </a:solidFill>
+              </a:rPr>
+              <a:t>drugog</a:t>
+            </a:r>
+            <a:endParaRPr lang="it-IT" dirty="0">
+              <a:solidFill>
+                <a:srgbClr val="000000"/>
+              </a:solidFill>
+            </a:endParaRPr>
+          </a:p>
+          <a:p>
+            <a:pPr lvl="2">
+              <a:spcBef>
+                <a:spcPts val="1200"/>
+              </a:spcBef>
+            </a:pPr>
+            <a:r>
+              <a:rPr lang="it-IT" dirty="0" err="1">
+                <a:solidFill>
+                  <a:srgbClr val="005828"/>
+                </a:solidFill>
+              </a:rPr>
+              <a:t>span</a:t>
+            </a:r>
+            <a:r>
+              <a:rPr lang="it-IT" dirty="0">
+                <a:solidFill>
+                  <a:srgbClr val="000000"/>
+                </a:solidFill>
+              </a:rPr>
+              <a:t>, </a:t>
+            </a:r>
+            <a:r>
+              <a:rPr lang="it-IT" dirty="0">
+                <a:solidFill>
+                  <a:srgbClr val="005828"/>
+                </a:solidFill>
+              </a:rPr>
+              <a:t>a</a:t>
+            </a:r>
+            <a:r>
+              <a:rPr lang="it-IT" dirty="0">
+                <a:solidFill>
+                  <a:srgbClr val="000000"/>
+                </a:solidFill>
+              </a:rPr>
+              <a:t>, </a:t>
+            </a:r>
+            <a:r>
+              <a:rPr lang="it-IT" dirty="0" err="1">
+                <a:solidFill>
+                  <a:srgbClr val="005828"/>
+                </a:solidFill>
+              </a:rPr>
+              <a:t>img</a:t>
+            </a:r>
+            <a:r>
+              <a:rPr lang="it-IT" dirty="0">
+                <a:solidFill>
+                  <a:srgbClr val="000000"/>
+                </a:solidFill>
+              </a:rPr>
+              <a:t>, </a:t>
+            </a:r>
+            <a:r>
+              <a:rPr lang="it-IT" dirty="0" err="1">
+                <a:solidFill>
+                  <a:srgbClr val="005828"/>
+                </a:solidFill>
+              </a:rPr>
+              <a:t>em</a:t>
+            </a:r>
+            <a:r>
+              <a:rPr lang="it-IT" dirty="0">
+                <a:solidFill>
+                  <a:srgbClr val="000000"/>
+                </a:solidFill>
+              </a:rPr>
+              <a:t>, </a:t>
+            </a:r>
+            <a:r>
+              <a:rPr lang="it-IT" dirty="0">
+                <a:solidFill>
+                  <a:srgbClr val="005828"/>
+                </a:solidFill>
+              </a:rPr>
+              <a:t>strong</a:t>
+            </a:r>
+            <a:r>
+              <a:rPr lang="it-IT" dirty="0">
+                <a:solidFill>
+                  <a:srgbClr val="000000"/>
+                </a:solidFill>
+              </a:rPr>
+              <a:t>, </a:t>
+            </a:r>
+            <a:r>
+              <a:rPr lang="it-IT" dirty="0">
+                <a:solidFill>
+                  <a:srgbClr val="005828"/>
+                </a:solidFill>
+              </a:rPr>
+              <a:t>small</a:t>
+            </a:r>
+            <a:r>
+              <a:rPr lang="it-IT" dirty="0">
+                <a:solidFill>
+                  <a:srgbClr val="000000"/>
+                </a:solidFill>
+              </a:rPr>
+              <a:t>, </a:t>
+            </a:r>
+            <a:r>
+              <a:rPr lang="it-IT" dirty="0">
+                <a:solidFill>
+                  <a:srgbClr val="005828"/>
+                </a:solidFill>
+              </a:rPr>
+              <a:t>i</a:t>
+            </a:r>
+            <a:r>
+              <a:rPr lang="it-IT" dirty="0">
+                <a:solidFill>
+                  <a:srgbClr val="000000"/>
+                </a:solidFill>
+              </a:rPr>
+              <a:t>, </a:t>
+            </a:r>
+            <a:r>
+              <a:rPr lang="it-IT" dirty="0">
+                <a:solidFill>
+                  <a:srgbClr val="005828"/>
+                </a:solidFill>
+              </a:rPr>
+              <a:t>b</a:t>
+            </a:r>
+            <a:r>
+              <a:rPr lang="it-IT" dirty="0">
+                <a:solidFill>
+                  <a:srgbClr val="000000"/>
+                </a:solidFill>
+              </a:rPr>
+              <a:t>, </a:t>
+            </a:r>
+            <a:r>
+              <a:rPr lang="it-IT" dirty="0">
+                <a:solidFill>
+                  <a:srgbClr val="005828"/>
+                </a:solidFill>
+              </a:rPr>
+              <a:t>u</a:t>
+            </a:r>
+            <a:r>
+              <a:rPr lang="it-IT" dirty="0">
+                <a:solidFill>
+                  <a:srgbClr val="000000"/>
+                </a:solidFill>
+              </a:rPr>
+              <a:t>, </a:t>
+            </a:r>
+            <a:r>
+              <a:rPr lang="it-IT" dirty="0">
+                <a:solidFill>
+                  <a:srgbClr val="005828"/>
+                </a:solidFill>
+              </a:rPr>
+              <a:t>sub</a:t>
+            </a:r>
+            <a:r>
+              <a:rPr lang="it-IT" dirty="0">
+                <a:solidFill>
+                  <a:srgbClr val="000000"/>
+                </a:solidFill>
+              </a:rPr>
+              <a:t>, </a:t>
+            </a:r>
+            <a:r>
+              <a:rPr lang="it-IT" dirty="0" err="1">
+                <a:solidFill>
+                  <a:srgbClr val="005828"/>
+                </a:solidFill>
+              </a:rPr>
+              <a:t>sup</a:t>
+            </a:r>
+            <a:endParaRPr lang="pl-PL" dirty="0">
+              <a:solidFill>
+                <a:srgbClr val="005828"/>
+              </a:solidFill>
+            </a:endParaRPr>
+          </a:p>
+        </p:txBody>
+      </p:sp>
+      <p:pic>
+        <p:nvPicPr>
+          <p:cNvPr id="14338" name="Picture 2"/>
+          <p:cNvPicPr>
+            <a:picLocks noChangeAspect="1" noChangeArrowheads="1"/>
+          </p:cNvPicPr>
+          <p:nvPr/>
+        </p:nvPicPr>
+        <p:blipFill rotWithShape="1">
+          <a:blip r:embed="rId2">
+            <a:extLst>
+              <a:ext uri="{28A0092B-C50C-407E-A947-70E740481C1C}">
+                <a14:useLocalDpi xmlns:a14="http://schemas.microsoft.com/office/drawing/2010/main" val="0"/>
+              </a:ext>
+            </a:extLst>
+          </a:blip>
+          <a:srcRect l="3361" t="8669" r="2356" b="62738"/>
+          <a:stretch/>
+        </p:blipFill>
+        <p:spPr bwMode="auto">
+          <a:xfrm>
+            <a:off x="5209767" y="6399707"/>
+            <a:ext cx="3682713" cy="458293"/>
+          </a:xfrm>
+          <a:prstGeom prst="rect">
+            <a:avLst/>
+          </a:prstGeom>
+          <a:noFill/>
+          <a:ln>
+            <a:noFill/>
+          </a:ln>
+          <a:extLst>
+            <a:ext uri="{909E8E84-426E-40DD-AFC4-6F175D3DCCD1}">
+              <a14:hiddenFill xmlns:a14="http://schemas.microsoft.com/office/drawing/2010/main">
+                <a:solidFill>
+                  <a:schemeClr val="accent1"/>
+                </a:solidFill>
+              </a14:hiddenFill>
+            </a:ext>
+            <a:ext uri="{91240B29-F687-4F45-9708-019B960494DF}">
+              <a14:hiddenLine xmlns:a14="http://schemas.microsoft.com/office/drawing/2010/main" w="9525">
+                <a:solidFill>
+                  <a:schemeClr val="tx1"/>
+                </a:solidFill>
+                <a:miter lim="800000"/>
+                <a:headEnd/>
+                <a:tailEnd/>
+              </a14:hiddenLine>
+            </a:ext>
+          </a:extLst>
+        </p:spPr>
+      </p:pic>
+      <p:pic>
+        <p:nvPicPr>
+          <p:cNvPr id="8" name="Picture 2"/>
+          <p:cNvPicPr>
+            <a:picLocks noChangeAspect="1" noChangeArrowheads="1"/>
+          </p:cNvPicPr>
+          <p:nvPr/>
+        </p:nvPicPr>
+        <p:blipFill rotWithShape="1">
+          <a:blip r:embed="rId2">
+            <a:extLst>
+              <a:ext uri="{28A0092B-C50C-407E-A947-70E740481C1C}">
+                <a14:useLocalDpi xmlns:a14="http://schemas.microsoft.com/office/drawing/2010/main" val="0"/>
+              </a:ext>
+            </a:extLst>
+          </a:blip>
+          <a:srcRect l="3361" t="37262" r="2356" b="34145"/>
+          <a:stretch/>
+        </p:blipFill>
+        <p:spPr bwMode="auto">
+          <a:xfrm>
+            <a:off x="1115616" y="6351704"/>
+            <a:ext cx="4068440" cy="506295"/>
+          </a:xfrm>
+          <a:prstGeom prst="rect">
+            <a:avLst/>
+          </a:prstGeom>
+          <a:noFill/>
+          <a:ln>
+            <a:noFill/>
+          </a:ln>
+          <a:extLst>
+            <a:ext uri="{909E8E84-426E-40DD-AFC4-6F175D3DCCD1}">
+              <a14:hiddenFill xmlns:a14="http://schemas.microsoft.com/office/drawing/2010/main">
+                <a:solidFill>
+                  <a:schemeClr val="accent1"/>
+                </a:solidFill>
+              </a14:hiddenFill>
+            </a:ext>
+            <a:ext uri="{91240B29-F687-4F45-9708-019B960494DF}">
+              <a14:hiddenLine xmlns:a14="http://schemas.microsoft.com/office/drawing/2010/main" w="9525">
+                <a:solidFill>
+                  <a:schemeClr val="tx1"/>
+                </a:solidFill>
+                <a:miter lim="800000"/>
+                <a:headEnd/>
+                <a:tailEnd/>
+              </a14:hiddenLine>
+            </a:ext>
+          </a:extLst>
+        </p:spPr>
+      </p:pic>
+    </p:spTree>
+    <p:extLst>
+      <p:ext uri="{BB962C8B-B14F-4D97-AF65-F5344CB8AC3E}">
+        <p14:creationId xmlns:p14="http://schemas.microsoft.com/office/powerpoint/2010/main" val="2197510027"/>
+      </p:ext>
+    </p:extLst>
+  </p:cSld>
+  <p:clrMapOvr>
+    <a:masterClrMapping/>
+  </p:clrMapOvr>
+  <p:timing>
+    <p:tnLst>
+      <p:par>
+        <p:cTn id="1" dur="indefinite" restart="never" nodeType="tmRoot"/>
+      </p:par>
+    </p:tnLst>
+  </p:timing>
+</p:sld>
+</file>
+
+<file path=ppt/slides/slide41.xml><?xml version="1.0" encoding="utf-8"?>
+<p:sld xmlns:a="http://schemas.openxmlformats.org/drawingml/2006/main" xmlns:r="http://schemas.openxmlformats.org/officeDocument/2006/relationships" xmlns:p="http://schemas.openxmlformats.org/presentationml/2006/main">
+  <p:cSld>
+    <p:spTree>
+      <p:nvGrpSpPr>
+        <p:cNvPr id="1" name=""/>
+        <p:cNvGrpSpPr/>
+        <p:nvPr/>
+      </p:nvGrpSpPr>
+      <p:grpSpPr>
+        <a:xfrm>
+          <a:off x="0" y="0"/>
+          <a:ext cx="0" cy="0"/>
+          <a:chOff x="0" y="0"/>
+          <a:chExt cx="0" cy="0"/>
+        </a:xfrm>
+      </p:grpSpPr>
+      <p:sp>
+        <p:nvSpPr>
+          <p:cNvPr id="92162" name="Rectangle 2"/>
+          <p:cNvSpPr>
+            <a:spLocks noGrp="1" noChangeArrowheads="1"/>
+          </p:cNvSpPr>
+          <p:nvPr>
+            <p:ph type="title"/>
+          </p:nvPr>
+        </p:nvSpPr>
+        <p:spPr/>
+        <p:txBody>
+          <a:bodyPr/>
+          <a:lstStyle/>
+          <a:p>
+            <a:r>
+              <a:rPr lang="sr-Latn-RS" dirty="0" smtClean="0"/>
+              <a:t>Prikaz (2)</a:t>
+            </a:r>
+            <a:endParaRPr lang="sr-Latn-RS" dirty="0"/>
+          </a:p>
+        </p:txBody>
+      </p:sp>
+      <p:sp>
+        <p:nvSpPr>
+          <p:cNvPr id="92163" name="Rectangle 3"/>
+          <p:cNvSpPr>
+            <a:spLocks noGrp="1" noChangeArrowheads="1"/>
+          </p:cNvSpPr>
+          <p:nvPr>
+            <p:ph idx="1"/>
+          </p:nvPr>
+        </p:nvSpPr>
+        <p:spPr>
+          <a:xfrm>
+            <a:off x="457200" y="1600200"/>
+            <a:ext cx="8579296" cy="4853136"/>
+          </a:xfrm>
+        </p:spPr>
+        <p:txBody>
+          <a:bodyPr/>
+          <a:lstStyle/>
+          <a:p>
+            <a:r>
+              <a:rPr lang="sr-Latn-RS" dirty="0"/>
+              <a:t>Svojstvo </a:t>
+            </a:r>
+            <a:r>
+              <a:rPr lang="sr-Latn-RS" dirty="0" err="1">
+                <a:solidFill>
+                  <a:srgbClr val="002060"/>
+                </a:solidFill>
+              </a:rPr>
+              <a:t>display</a:t>
+            </a:r>
+            <a:r>
+              <a:rPr lang="sr-Latn-RS" dirty="0">
+                <a:solidFill>
+                  <a:srgbClr val="002060"/>
+                </a:solidFill>
+              </a:rPr>
+              <a:t> </a:t>
+            </a:r>
+            <a:r>
+              <a:rPr lang="sr-Latn-RS" dirty="0" smtClean="0"/>
+              <a:t>može </a:t>
+            </a:r>
+            <a:r>
+              <a:rPr lang="sr-Latn-RS" dirty="0"/>
+              <a:t>imati </a:t>
+            </a:r>
+            <a:r>
+              <a:rPr lang="sr-Latn-RS" dirty="0" smtClean="0"/>
+              <a:t>različite </a:t>
+            </a:r>
+            <a:r>
+              <a:rPr lang="sr-Latn-RS" dirty="0"/>
+              <a:t>vrednosti:</a:t>
+            </a:r>
+          </a:p>
+          <a:p>
+            <a:pPr lvl="1"/>
+            <a:r>
+              <a:rPr lang="sr-Latn-RS" dirty="0" err="1">
+                <a:solidFill>
+                  <a:srgbClr val="005828"/>
+                </a:solidFill>
+              </a:rPr>
+              <a:t>none</a:t>
+            </a:r>
+            <a:r>
+              <a:rPr lang="sr-Latn-RS" dirty="0">
+                <a:solidFill>
+                  <a:srgbClr val="005828"/>
+                </a:solidFill>
+              </a:rPr>
+              <a:t> </a:t>
+            </a:r>
+            <a:r>
+              <a:rPr lang="sr-Latn-RS" dirty="0"/>
+              <a:t>-</a:t>
+            </a:r>
+            <a:r>
+              <a:rPr lang="sr-Latn-RS" dirty="0" smtClean="0"/>
+              <a:t> </a:t>
+            </a:r>
+            <a:r>
+              <a:rPr lang="sr-Latn-RS" dirty="0"/>
+              <a:t>element se u potpunosti izostavlja iz prikaza (ne </a:t>
+            </a:r>
+            <a:r>
+              <a:rPr lang="sr-Latn-RS" dirty="0" smtClean="0"/>
+              <a:t>zauzima nikakav </a:t>
+            </a:r>
+            <a:r>
+              <a:rPr lang="sr-Latn-RS" dirty="0"/>
+              <a:t>prostor na strani)</a:t>
+            </a:r>
+          </a:p>
+          <a:p>
+            <a:pPr lvl="1"/>
+            <a:r>
+              <a:rPr lang="sr-Latn-RS" dirty="0" err="1">
+                <a:solidFill>
+                  <a:srgbClr val="005828"/>
+                </a:solidFill>
+              </a:rPr>
+              <a:t>block</a:t>
+            </a:r>
+            <a:r>
+              <a:rPr lang="sr-Latn-RS" dirty="0">
+                <a:solidFill>
+                  <a:srgbClr val="005828"/>
+                </a:solidFill>
+              </a:rPr>
+              <a:t> </a:t>
+            </a:r>
+            <a:r>
+              <a:rPr lang="sr-Latn-RS" dirty="0" smtClean="0"/>
+              <a:t>- </a:t>
+            </a:r>
+            <a:r>
+              <a:rPr lang="sr-Latn-RS" dirty="0"/>
+              <a:t>element se prikazuje kao blok element; mogu mu se </a:t>
+            </a:r>
+            <a:r>
+              <a:rPr lang="sr-Latn-RS" dirty="0" smtClean="0"/>
+              <a:t>postavljati širina</a:t>
+            </a:r>
+            <a:r>
+              <a:rPr lang="sr-Latn-RS" dirty="0"/>
+              <a:t>, visina, okvir i margine</a:t>
+            </a:r>
+          </a:p>
+          <a:p>
+            <a:pPr lvl="1"/>
+            <a:r>
+              <a:rPr lang="sr-Latn-RS" dirty="0" err="1">
+                <a:solidFill>
+                  <a:srgbClr val="005828"/>
+                </a:solidFill>
+              </a:rPr>
+              <a:t>inline</a:t>
+            </a:r>
+            <a:r>
+              <a:rPr lang="sr-Latn-RS" dirty="0">
+                <a:solidFill>
+                  <a:srgbClr val="005828"/>
+                </a:solidFill>
+              </a:rPr>
+              <a:t> </a:t>
+            </a:r>
+            <a:r>
+              <a:rPr lang="sr-Latn-RS" dirty="0" smtClean="0"/>
+              <a:t>- </a:t>
+            </a:r>
+            <a:r>
+              <a:rPr lang="sr-Latn-RS" dirty="0"/>
+              <a:t>element se prikazuje kao linijski element; </a:t>
+            </a:r>
+            <a:r>
+              <a:rPr lang="sr-Latn-RS" dirty="0" smtClean="0"/>
+              <a:t>može </a:t>
+            </a:r>
+            <a:r>
+              <a:rPr lang="sr-Latn-RS" dirty="0"/>
+              <a:t>se </a:t>
+            </a:r>
+            <a:r>
+              <a:rPr lang="sr-Latn-RS" dirty="0" smtClean="0"/>
+              <a:t>podešavati okvir</a:t>
+            </a:r>
+            <a:r>
+              <a:rPr lang="sr-Latn-RS" dirty="0"/>
+              <a:t>, margine, visina, ali ne i š</a:t>
+            </a:r>
+            <a:r>
+              <a:rPr lang="sr-Latn-RS" dirty="0" smtClean="0"/>
+              <a:t>irina</a:t>
+            </a:r>
+            <a:r>
+              <a:rPr lang="sr-Latn-RS" dirty="0"/>
+              <a:t>; </a:t>
+            </a:r>
+            <a:endParaRPr lang="sr-Latn-RS" dirty="0" smtClean="0"/>
+          </a:p>
+          <a:p>
+            <a:pPr lvl="2"/>
+            <a:r>
+              <a:rPr lang="sr-Latn-RS" dirty="0" smtClean="0"/>
+              <a:t>visina </a:t>
+            </a:r>
+            <a:r>
+              <a:rPr lang="sr-Latn-RS" dirty="0"/>
+              <a:t>se postavlja </a:t>
+            </a:r>
+            <a:r>
+              <a:rPr lang="sr-Latn-RS" dirty="0" smtClean="0"/>
+              <a:t>svojstvom </a:t>
+            </a:r>
+            <a:r>
+              <a:rPr lang="it-IT" dirty="0" smtClean="0">
+                <a:solidFill>
+                  <a:srgbClr val="002060"/>
+                </a:solidFill>
+              </a:rPr>
+              <a:t>line-</a:t>
+            </a:r>
+            <a:r>
+              <a:rPr lang="it-IT" dirty="0" err="1" smtClean="0">
+                <a:solidFill>
+                  <a:srgbClr val="002060"/>
+                </a:solidFill>
+              </a:rPr>
+              <a:t>height</a:t>
+            </a:r>
+            <a:r>
+              <a:rPr lang="it-IT" dirty="0"/>
+              <a:t>; ima </a:t>
+            </a:r>
+            <a:r>
+              <a:rPr lang="it-IT" dirty="0" err="1"/>
+              <a:t>smisla</a:t>
+            </a:r>
+            <a:r>
+              <a:rPr lang="it-IT" dirty="0"/>
+              <a:t> </a:t>
+            </a:r>
+            <a:r>
+              <a:rPr lang="it-IT" dirty="0" err="1" smtClean="0"/>
+              <a:t>pode</a:t>
+            </a:r>
+            <a:r>
+              <a:rPr lang="sr-Latn-RS" dirty="0" smtClean="0"/>
+              <a:t>š</a:t>
+            </a:r>
+            <a:r>
+              <a:rPr lang="it-IT" dirty="0" err="1" smtClean="0"/>
+              <a:t>avati</a:t>
+            </a:r>
+            <a:r>
+              <a:rPr lang="it-IT" dirty="0" smtClean="0"/>
+              <a:t> </a:t>
+            </a:r>
+            <a:r>
+              <a:rPr lang="it-IT" dirty="0" err="1"/>
+              <a:t>samo</a:t>
+            </a:r>
+            <a:r>
+              <a:rPr lang="it-IT" dirty="0"/>
+              <a:t> </a:t>
+            </a:r>
+            <a:r>
+              <a:rPr lang="it-IT" dirty="0" err="1"/>
+              <a:t>levu</a:t>
+            </a:r>
+            <a:r>
+              <a:rPr lang="it-IT" dirty="0"/>
+              <a:t> i </a:t>
+            </a:r>
+            <a:r>
+              <a:rPr lang="it-IT" dirty="0" err="1"/>
+              <a:t>desnu</a:t>
+            </a:r>
+            <a:r>
+              <a:rPr lang="it-IT" dirty="0"/>
+              <a:t> </a:t>
+            </a:r>
+            <a:r>
+              <a:rPr lang="it-IT" dirty="0" err="1"/>
+              <a:t>marginu</a:t>
+            </a:r>
+            <a:r>
+              <a:rPr lang="it-IT" dirty="0"/>
+              <a:t> </a:t>
+            </a:r>
+            <a:r>
+              <a:rPr lang="it-IT" dirty="0" err="1"/>
+              <a:t>jer</a:t>
+            </a:r>
+            <a:r>
+              <a:rPr lang="it-IT" dirty="0"/>
+              <a:t> </a:t>
+            </a:r>
+            <a:r>
+              <a:rPr lang="it-IT" dirty="0" err="1" smtClean="0"/>
+              <a:t>samo</a:t>
+            </a:r>
+            <a:r>
+              <a:rPr lang="sr-Latn-RS" dirty="0" smtClean="0"/>
+              <a:t> one </a:t>
+            </a:r>
+            <a:r>
+              <a:rPr lang="sr-Latn-RS" dirty="0"/>
+              <a:t>pomeraju okolni </a:t>
+            </a:r>
+            <a:r>
+              <a:rPr lang="sr-Latn-RS" dirty="0" smtClean="0"/>
+              <a:t>sadržaj</a:t>
+            </a:r>
+            <a:endParaRPr lang="sr-Latn-RS" dirty="0"/>
+          </a:p>
+        </p:txBody>
+      </p:sp>
+      <p:pic>
+        <p:nvPicPr>
+          <p:cNvPr id="15362" name="Picture 2"/>
+          <p:cNvPicPr>
+            <a:picLocks noChangeAspect="1" noChangeArrowheads="1"/>
+          </p:cNvPicPr>
+          <p:nvPr/>
+        </p:nvPicPr>
+        <p:blipFill rotWithShape="1">
+          <a:blip r:embed="rId2">
+            <a:extLst>
+              <a:ext uri="{28A0092B-C50C-407E-A947-70E740481C1C}">
+                <a14:useLocalDpi xmlns:a14="http://schemas.microsoft.com/office/drawing/2010/main" val="0"/>
+              </a:ext>
+            </a:extLst>
+          </a:blip>
+          <a:srcRect l="1392" r="1692" b="20986"/>
+          <a:stretch/>
+        </p:blipFill>
+        <p:spPr bwMode="auto">
+          <a:xfrm>
+            <a:off x="2195736" y="4773112"/>
+            <a:ext cx="4562856" cy="1536208"/>
+          </a:xfrm>
+          <a:prstGeom prst="rect">
+            <a:avLst/>
+          </a:prstGeom>
+          <a:noFill/>
+          <a:ln>
+            <a:noFill/>
+          </a:ln>
+          <a:extLst>
+            <a:ext uri="{909E8E84-426E-40DD-AFC4-6F175D3DCCD1}">
+              <a14:hiddenFill xmlns:a14="http://schemas.microsoft.com/office/drawing/2010/main">
+                <a:solidFill>
+                  <a:schemeClr val="accent1"/>
+                </a:solidFill>
+              </a14:hiddenFill>
+            </a:ext>
+            <a:ext uri="{91240B29-F687-4F45-9708-019B960494DF}">
+              <a14:hiddenLine xmlns:a14="http://schemas.microsoft.com/office/drawing/2010/main" w="9525">
+                <a:solidFill>
+                  <a:schemeClr val="tx1"/>
+                </a:solidFill>
+                <a:miter lim="800000"/>
+                <a:headEnd/>
+                <a:tailEnd/>
+              </a14:hiddenLine>
+            </a:ext>
+          </a:extLst>
+        </p:spPr>
+      </p:pic>
+    </p:spTree>
+    <p:extLst>
+      <p:ext uri="{BB962C8B-B14F-4D97-AF65-F5344CB8AC3E}">
+        <p14:creationId xmlns:p14="http://schemas.microsoft.com/office/powerpoint/2010/main" val="4264709522"/>
+      </p:ext>
+    </p:extLst>
+  </p:cSld>
+  <p:clrMapOvr>
+    <a:masterClrMapping/>
+  </p:clrMapOvr>
+  <p:timing>
+    <p:tnLst>
+      <p:par>
+        <p:cTn id="1" dur="indefinite" restart="never" nodeType="tmRoot"/>
+      </p:par>
+    </p:tnLst>
+  </p:timing>
+</p:sld>
+</file>
+
+<file path=ppt/slides/slide42.xml><?xml version="1.0" encoding="utf-8"?>
+<p:sld xmlns:a="http://schemas.openxmlformats.org/drawingml/2006/main" xmlns:r="http://schemas.openxmlformats.org/officeDocument/2006/relationships" xmlns:p="http://schemas.openxmlformats.org/presentationml/2006/main">
+  <p:cSld>
+    <p:spTree>
+      <p:nvGrpSpPr>
+        <p:cNvPr id="1" name=""/>
+        <p:cNvGrpSpPr/>
+        <p:nvPr/>
+      </p:nvGrpSpPr>
+      <p:grpSpPr>
+        <a:xfrm>
+          <a:off x="0" y="0"/>
+          <a:ext cx="0" cy="0"/>
+          <a:chOff x="0" y="0"/>
+          <a:chExt cx="0" cy="0"/>
+        </a:xfrm>
+      </p:grpSpPr>
+      <p:sp>
+        <p:nvSpPr>
+          <p:cNvPr id="92162" name="Rectangle 2"/>
+          <p:cNvSpPr>
+            <a:spLocks noGrp="1" noChangeArrowheads="1"/>
+          </p:cNvSpPr>
+          <p:nvPr>
+            <p:ph type="title"/>
+          </p:nvPr>
+        </p:nvSpPr>
+        <p:spPr/>
+        <p:txBody>
+          <a:bodyPr/>
+          <a:lstStyle/>
+          <a:p>
+            <a:r>
+              <a:rPr lang="sr-Latn-RS" dirty="0" smtClean="0"/>
+              <a:t>Prikaz (3)</a:t>
+            </a:r>
+            <a:endParaRPr lang="sr-Latn-RS" dirty="0"/>
+          </a:p>
+        </p:txBody>
+      </p:sp>
+      <p:sp>
+        <p:nvSpPr>
+          <p:cNvPr id="92163" name="Rectangle 3"/>
+          <p:cNvSpPr>
+            <a:spLocks noGrp="1" noChangeArrowheads="1"/>
+          </p:cNvSpPr>
+          <p:nvPr>
+            <p:ph idx="1"/>
+          </p:nvPr>
+        </p:nvSpPr>
+        <p:spPr>
+          <a:xfrm>
+            <a:off x="457200" y="1600200"/>
+            <a:ext cx="8579296" cy="4853136"/>
+          </a:xfrm>
+        </p:spPr>
+        <p:txBody>
+          <a:bodyPr/>
+          <a:lstStyle/>
+          <a:p>
+            <a:r>
+              <a:rPr lang="sr-Latn-RS" dirty="0"/>
+              <a:t>Svojstvo </a:t>
+            </a:r>
+            <a:r>
+              <a:rPr lang="sr-Latn-RS" dirty="0" err="1">
+                <a:solidFill>
+                  <a:srgbClr val="002060"/>
+                </a:solidFill>
+              </a:rPr>
+              <a:t>display</a:t>
+            </a:r>
+            <a:r>
+              <a:rPr lang="sr-Latn-RS" dirty="0">
+                <a:solidFill>
+                  <a:srgbClr val="002060"/>
+                </a:solidFill>
+              </a:rPr>
+              <a:t> </a:t>
+            </a:r>
+            <a:r>
+              <a:rPr lang="sr-Latn-RS" dirty="0" err="1"/>
+              <a:t>moze</a:t>
+            </a:r>
+            <a:r>
+              <a:rPr lang="sr-Latn-RS" dirty="0"/>
+              <a:t> imati </a:t>
+            </a:r>
+            <a:r>
+              <a:rPr lang="sr-Latn-RS" dirty="0" err="1"/>
+              <a:t>razlicite</a:t>
+            </a:r>
+            <a:r>
+              <a:rPr lang="sr-Latn-RS" dirty="0"/>
+              <a:t> vrednosti:</a:t>
+            </a:r>
+          </a:p>
+          <a:p>
+            <a:pPr lvl="1"/>
+            <a:r>
+              <a:rPr lang="sr-Latn-RS" dirty="0" err="1">
+                <a:solidFill>
+                  <a:srgbClr val="005828"/>
+                </a:solidFill>
+              </a:rPr>
+              <a:t>inline</a:t>
+            </a:r>
+            <a:r>
+              <a:rPr lang="sr-Latn-RS" dirty="0">
+                <a:solidFill>
+                  <a:srgbClr val="005828"/>
+                </a:solidFill>
+              </a:rPr>
+              <a:t>-</a:t>
+            </a:r>
+            <a:r>
+              <a:rPr lang="sr-Latn-RS" dirty="0" err="1">
+                <a:solidFill>
+                  <a:srgbClr val="005828"/>
+                </a:solidFill>
+              </a:rPr>
+              <a:t>block</a:t>
+            </a:r>
+            <a:r>
+              <a:rPr lang="sr-Latn-RS" dirty="0">
+                <a:solidFill>
+                  <a:srgbClr val="005828"/>
+                </a:solidFill>
+              </a:rPr>
+              <a:t> </a:t>
+            </a:r>
+            <a:r>
+              <a:rPr lang="sr-Latn-RS" dirty="0" smtClean="0"/>
+              <a:t>- </a:t>
+            </a:r>
+            <a:r>
+              <a:rPr lang="sr-Latn-RS" dirty="0"/>
+              <a:t>element se prikazuje kao linijski blok element; ne prostire </a:t>
+            </a:r>
+            <a:r>
+              <a:rPr lang="sr-Latn-RS" dirty="0" smtClean="0"/>
+              <a:t>se celom širinom</a:t>
+            </a:r>
+            <a:r>
+              <a:rPr lang="sr-Latn-RS" dirty="0"/>
+              <a:t>, ali mu se mogu </a:t>
+            </a:r>
+            <a:r>
+              <a:rPr lang="sr-Latn-RS" dirty="0" smtClean="0"/>
+              <a:t>pode</a:t>
+            </a:r>
+            <a:r>
+              <a:rPr lang="sr-Latn-RS" dirty="0"/>
+              <a:t>š</a:t>
+            </a:r>
+            <a:r>
+              <a:rPr lang="sr-Latn-RS" dirty="0" smtClean="0"/>
+              <a:t>avati </a:t>
+            </a:r>
+            <a:r>
+              <a:rPr lang="sr-Latn-RS" dirty="0"/>
+              <a:t>i š</a:t>
+            </a:r>
+            <a:r>
+              <a:rPr lang="sr-Latn-RS" dirty="0" smtClean="0"/>
+              <a:t>irina </a:t>
+            </a:r>
+            <a:r>
+              <a:rPr lang="sr-Latn-RS" dirty="0"/>
+              <a:t>i visina i </a:t>
+            </a:r>
+            <a:r>
+              <a:rPr lang="sr-Latn-RS" dirty="0" smtClean="0"/>
+              <a:t>margine</a:t>
+            </a:r>
+          </a:p>
+          <a:p>
+            <a:r>
+              <a:rPr lang="sr-Latn-RS" dirty="0"/>
+              <a:t>Primer:</a:t>
+            </a:r>
+            <a:br>
+              <a:rPr lang="sr-Latn-RS" dirty="0"/>
+            </a:br>
+            <a:r>
+              <a:rPr lang="sr-Latn-RS" sz="1600" b="1" dirty="0">
+                <a:solidFill>
+                  <a:srgbClr val="005828"/>
+                </a:solidFill>
+                <a:latin typeface="Courier New" panose="02070309020205020404" pitchFamily="49" charset="0"/>
+                <a:cs typeface="Courier New" panose="02070309020205020404" pitchFamily="49" charset="0"/>
+              </a:rPr>
+              <a:t>div { </a:t>
+            </a:r>
+            <a:r>
+              <a:rPr lang="sr-Latn-RS" sz="1600" b="1" dirty="0" err="1">
+                <a:solidFill>
+                  <a:srgbClr val="005828"/>
+                </a:solidFill>
+                <a:latin typeface="Courier New" panose="02070309020205020404" pitchFamily="49" charset="0"/>
+                <a:cs typeface="Courier New" panose="02070309020205020404" pitchFamily="49" charset="0"/>
+              </a:rPr>
+              <a:t>border</a:t>
+            </a:r>
+            <a:r>
+              <a:rPr lang="sr-Latn-RS" sz="1600" b="1" dirty="0">
+                <a:solidFill>
+                  <a:srgbClr val="005828"/>
+                </a:solidFill>
+                <a:latin typeface="Courier New" panose="02070309020205020404" pitchFamily="49" charset="0"/>
+                <a:cs typeface="Courier New" panose="02070309020205020404" pitchFamily="49" charset="0"/>
+              </a:rPr>
+              <a:t>: 1px solid red; </a:t>
+            </a:r>
+            <a:r>
+              <a:rPr lang="sr-Latn-RS" sz="1600" b="1" dirty="0" smtClean="0">
+                <a:solidFill>
+                  <a:srgbClr val="005828"/>
+                </a:solidFill>
+                <a:latin typeface="Courier New" panose="02070309020205020404" pitchFamily="49" charset="0"/>
+                <a:cs typeface="Courier New" panose="02070309020205020404" pitchFamily="49" charset="0"/>
+              </a:rPr>
+              <a:t>}</a:t>
+            </a:r>
+            <a:br>
+              <a:rPr lang="sr-Latn-RS" sz="1600" b="1" dirty="0" smtClean="0">
+                <a:solidFill>
+                  <a:srgbClr val="005828"/>
+                </a:solidFill>
+                <a:latin typeface="Courier New" panose="02070309020205020404" pitchFamily="49" charset="0"/>
+                <a:cs typeface="Courier New" panose="02070309020205020404" pitchFamily="49" charset="0"/>
+              </a:rPr>
+            </a:br>
+            <a:r>
+              <a:rPr lang="sr-Latn-RS" sz="1600" b="1" dirty="0" err="1" smtClean="0">
+                <a:solidFill>
+                  <a:srgbClr val="005828"/>
+                </a:solidFill>
+                <a:latin typeface="Courier New" panose="02070309020205020404" pitchFamily="49" charset="0"/>
+                <a:cs typeface="Courier New" panose="02070309020205020404" pitchFamily="49" charset="0"/>
+              </a:rPr>
+              <a:t>div.inblock</a:t>
+            </a:r>
+            <a:r>
+              <a:rPr lang="sr-Latn-RS" sz="1600" b="1" dirty="0" smtClean="0">
+                <a:solidFill>
+                  <a:srgbClr val="005828"/>
+                </a:solidFill>
+                <a:latin typeface="Courier New" panose="02070309020205020404" pitchFamily="49" charset="0"/>
+                <a:cs typeface="Courier New" panose="02070309020205020404" pitchFamily="49" charset="0"/>
+              </a:rPr>
+              <a:t> {</a:t>
+            </a:r>
+            <a:br>
+              <a:rPr lang="sr-Latn-RS" sz="1600" b="1" dirty="0" smtClean="0">
+                <a:solidFill>
+                  <a:srgbClr val="005828"/>
+                </a:solidFill>
+                <a:latin typeface="Courier New" panose="02070309020205020404" pitchFamily="49" charset="0"/>
+                <a:cs typeface="Courier New" panose="02070309020205020404" pitchFamily="49" charset="0"/>
+              </a:rPr>
+            </a:br>
+            <a:r>
+              <a:rPr lang="sr-Latn-RS" sz="1600" b="1" dirty="0" err="1" smtClean="0">
+                <a:solidFill>
+                  <a:srgbClr val="005828"/>
+                </a:solidFill>
+                <a:latin typeface="Courier New" panose="02070309020205020404" pitchFamily="49" charset="0"/>
+                <a:cs typeface="Courier New" panose="02070309020205020404" pitchFamily="49" charset="0"/>
+              </a:rPr>
+              <a:t>display</a:t>
+            </a:r>
+            <a:r>
+              <a:rPr lang="sr-Latn-RS" sz="1600" b="1" dirty="0">
+                <a:solidFill>
+                  <a:srgbClr val="005828"/>
+                </a:solidFill>
+                <a:latin typeface="Courier New" panose="02070309020205020404" pitchFamily="49" charset="0"/>
+                <a:cs typeface="Courier New" panose="02070309020205020404" pitchFamily="49" charset="0"/>
+              </a:rPr>
+              <a:t>: </a:t>
+            </a:r>
+            <a:r>
+              <a:rPr lang="sr-Latn-RS" sz="1600" b="1" dirty="0" err="1" smtClean="0">
+                <a:solidFill>
+                  <a:srgbClr val="005828"/>
+                </a:solidFill>
+                <a:latin typeface="Courier New" panose="02070309020205020404" pitchFamily="49" charset="0"/>
+                <a:cs typeface="Courier New" panose="02070309020205020404" pitchFamily="49" charset="0"/>
+              </a:rPr>
+              <a:t>inline</a:t>
+            </a:r>
+            <a:r>
+              <a:rPr lang="sr-Latn-RS" sz="1600" b="1" dirty="0" smtClean="0">
+                <a:solidFill>
+                  <a:srgbClr val="005828"/>
+                </a:solidFill>
+                <a:latin typeface="Courier New" panose="02070309020205020404" pitchFamily="49" charset="0"/>
+                <a:cs typeface="Courier New" panose="02070309020205020404" pitchFamily="49" charset="0"/>
+              </a:rPr>
+              <a:t>-</a:t>
+            </a:r>
+            <a:r>
+              <a:rPr lang="sr-Latn-RS" sz="1600" b="1" dirty="0" err="1" smtClean="0">
+                <a:solidFill>
+                  <a:srgbClr val="005828"/>
+                </a:solidFill>
+                <a:latin typeface="Courier New" panose="02070309020205020404" pitchFamily="49" charset="0"/>
+                <a:cs typeface="Courier New" panose="02070309020205020404" pitchFamily="49" charset="0"/>
+              </a:rPr>
+              <a:t>block</a:t>
+            </a:r>
+            <a:r>
+              <a:rPr lang="sr-Latn-RS" sz="1600" b="1" dirty="0" smtClean="0">
+                <a:solidFill>
+                  <a:srgbClr val="005828"/>
+                </a:solidFill>
+                <a:latin typeface="Courier New" panose="02070309020205020404" pitchFamily="49" charset="0"/>
+                <a:cs typeface="Courier New" panose="02070309020205020404" pitchFamily="49" charset="0"/>
+              </a:rPr>
+              <a:t>;</a:t>
+            </a:r>
+            <a:br>
+              <a:rPr lang="sr-Latn-RS" sz="1600" b="1" dirty="0" smtClean="0">
+                <a:solidFill>
+                  <a:srgbClr val="005828"/>
+                </a:solidFill>
+                <a:latin typeface="Courier New" panose="02070309020205020404" pitchFamily="49" charset="0"/>
+                <a:cs typeface="Courier New" panose="02070309020205020404" pitchFamily="49" charset="0"/>
+              </a:rPr>
+            </a:br>
+            <a:r>
+              <a:rPr lang="sr-Latn-RS" sz="1600" b="1" dirty="0" err="1" smtClean="0">
+                <a:solidFill>
+                  <a:srgbClr val="005828"/>
+                </a:solidFill>
+                <a:latin typeface="Courier New" panose="02070309020205020404" pitchFamily="49" charset="0"/>
+                <a:cs typeface="Courier New" panose="02070309020205020404" pitchFamily="49" charset="0"/>
+              </a:rPr>
+              <a:t>width</a:t>
+            </a:r>
+            <a:r>
+              <a:rPr lang="sr-Latn-RS" sz="1600" b="1" dirty="0">
+                <a:solidFill>
+                  <a:srgbClr val="005828"/>
+                </a:solidFill>
+                <a:latin typeface="Courier New" panose="02070309020205020404" pitchFamily="49" charset="0"/>
+                <a:cs typeface="Courier New" panose="02070309020205020404" pitchFamily="49" charset="0"/>
+              </a:rPr>
+              <a:t>: 100px; </a:t>
+            </a:r>
+            <a:r>
+              <a:rPr lang="sr-Latn-RS" sz="1600" b="1" dirty="0" err="1">
+                <a:solidFill>
+                  <a:srgbClr val="005828"/>
+                </a:solidFill>
+                <a:latin typeface="Courier New" panose="02070309020205020404" pitchFamily="49" charset="0"/>
+                <a:cs typeface="Courier New" panose="02070309020205020404" pitchFamily="49" charset="0"/>
+              </a:rPr>
+              <a:t>height</a:t>
+            </a:r>
+            <a:r>
+              <a:rPr lang="sr-Latn-RS" sz="1600" b="1" dirty="0">
+                <a:solidFill>
+                  <a:srgbClr val="005828"/>
+                </a:solidFill>
+                <a:latin typeface="Courier New" panose="02070309020205020404" pitchFamily="49" charset="0"/>
+                <a:cs typeface="Courier New" panose="02070309020205020404" pitchFamily="49" charset="0"/>
+              </a:rPr>
+              <a:t>: </a:t>
+            </a:r>
+            <a:r>
+              <a:rPr lang="sr-Latn-RS" sz="1600" b="1" dirty="0" smtClean="0">
+                <a:solidFill>
+                  <a:srgbClr val="005828"/>
+                </a:solidFill>
+                <a:latin typeface="Courier New" panose="02070309020205020404" pitchFamily="49" charset="0"/>
+                <a:cs typeface="Courier New" panose="02070309020205020404" pitchFamily="49" charset="0"/>
+              </a:rPr>
+              <a:t>50px;</a:t>
+            </a:r>
+            <a:br>
+              <a:rPr lang="sr-Latn-RS" sz="1600" b="1" dirty="0" smtClean="0">
+                <a:solidFill>
+                  <a:srgbClr val="005828"/>
+                </a:solidFill>
+                <a:latin typeface="Courier New" panose="02070309020205020404" pitchFamily="49" charset="0"/>
+                <a:cs typeface="Courier New" panose="02070309020205020404" pitchFamily="49" charset="0"/>
+              </a:rPr>
+            </a:br>
+            <a:r>
+              <a:rPr lang="sr-Latn-RS" sz="1600" b="1" dirty="0" smtClean="0">
+                <a:solidFill>
+                  <a:srgbClr val="005828"/>
+                </a:solidFill>
+                <a:latin typeface="Courier New" panose="02070309020205020404" pitchFamily="49" charset="0"/>
+                <a:cs typeface="Courier New" panose="02070309020205020404" pitchFamily="49" charset="0"/>
+              </a:rPr>
+              <a:t>margin</a:t>
+            </a:r>
+            <a:r>
+              <a:rPr lang="sr-Latn-RS" sz="1600" b="1" dirty="0">
+                <a:solidFill>
+                  <a:srgbClr val="005828"/>
+                </a:solidFill>
+                <a:latin typeface="Courier New" panose="02070309020205020404" pitchFamily="49" charset="0"/>
+                <a:cs typeface="Courier New" panose="02070309020205020404" pitchFamily="49" charset="0"/>
+              </a:rPr>
+              <a:t>: 10px</a:t>
+            </a:r>
+            <a:r>
+              <a:rPr lang="sr-Latn-RS" sz="1600" b="1" dirty="0" smtClean="0">
+                <a:solidFill>
+                  <a:srgbClr val="005828"/>
+                </a:solidFill>
+                <a:latin typeface="Courier New" panose="02070309020205020404" pitchFamily="49" charset="0"/>
+                <a:cs typeface="Courier New" panose="02070309020205020404" pitchFamily="49" charset="0"/>
+              </a:rPr>
+              <a:t>;</a:t>
+            </a:r>
+            <a:br>
+              <a:rPr lang="sr-Latn-RS" sz="1600" b="1" dirty="0" smtClean="0">
+                <a:solidFill>
+                  <a:srgbClr val="005828"/>
+                </a:solidFill>
+                <a:latin typeface="Courier New" panose="02070309020205020404" pitchFamily="49" charset="0"/>
+                <a:cs typeface="Courier New" panose="02070309020205020404" pitchFamily="49" charset="0"/>
+              </a:rPr>
+            </a:br>
+            <a:r>
+              <a:rPr lang="sr-Latn-RS" sz="1600" b="1" dirty="0" smtClean="0">
+                <a:solidFill>
+                  <a:srgbClr val="005828"/>
+                </a:solidFill>
+                <a:latin typeface="Courier New" panose="02070309020205020404" pitchFamily="49" charset="0"/>
+                <a:cs typeface="Courier New" panose="02070309020205020404" pitchFamily="49" charset="0"/>
+              </a:rPr>
+              <a:t>}</a:t>
+            </a:r>
+            <a:r>
+              <a:rPr lang="sr-Latn-RS" sz="1600" b="1" dirty="0">
+                <a:solidFill>
+                  <a:srgbClr val="005828"/>
+                </a:solidFill>
+                <a:latin typeface="Courier New" panose="02070309020205020404" pitchFamily="49" charset="0"/>
+                <a:cs typeface="Courier New" panose="02070309020205020404" pitchFamily="49" charset="0"/>
+              </a:rPr>
+              <a:t/>
+            </a:r>
+            <a:br>
+              <a:rPr lang="sr-Latn-RS" sz="1600" b="1" dirty="0">
+                <a:solidFill>
+                  <a:srgbClr val="005828"/>
+                </a:solidFill>
+                <a:latin typeface="Courier New" panose="02070309020205020404" pitchFamily="49" charset="0"/>
+                <a:cs typeface="Courier New" panose="02070309020205020404" pitchFamily="49" charset="0"/>
+              </a:rPr>
+            </a:br>
+            <a:r>
+              <a:rPr lang="sr-Latn-RS" sz="1600" b="1" dirty="0" smtClean="0">
+                <a:solidFill>
+                  <a:srgbClr val="005828"/>
+                </a:solidFill>
+                <a:latin typeface="Courier New" panose="02070309020205020404" pitchFamily="49" charset="0"/>
+                <a:cs typeface="Courier New" panose="02070309020205020404" pitchFamily="49" charset="0"/>
+              </a:rPr>
+              <a:t>&lt;</a:t>
+            </a:r>
+            <a:r>
+              <a:rPr lang="sr-Latn-RS" sz="1600" b="1" dirty="0">
+                <a:solidFill>
+                  <a:srgbClr val="005828"/>
+                </a:solidFill>
+                <a:latin typeface="Courier New" panose="02070309020205020404" pitchFamily="49" charset="0"/>
+                <a:cs typeface="Courier New" panose="02070309020205020404" pitchFamily="49" charset="0"/>
+              </a:rPr>
+              <a:t>div&gt;Ispred&lt;/div</a:t>
+            </a:r>
+            <a:r>
+              <a:rPr lang="sr-Latn-RS" sz="1600" b="1" dirty="0" smtClean="0">
+                <a:solidFill>
+                  <a:srgbClr val="005828"/>
+                </a:solidFill>
+                <a:latin typeface="Courier New" panose="02070309020205020404" pitchFamily="49" charset="0"/>
+                <a:cs typeface="Courier New" panose="02070309020205020404" pitchFamily="49" charset="0"/>
+              </a:rPr>
+              <a:t>&gt;</a:t>
+            </a:r>
+            <a:br>
+              <a:rPr lang="sr-Latn-RS" sz="1600" b="1" dirty="0" smtClean="0">
+                <a:solidFill>
+                  <a:srgbClr val="005828"/>
+                </a:solidFill>
+                <a:latin typeface="Courier New" panose="02070309020205020404" pitchFamily="49" charset="0"/>
+                <a:cs typeface="Courier New" panose="02070309020205020404" pitchFamily="49" charset="0"/>
+              </a:rPr>
+            </a:br>
+            <a:r>
+              <a:rPr lang="sr-Latn-RS" sz="1600" b="1" dirty="0" smtClean="0">
+                <a:solidFill>
+                  <a:srgbClr val="005828"/>
+                </a:solidFill>
+                <a:latin typeface="Courier New" panose="02070309020205020404" pitchFamily="49" charset="0"/>
+                <a:cs typeface="Courier New" panose="02070309020205020404" pitchFamily="49" charset="0"/>
+              </a:rPr>
+              <a:t>&lt;</a:t>
+            </a:r>
+            <a:r>
+              <a:rPr lang="sr-Latn-RS" sz="1600" b="1" dirty="0">
+                <a:solidFill>
+                  <a:srgbClr val="005828"/>
+                </a:solidFill>
+                <a:latin typeface="Courier New" panose="02070309020205020404" pitchFamily="49" charset="0"/>
+                <a:cs typeface="Courier New" panose="02070309020205020404" pitchFamily="49" charset="0"/>
+              </a:rPr>
+              <a:t>div </a:t>
+            </a:r>
+            <a:r>
+              <a:rPr lang="sr-Latn-RS" sz="1600" b="1" dirty="0" err="1">
+                <a:solidFill>
+                  <a:srgbClr val="005828"/>
+                </a:solidFill>
+                <a:latin typeface="Courier New" panose="02070309020205020404" pitchFamily="49" charset="0"/>
+                <a:cs typeface="Courier New" panose="02070309020205020404" pitchFamily="49" charset="0"/>
+              </a:rPr>
+              <a:t>class</a:t>
+            </a:r>
+            <a:r>
+              <a:rPr lang="sr-Latn-RS" sz="1600" b="1" dirty="0">
+                <a:solidFill>
+                  <a:srgbClr val="005828"/>
+                </a:solidFill>
+                <a:latin typeface="Courier New" panose="02070309020205020404" pitchFamily="49" charset="0"/>
+                <a:cs typeface="Courier New" panose="02070309020205020404" pitchFamily="49" charset="0"/>
+              </a:rPr>
+              <a:t>="</a:t>
+            </a:r>
+            <a:r>
+              <a:rPr lang="sr-Latn-RS" sz="1600" b="1" dirty="0" err="1">
+                <a:solidFill>
+                  <a:srgbClr val="005828"/>
+                </a:solidFill>
+                <a:latin typeface="Courier New" panose="02070309020205020404" pitchFamily="49" charset="0"/>
+                <a:cs typeface="Courier New" panose="02070309020205020404" pitchFamily="49" charset="0"/>
+              </a:rPr>
+              <a:t>inblock</a:t>
+            </a:r>
+            <a:r>
+              <a:rPr lang="sr-Latn-RS" sz="1600" b="1" dirty="0">
+                <a:solidFill>
+                  <a:srgbClr val="005828"/>
+                </a:solidFill>
+                <a:latin typeface="Courier New" panose="02070309020205020404" pitchFamily="49" charset="0"/>
+                <a:cs typeface="Courier New" panose="02070309020205020404" pitchFamily="49" charset="0"/>
+              </a:rPr>
+              <a:t>"&gt;1&lt;/div</a:t>
+            </a:r>
+            <a:r>
+              <a:rPr lang="sr-Latn-RS" sz="1600" b="1" dirty="0" smtClean="0">
+                <a:solidFill>
+                  <a:srgbClr val="005828"/>
+                </a:solidFill>
+                <a:latin typeface="Courier New" panose="02070309020205020404" pitchFamily="49" charset="0"/>
+                <a:cs typeface="Courier New" panose="02070309020205020404" pitchFamily="49" charset="0"/>
+              </a:rPr>
+              <a:t>&gt;</a:t>
+            </a:r>
+            <a:br>
+              <a:rPr lang="sr-Latn-RS" sz="1600" b="1" dirty="0" smtClean="0">
+                <a:solidFill>
+                  <a:srgbClr val="005828"/>
+                </a:solidFill>
+                <a:latin typeface="Courier New" panose="02070309020205020404" pitchFamily="49" charset="0"/>
+                <a:cs typeface="Courier New" panose="02070309020205020404" pitchFamily="49" charset="0"/>
+              </a:rPr>
+            </a:br>
+            <a:r>
+              <a:rPr lang="sr-Latn-RS" sz="1600" b="1" dirty="0" smtClean="0">
+                <a:solidFill>
+                  <a:srgbClr val="005828"/>
+                </a:solidFill>
+                <a:latin typeface="Courier New" panose="02070309020205020404" pitchFamily="49" charset="0"/>
+                <a:cs typeface="Courier New" panose="02070309020205020404" pitchFamily="49" charset="0"/>
+              </a:rPr>
+              <a:t>&lt;</a:t>
+            </a:r>
+            <a:r>
+              <a:rPr lang="sr-Latn-RS" sz="1600" b="1" dirty="0">
+                <a:solidFill>
+                  <a:srgbClr val="005828"/>
+                </a:solidFill>
+                <a:latin typeface="Courier New" panose="02070309020205020404" pitchFamily="49" charset="0"/>
+                <a:cs typeface="Courier New" panose="02070309020205020404" pitchFamily="49" charset="0"/>
+              </a:rPr>
+              <a:t>div </a:t>
+            </a:r>
+            <a:r>
+              <a:rPr lang="sr-Latn-RS" sz="1600" b="1" dirty="0" err="1">
+                <a:solidFill>
+                  <a:srgbClr val="005828"/>
+                </a:solidFill>
+                <a:latin typeface="Courier New" panose="02070309020205020404" pitchFamily="49" charset="0"/>
+                <a:cs typeface="Courier New" panose="02070309020205020404" pitchFamily="49" charset="0"/>
+              </a:rPr>
+              <a:t>class</a:t>
+            </a:r>
+            <a:r>
+              <a:rPr lang="sr-Latn-RS" sz="1600" b="1" dirty="0">
+                <a:solidFill>
+                  <a:srgbClr val="005828"/>
+                </a:solidFill>
+                <a:latin typeface="Courier New" panose="02070309020205020404" pitchFamily="49" charset="0"/>
+                <a:cs typeface="Courier New" panose="02070309020205020404" pitchFamily="49" charset="0"/>
+              </a:rPr>
+              <a:t>="</a:t>
+            </a:r>
+            <a:r>
+              <a:rPr lang="sr-Latn-RS" sz="1600" b="1" dirty="0" err="1">
+                <a:solidFill>
+                  <a:srgbClr val="005828"/>
+                </a:solidFill>
+                <a:latin typeface="Courier New" panose="02070309020205020404" pitchFamily="49" charset="0"/>
+                <a:cs typeface="Courier New" panose="02070309020205020404" pitchFamily="49" charset="0"/>
+              </a:rPr>
+              <a:t>inblock</a:t>
+            </a:r>
+            <a:r>
+              <a:rPr lang="sr-Latn-RS" sz="1600" b="1" dirty="0">
+                <a:solidFill>
+                  <a:srgbClr val="005828"/>
+                </a:solidFill>
+                <a:latin typeface="Courier New" panose="02070309020205020404" pitchFamily="49" charset="0"/>
+                <a:cs typeface="Courier New" panose="02070309020205020404" pitchFamily="49" charset="0"/>
+              </a:rPr>
+              <a:t>"&gt;2&lt;/div</a:t>
+            </a:r>
+            <a:r>
+              <a:rPr lang="sr-Latn-RS" sz="1600" b="1" dirty="0" smtClean="0">
+                <a:solidFill>
+                  <a:srgbClr val="005828"/>
+                </a:solidFill>
+                <a:latin typeface="Courier New" panose="02070309020205020404" pitchFamily="49" charset="0"/>
+                <a:cs typeface="Courier New" panose="02070309020205020404" pitchFamily="49" charset="0"/>
+              </a:rPr>
+              <a:t>&gt;</a:t>
+            </a:r>
+            <a:br>
+              <a:rPr lang="sr-Latn-RS" sz="1600" b="1" dirty="0" smtClean="0">
+                <a:solidFill>
+                  <a:srgbClr val="005828"/>
+                </a:solidFill>
+                <a:latin typeface="Courier New" panose="02070309020205020404" pitchFamily="49" charset="0"/>
+                <a:cs typeface="Courier New" panose="02070309020205020404" pitchFamily="49" charset="0"/>
+              </a:rPr>
+            </a:br>
+            <a:r>
+              <a:rPr lang="sr-Latn-RS" sz="1600" b="1" dirty="0" smtClean="0">
+                <a:solidFill>
+                  <a:srgbClr val="005828"/>
+                </a:solidFill>
+                <a:latin typeface="Courier New" panose="02070309020205020404" pitchFamily="49" charset="0"/>
+                <a:cs typeface="Courier New" panose="02070309020205020404" pitchFamily="49" charset="0"/>
+              </a:rPr>
+              <a:t>&lt;</a:t>
+            </a:r>
+            <a:r>
+              <a:rPr lang="sr-Latn-RS" sz="1600" b="1" dirty="0">
+                <a:solidFill>
+                  <a:srgbClr val="005828"/>
+                </a:solidFill>
+                <a:latin typeface="Courier New" panose="02070309020205020404" pitchFamily="49" charset="0"/>
+                <a:cs typeface="Courier New" panose="02070309020205020404" pitchFamily="49" charset="0"/>
+              </a:rPr>
+              <a:t>div </a:t>
+            </a:r>
+            <a:r>
+              <a:rPr lang="sr-Latn-RS" sz="1600" b="1" dirty="0" err="1">
+                <a:solidFill>
+                  <a:srgbClr val="005828"/>
+                </a:solidFill>
+                <a:latin typeface="Courier New" panose="02070309020205020404" pitchFamily="49" charset="0"/>
+                <a:cs typeface="Courier New" panose="02070309020205020404" pitchFamily="49" charset="0"/>
+              </a:rPr>
+              <a:t>class</a:t>
+            </a:r>
+            <a:r>
+              <a:rPr lang="sr-Latn-RS" sz="1600" b="1" dirty="0">
+                <a:solidFill>
+                  <a:srgbClr val="005828"/>
+                </a:solidFill>
+                <a:latin typeface="Courier New" panose="02070309020205020404" pitchFamily="49" charset="0"/>
+                <a:cs typeface="Courier New" panose="02070309020205020404" pitchFamily="49" charset="0"/>
+              </a:rPr>
+              <a:t>="</a:t>
+            </a:r>
+            <a:r>
+              <a:rPr lang="sr-Latn-RS" sz="1600" b="1" dirty="0" err="1">
+                <a:solidFill>
+                  <a:srgbClr val="005828"/>
+                </a:solidFill>
+                <a:latin typeface="Courier New" panose="02070309020205020404" pitchFamily="49" charset="0"/>
+                <a:cs typeface="Courier New" panose="02070309020205020404" pitchFamily="49" charset="0"/>
+              </a:rPr>
+              <a:t>inblock</a:t>
+            </a:r>
+            <a:r>
+              <a:rPr lang="sr-Latn-RS" sz="1600" b="1" dirty="0">
+                <a:solidFill>
+                  <a:srgbClr val="005828"/>
+                </a:solidFill>
+                <a:latin typeface="Courier New" panose="02070309020205020404" pitchFamily="49" charset="0"/>
+                <a:cs typeface="Courier New" panose="02070309020205020404" pitchFamily="49" charset="0"/>
+              </a:rPr>
+              <a:t>"&gt;3&lt;/div</a:t>
+            </a:r>
+            <a:r>
+              <a:rPr lang="sr-Latn-RS" sz="1600" b="1" dirty="0" smtClean="0">
+                <a:solidFill>
+                  <a:srgbClr val="005828"/>
+                </a:solidFill>
+                <a:latin typeface="Courier New" panose="02070309020205020404" pitchFamily="49" charset="0"/>
+                <a:cs typeface="Courier New" panose="02070309020205020404" pitchFamily="49" charset="0"/>
+              </a:rPr>
+              <a:t>&gt;</a:t>
+            </a:r>
+            <a:br>
+              <a:rPr lang="sr-Latn-RS" sz="1600" b="1" dirty="0" smtClean="0">
+                <a:solidFill>
+                  <a:srgbClr val="005828"/>
+                </a:solidFill>
+                <a:latin typeface="Courier New" panose="02070309020205020404" pitchFamily="49" charset="0"/>
+                <a:cs typeface="Courier New" panose="02070309020205020404" pitchFamily="49" charset="0"/>
+              </a:rPr>
+            </a:br>
+            <a:r>
+              <a:rPr lang="sr-Latn-RS" sz="1600" b="1" dirty="0" smtClean="0">
+                <a:solidFill>
+                  <a:srgbClr val="005828"/>
+                </a:solidFill>
+                <a:latin typeface="Courier New" panose="02070309020205020404" pitchFamily="49" charset="0"/>
+                <a:cs typeface="Courier New" panose="02070309020205020404" pitchFamily="49" charset="0"/>
+              </a:rPr>
+              <a:t>&lt;</a:t>
+            </a:r>
+            <a:r>
+              <a:rPr lang="sr-Latn-RS" sz="1600" b="1" dirty="0">
+                <a:solidFill>
+                  <a:srgbClr val="005828"/>
+                </a:solidFill>
+                <a:latin typeface="Courier New" panose="02070309020205020404" pitchFamily="49" charset="0"/>
+                <a:cs typeface="Courier New" panose="02070309020205020404" pitchFamily="49" charset="0"/>
+              </a:rPr>
+              <a:t>div </a:t>
+            </a:r>
+            <a:r>
+              <a:rPr lang="sr-Latn-RS" sz="1600" b="1" dirty="0" err="1">
+                <a:solidFill>
+                  <a:srgbClr val="005828"/>
+                </a:solidFill>
+                <a:latin typeface="Courier New" panose="02070309020205020404" pitchFamily="49" charset="0"/>
+                <a:cs typeface="Courier New" panose="02070309020205020404" pitchFamily="49" charset="0"/>
+              </a:rPr>
+              <a:t>class</a:t>
+            </a:r>
+            <a:r>
+              <a:rPr lang="sr-Latn-RS" sz="1600" b="1" dirty="0">
+                <a:solidFill>
+                  <a:srgbClr val="005828"/>
+                </a:solidFill>
+                <a:latin typeface="Courier New" panose="02070309020205020404" pitchFamily="49" charset="0"/>
+                <a:cs typeface="Courier New" panose="02070309020205020404" pitchFamily="49" charset="0"/>
+              </a:rPr>
+              <a:t>="</a:t>
+            </a:r>
+            <a:r>
+              <a:rPr lang="sr-Latn-RS" sz="1600" b="1" dirty="0" err="1">
+                <a:solidFill>
+                  <a:srgbClr val="005828"/>
+                </a:solidFill>
+                <a:latin typeface="Courier New" panose="02070309020205020404" pitchFamily="49" charset="0"/>
+                <a:cs typeface="Courier New" panose="02070309020205020404" pitchFamily="49" charset="0"/>
+              </a:rPr>
+              <a:t>inblock</a:t>
+            </a:r>
+            <a:r>
+              <a:rPr lang="sr-Latn-RS" sz="1600" b="1" dirty="0">
+                <a:solidFill>
+                  <a:srgbClr val="005828"/>
+                </a:solidFill>
+                <a:latin typeface="Courier New" panose="02070309020205020404" pitchFamily="49" charset="0"/>
+                <a:cs typeface="Courier New" panose="02070309020205020404" pitchFamily="49" charset="0"/>
+              </a:rPr>
+              <a:t>"&gt;4&lt;/div</a:t>
+            </a:r>
+            <a:r>
+              <a:rPr lang="sr-Latn-RS" sz="1600" b="1" dirty="0" smtClean="0">
+                <a:solidFill>
+                  <a:srgbClr val="005828"/>
+                </a:solidFill>
+                <a:latin typeface="Courier New" panose="02070309020205020404" pitchFamily="49" charset="0"/>
+                <a:cs typeface="Courier New" panose="02070309020205020404" pitchFamily="49" charset="0"/>
+              </a:rPr>
+              <a:t>&gt;</a:t>
+            </a:r>
+            <a:br>
+              <a:rPr lang="sr-Latn-RS" sz="1600" b="1" dirty="0" smtClean="0">
+                <a:solidFill>
+                  <a:srgbClr val="005828"/>
+                </a:solidFill>
+                <a:latin typeface="Courier New" panose="02070309020205020404" pitchFamily="49" charset="0"/>
+                <a:cs typeface="Courier New" panose="02070309020205020404" pitchFamily="49" charset="0"/>
+              </a:rPr>
+            </a:br>
+            <a:r>
+              <a:rPr lang="sr-Latn-RS" sz="1600" b="1" dirty="0" smtClean="0">
+                <a:solidFill>
+                  <a:srgbClr val="005828"/>
+                </a:solidFill>
+                <a:latin typeface="Courier New" panose="02070309020205020404" pitchFamily="49" charset="0"/>
+                <a:cs typeface="Courier New" panose="02070309020205020404" pitchFamily="49" charset="0"/>
+              </a:rPr>
+              <a:t>&lt;</a:t>
+            </a:r>
+            <a:r>
+              <a:rPr lang="sr-Latn-RS" sz="1600" b="1" dirty="0">
+                <a:solidFill>
+                  <a:srgbClr val="005828"/>
+                </a:solidFill>
+                <a:latin typeface="Courier New" panose="02070309020205020404" pitchFamily="49" charset="0"/>
+                <a:cs typeface="Courier New" panose="02070309020205020404" pitchFamily="49" charset="0"/>
+              </a:rPr>
+              <a:t>div </a:t>
+            </a:r>
+            <a:r>
+              <a:rPr lang="sr-Latn-RS" sz="1600" b="1" dirty="0" err="1">
+                <a:solidFill>
+                  <a:srgbClr val="005828"/>
+                </a:solidFill>
+                <a:latin typeface="Courier New" panose="02070309020205020404" pitchFamily="49" charset="0"/>
+                <a:cs typeface="Courier New" panose="02070309020205020404" pitchFamily="49" charset="0"/>
+              </a:rPr>
+              <a:t>class</a:t>
+            </a:r>
+            <a:r>
+              <a:rPr lang="sr-Latn-RS" sz="1600" b="1" dirty="0">
+                <a:solidFill>
+                  <a:srgbClr val="005828"/>
+                </a:solidFill>
+                <a:latin typeface="Courier New" panose="02070309020205020404" pitchFamily="49" charset="0"/>
+                <a:cs typeface="Courier New" panose="02070309020205020404" pitchFamily="49" charset="0"/>
+              </a:rPr>
+              <a:t>="</a:t>
+            </a:r>
+            <a:r>
+              <a:rPr lang="sr-Latn-RS" sz="1600" b="1" dirty="0" err="1">
+                <a:solidFill>
+                  <a:srgbClr val="005828"/>
+                </a:solidFill>
+                <a:latin typeface="Courier New" panose="02070309020205020404" pitchFamily="49" charset="0"/>
+                <a:cs typeface="Courier New" panose="02070309020205020404" pitchFamily="49" charset="0"/>
+              </a:rPr>
+              <a:t>inblock</a:t>
+            </a:r>
+            <a:r>
+              <a:rPr lang="sr-Latn-RS" sz="1600" b="1" dirty="0">
+                <a:solidFill>
+                  <a:srgbClr val="005828"/>
+                </a:solidFill>
+                <a:latin typeface="Courier New" panose="02070309020205020404" pitchFamily="49" charset="0"/>
+                <a:cs typeface="Courier New" panose="02070309020205020404" pitchFamily="49" charset="0"/>
+              </a:rPr>
+              <a:t>"&gt;5&lt;/div</a:t>
+            </a:r>
+            <a:r>
+              <a:rPr lang="sr-Latn-RS" sz="1600" b="1" dirty="0" smtClean="0">
+                <a:solidFill>
+                  <a:srgbClr val="005828"/>
+                </a:solidFill>
+                <a:latin typeface="Courier New" panose="02070309020205020404" pitchFamily="49" charset="0"/>
+                <a:cs typeface="Courier New" panose="02070309020205020404" pitchFamily="49" charset="0"/>
+              </a:rPr>
+              <a:t>&gt;</a:t>
+            </a:r>
+            <a:br>
+              <a:rPr lang="sr-Latn-RS" sz="1600" b="1" dirty="0" smtClean="0">
+                <a:solidFill>
+                  <a:srgbClr val="005828"/>
+                </a:solidFill>
+                <a:latin typeface="Courier New" panose="02070309020205020404" pitchFamily="49" charset="0"/>
+                <a:cs typeface="Courier New" panose="02070309020205020404" pitchFamily="49" charset="0"/>
+              </a:rPr>
+            </a:br>
+            <a:r>
+              <a:rPr lang="sr-Latn-RS" sz="1600" b="1" dirty="0" smtClean="0">
+                <a:solidFill>
+                  <a:srgbClr val="005828"/>
+                </a:solidFill>
+                <a:latin typeface="Courier New" panose="02070309020205020404" pitchFamily="49" charset="0"/>
+                <a:cs typeface="Courier New" panose="02070309020205020404" pitchFamily="49" charset="0"/>
+              </a:rPr>
+              <a:t>&lt;</a:t>
+            </a:r>
+            <a:r>
+              <a:rPr lang="sr-Latn-RS" sz="1600" b="1" dirty="0">
+                <a:solidFill>
+                  <a:srgbClr val="005828"/>
+                </a:solidFill>
+                <a:latin typeface="Courier New" panose="02070309020205020404" pitchFamily="49" charset="0"/>
+                <a:cs typeface="Courier New" panose="02070309020205020404" pitchFamily="49" charset="0"/>
+              </a:rPr>
+              <a:t>div </a:t>
+            </a:r>
+            <a:r>
+              <a:rPr lang="sr-Latn-RS" sz="1600" b="1" dirty="0" err="1">
+                <a:solidFill>
+                  <a:srgbClr val="005828"/>
+                </a:solidFill>
+                <a:latin typeface="Courier New" panose="02070309020205020404" pitchFamily="49" charset="0"/>
+                <a:cs typeface="Courier New" panose="02070309020205020404" pitchFamily="49" charset="0"/>
+              </a:rPr>
+              <a:t>class</a:t>
+            </a:r>
+            <a:r>
+              <a:rPr lang="sr-Latn-RS" sz="1600" b="1" dirty="0">
+                <a:solidFill>
+                  <a:srgbClr val="005828"/>
+                </a:solidFill>
+                <a:latin typeface="Courier New" panose="02070309020205020404" pitchFamily="49" charset="0"/>
+                <a:cs typeface="Courier New" panose="02070309020205020404" pitchFamily="49" charset="0"/>
+              </a:rPr>
+              <a:t>="</a:t>
+            </a:r>
+            <a:r>
+              <a:rPr lang="sr-Latn-RS" sz="1600" b="1" dirty="0" err="1">
+                <a:solidFill>
+                  <a:srgbClr val="005828"/>
+                </a:solidFill>
+                <a:latin typeface="Courier New" panose="02070309020205020404" pitchFamily="49" charset="0"/>
+                <a:cs typeface="Courier New" panose="02070309020205020404" pitchFamily="49" charset="0"/>
+              </a:rPr>
+              <a:t>inblock</a:t>
+            </a:r>
+            <a:r>
+              <a:rPr lang="sr-Latn-RS" sz="1600" b="1" dirty="0">
+                <a:solidFill>
+                  <a:srgbClr val="005828"/>
+                </a:solidFill>
+                <a:latin typeface="Courier New" panose="02070309020205020404" pitchFamily="49" charset="0"/>
+                <a:cs typeface="Courier New" panose="02070309020205020404" pitchFamily="49" charset="0"/>
+              </a:rPr>
+              <a:t>"&gt;6&lt;/div</a:t>
+            </a:r>
+            <a:r>
+              <a:rPr lang="sr-Latn-RS" sz="1600" b="1" dirty="0" smtClean="0">
+                <a:solidFill>
+                  <a:srgbClr val="005828"/>
+                </a:solidFill>
+                <a:latin typeface="Courier New" panose="02070309020205020404" pitchFamily="49" charset="0"/>
+                <a:cs typeface="Courier New" panose="02070309020205020404" pitchFamily="49" charset="0"/>
+              </a:rPr>
+              <a:t>&gt;</a:t>
+            </a:r>
+            <a:br>
+              <a:rPr lang="sr-Latn-RS" sz="1600" b="1" dirty="0" smtClean="0">
+                <a:solidFill>
+                  <a:srgbClr val="005828"/>
+                </a:solidFill>
+                <a:latin typeface="Courier New" panose="02070309020205020404" pitchFamily="49" charset="0"/>
+                <a:cs typeface="Courier New" panose="02070309020205020404" pitchFamily="49" charset="0"/>
+              </a:rPr>
+            </a:br>
+            <a:r>
+              <a:rPr lang="sr-Latn-RS" sz="1600" b="1" dirty="0" smtClean="0">
+                <a:solidFill>
+                  <a:srgbClr val="005828"/>
+                </a:solidFill>
+                <a:latin typeface="Courier New" panose="02070309020205020404" pitchFamily="49" charset="0"/>
+                <a:cs typeface="Courier New" panose="02070309020205020404" pitchFamily="49" charset="0"/>
+              </a:rPr>
+              <a:t>&lt;</a:t>
+            </a:r>
+            <a:r>
+              <a:rPr lang="sr-Latn-RS" sz="1600" b="1" dirty="0">
+                <a:solidFill>
+                  <a:srgbClr val="005828"/>
+                </a:solidFill>
+                <a:latin typeface="Courier New" panose="02070309020205020404" pitchFamily="49" charset="0"/>
+                <a:cs typeface="Courier New" panose="02070309020205020404" pitchFamily="49" charset="0"/>
+              </a:rPr>
+              <a:t>div&gt;Iza&lt;/div&gt;</a:t>
+            </a:r>
+          </a:p>
+        </p:txBody>
+      </p:sp>
+      <p:pic>
+        <p:nvPicPr>
+          <p:cNvPr id="16386" name="Picture 2"/>
+          <p:cNvPicPr>
+            <a:picLocks noChangeAspect="1" noChangeArrowheads="1"/>
+          </p:cNvPicPr>
+          <p:nvPr/>
+        </p:nvPicPr>
+        <p:blipFill rotWithShape="1">
+          <a:blip r:embed="rId2">
+            <a:extLst>
+              <a:ext uri="{28A0092B-C50C-407E-A947-70E740481C1C}">
+                <a14:useLocalDpi xmlns:a14="http://schemas.microsoft.com/office/drawing/2010/main" val="0"/>
+              </a:ext>
+            </a:extLst>
+          </a:blip>
+          <a:srcRect t="2505" r="1171" b="16958"/>
+          <a:stretch/>
+        </p:blipFill>
+        <p:spPr bwMode="auto">
+          <a:xfrm>
+            <a:off x="4507009" y="4221088"/>
+            <a:ext cx="4636991" cy="1702188"/>
+          </a:xfrm>
+          <a:prstGeom prst="rect">
+            <a:avLst/>
+          </a:prstGeom>
+          <a:noFill/>
+          <a:ln>
+            <a:noFill/>
+          </a:ln>
+          <a:extLst>
+            <a:ext uri="{909E8E84-426E-40DD-AFC4-6F175D3DCCD1}">
+              <a14:hiddenFill xmlns:a14="http://schemas.microsoft.com/office/drawing/2010/main">
+                <a:solidFill>
+                  <a:schemeClr val="accent1"/>
+                </a:solidFill>
+              </a14:hiddenFill>
+            </a:ext>
+            <a:ext uri="{91240B29-F687-4F45-9708-019B960494DF}">
+              <a14:hiddenLine xmlns:a14="http://schemas.microsoft.com/office/drawing/2010/main" w="9525">
+                <a:solidFill>
+                  <a:schemeClr val="tx1"/>
+                </a:solidFill>
+                <a:miter lim="800000"/>
+                <a:headEnd/>
+                <a:tailEnd/>
+              </a14:hiddenLine>
+            </a:ext>
+          </a:extLst>
+        </p:spPr>
+      </p:pic>
+    </p:spTree>
+    <p:extLst>
+      <p:ext uri="{BB962C8B-B14F-4D97-AF65-F5344CB8AC3E}">
+        <p14:creationId xmlns:p14="http://schemas.microsoft.com/office/powerpoint/2010/main" val="3879091983"/>
+      </p:ext>
+    </p:extLst>
+  </p:cSld>
+  <p:clrMapOvr>
+    <a:masterClrMapping/>
+  </p:clrMapOvr>
+  <p:timing>
+    <p:tnLst>
+      <p:par>
+        <p:cTn id="1" dur="indefinite" restart="never" nodeType="tmRoot"/>
+      </p:par>
+    </p:tnLst>
+  </p:timing>
+</p:sld>
+</file>
+
+<file path=ppt/slides/slide43.xml><?xml version="1.0" encoding="utf-8"?>
 <p:sld xmlns:a="http://schemas.openxmlformats.org/drawingml/2006/main" xmlns:r="http://schemas.openxmlformats.org/officeDocument/2006/relationships" xmlns:p="http://schemas.openxmlformats.org/presentationml/2006/main">
   <p:cSld>
     <p:spTree>
@@ -31463,11 +33197,7 @@
             </a:r>
             <a:r>
               <a:rPr lang="fi-FI" dirty="0" smtClean="0"/>
-              <a:t> </a:t>
-            </a:r>
-            <a:r>
-              <a:rPr lang="fi-FI" dirty="0" smtClean="0"/>
-              <a:t>(</a:t>
+              <a:t> (</a:t>
             </a:r>
             <a:r>
               <a:rPr lang="sr-Latn-RS" dirty="0" smtClean="0"/>
@@ -31784,10 +33514,6 @@
             <a:r>
               <a:rPr lang="sr-Latn-RS" dirty="0" smtClean="0"/>
               <a:t>Primer:</a:t>
-            </a:r>
-            <a:r>
-              <a:rPr lang="sr-Latn-RS" dirty="0" smtClean="0"/>
-              <a:t/>
             </a:r>
             <a:br>
               <a:rPr lang="sr-Latn-RS" dirty="0" smtClean="0"/>
